--- a/doc/Final/Final.pptx
+++ b/doc/Final/Final.pptx
@@ -200,7 +200,7 @@
           <a:p>
             <a:fld id="{A6609C19-3333-F748-BFA8-3DC416911B5B}" type="datetimeFigureOut">
               <a:rPr lang="en-US" smtClean="0"/>
-              <a:t>4/3/13</a:t>
+              <a:t>4/26/13</a:t>
             </a:fld>
             <a:endParaRPr lang="en-US"/>
           </a:p>
@@ -1449,7 +1449,7 @@
           <a:p>
             <a:fld id="{6B35E7C1-0930-394A-BB48-132AAC6FC298}" type="datetimeFigureOut">
               <a:rPr lang="en-US" smtClean="0"/>
-              <a:t>4/3/13</a:t>
+              <a:t>4/26/13</a:t>
             </a:fld>
             <a:endParaRPr lang="en-US"/>
           </a:p>
@@ -1619,7 +1619,7 @@
           <a:p>
             <a:fld id="{6B35E7C1-0930-394A-BB48-132AAC6FC298}" type="datetimeFigureOut">
               <a:rPr lang="en-US" smtClean="0"/>
-              <a:t>4/3/13</a:t>
+              <a:t>4/26/13</a:t>
             </a:fld>
             <a:endParaRPr lang="en-US"/>
           </a:p>
@@ -1799,7 +1799,7 @@
           <a:p>
             <a:fld id="{6B35E7C1-0930-394A-BB48-132AAC6FC298}" type="datetimeFigureOut">
               <a:rPr lang="en-US" smtClean="0"/>
-              <a:t>4/3/13</a:t>
+              <a:t>4/26/13</a:t>
             </a:fld>
             <a:endParaRPr lang="en-US"/>
           </a:p>
@@ -1969,7 +1969,7 @@
           <a:p>
             <a:fld id="{6B35E7C1-0930-394A-BB48-132AAC6FC298}" type="datetimeFigureOut">
               <a:rPr lang="en-US" smtClean="0"/>
-              <a:t>4/3/13</a:t>
+              <a:t>4/26/13</a:t>
             </a:fld>
             <a:endParaRPr lang="en-US"/>
           </a:p>
@@ -2215,7 +2215,7 @@
           <a:p>
             <a:fld id="{6B35E7C1-0930-394A-BB48-132AAC6FC298}" type="datetimeFigureOut">
               <a:rPr lang="en-US" smtClean="0"/>
-              <a:t>4/3/13</a:t>
+              <a:t>4/26/13</a:t>
             </a:fld>
             <a:endParaRPr lang="en-US"/>
           </a:p>
@@ -2503,7 +2503,7 @@
           <a:p>
             <a:fld id="{6B35E7C1-0930-394A-BB48-132AAC6FC298}" type="datetimeFigureOut">
               <a:rPr lang="en-US" smtClean="0"/>
-              <a:t>4/3/13</a:t>
+              <a:t>4/26/13</a:t>
             </a:fld>
             <a:endParaRPr lang="en-US"/>
           </a:p>
@@ -2925,7 +2925,7 @@
           <a:p>
             <a:fld id="{6B35E7C1-0930-394A-BB48-132AAC6FC298}" type="datetimeFigureOut">
               <a:rPr lang="en-US" smtClean="0"/>
-              <a:t>4/3/13</a:t>
+              <a:t>4/26/13</a:t>
             </a:fld>
             <a:endParaRPr lang="en-US"/>
           </a:p>
@@ -3043,7 +3043,7 @@
           <a:p>
             <a:fld id="{6B35E7C1-0930-394A-BB48-132AAC6FC298}" type="datetimeFigureOut">
               <a:rPr lang="en-US" smtClean="0"/>
-              <a:t>4/3/13</a:t>
+              <a:t>4/26/13</a:t>
             </a:fld>
             <a:endParaRPr lang="en-US"/>
           </a:p>
@@ -3138,7 +3138,7 @@
           <a:p>
             <a:fld id="{6B35E7C1-0930-394A-BB48-132AAC6FC298}" type="datetimeFigureOut">
               <a:rPr lang="en-US" smtClean="0"/>
-              <a:t>4/3/13</a:t>
+              <a:t>4/26/13</a:t>
             </a:fld>
             <a:endParaRPr lang="en-US"/>
           </a:p>
@@ -3415,7 +3415,7 @@
           <a:p>
             <a:fld id="{6B35E7C1-0930-394A-BB48-132AAC6FC298}" type="datetimeFigureOut">
               <a:rPr lang="en-US" smtClean="0"/>
-              <a:t>4/3/13</a:t>
+              <a:t>4/26/13</a:t>
             </a:fld>
             <a:endParaRPr lang="en-US"/>
           </a:p>
@@ -3672,7 +3672,7 @@
           <a:p>
             <a:fld id="{6B35E7C1-0930-394A-BB48-132AAC6FC298}" type="datetimeFigureOut">
               <a:rPr lang="en-US" smtClean="0"/>
-              <a:t>4/3/13</a:t>
+              <a:t>4/26/13</a:t>
             </a:fld>
             <a:endParaRPr lang="en-US"/>
           </a:p>
@@ -3891,7 +3891,7 @@
           <a:p>
             <a:fld id="{6B35E7C1-0930-394A-BB48-132AAC6FC298}" type="datetimeFigureOut">
               <a:rPr lang="en-US" smtClean="0"/>
-              <a:t>4/3/13</a:t>
+              <a:t>4/26/13</a:t>
             </a:fld>
             <a:endParaRPr lang="en-US"/>
           </a:p>
@@ -5914,9 +5914,9 @@
         <p:grpSpPr>
           <a:xfrm>
             <a:off x="1572793" y="1356773"/>
-            <a:ext cx="2775188" cy="289451"/>
+            <a:ext cx="2775188" cy="307777"/>
             <a:chOff x="1572793" y="1356773"/>
-            <a:chExt cx="2775188" cy="289451"/>
+            <a:chExt cx="2775188" cy="307777"/>
           </a:xfrm>
         </p:grpSpPr>
         <p:cxnSp>
@@ -5964,7 +5964,7 @@
           <p:spPr>
             <a:xfrm>
               <a:off x="1572793" y="1356773"/>
-              <a:ext cx="2775188" cy="246221"/>
+              <a:ext cx="2775188" cy="307777"/>
             </a:xfrm>
             <a:prstGeom prst="rect">
               <a:avLst/>
@@ -5983,7 +5983,15 @@
               </a:r>
               <a:r>
                 <a:rPr lang="en-US" sz="1000" dirty="0" err="1" smtClean="0"/>
-                <a:t>qid.myAddr.mydomain.com</a:t>
+                <a:t>qid.myAddr.</a:t>
+              </a:r>
+              <a:r>
+                <a:rPr lang="en-US" sz="1400" b="1" dirty="0" err="1" smtClean="0"/>
+                <a:t>mydomain</a:t>
+              </a:r>
+              <a:r>
+                <a:rPr lang="en-US" sz="1000" dirty="0" err="1" smtClean="0"/>
+                <a:t>.com</a:t>
               </a:r>
               <a:endParaRPr lang="en-US" sz="1000" dirty="0"/>
             </a:p>
@@ -6048,8 +6056,8 @@
           </p:nvSpPr>
           <p:spPr>
             <a:xfrm rot="19273781">
-              <a:off x="1369116" y="3817003"/>
-              <a:ext cx="2775188" cy="246221"/>
+              <a:off x="1369116" y="3786225"/>
+              <a:ext cx="2775188" cy="307777"/>
             </a:xfrm>
             <a:prstGeom prst="rect">
               <a:avLst/>
@@ -6072,7 +6080,15 @@
               </a:r>
               <a:r>
                 <a:rPr lang="en-US" sz="1000" dirty="0" err="1" smtClean="0"/>
-                <a:t>qid.myAddr.mydomain.com</a:t>
+                <a:t>qid.myAddr.</a:t>
+              </a:r>
+              <a:r>
+                <a:rPr lang="en-US" sz="1400" b="1" dirty="0" err="1" smtClean="0"/>
+                <a:t>mydomain</a:t>
+              </a:r>
+              <a:r>
+                <a:rPr lang="en-US" sz="1000" dirty="0" err="1" smtClean="0"/>
+                <a:t>.com</a:t>
               </a:r>
               <a:endParaRPr lang="en-US" sz="1000" dirty="0"/>
             </a:p>
@@ -6137,8 +6153,8 @@
           </p:nvSpPr>
           <p:spPr>
             <a:xfrm rot="19055585">
-              <a:off x="1533386" y="4325503"/>
-              <a:ext cx="2775188" cy="246221"/>
+              <a:off x="1533386" y="4294725"/>
+              <a:ext cx="2775188" cy="307777"/>
             </a:xfrm>
             <a:prstGeom prst="rect">
               <a:avLst/>
@@ -6156,10 +6172,10 @@
                 <a:t>3) Referral: </a:t>
               </a:r>
               <a:r>
-                <a:rPr lang="en-US" sz="1000" dirty="0" err="1" smtClean="0"/>
+                <a:rPr lang="en-US" sz="1400" b="1" dirty="0" err="1" smtClean="0"/>
                 <a:t>myAddr</a:t>
               </a:r>
-              <a:endParaRPr lang="en-US" sz="1000" dirty="0"/>
+              <a:endParaRPr lang="en-US" sz="1400" b="1" dirty="0"/>
             </a:p>
           </p:txBody>
         </p:sp>
@@ -6258,9 +6274,9 @@
         <p:grpSpPr>
           <a:xfrm>
             <a:off x="1600877" y="2387553"/>
-            <a:ext cx="3101294" cy="248613"/>
+            <a:ext cx="3101294" cy="307777"/>
             <a:chOff x="1600877" y="2387553"/>
-            <a:chExt cx="3101294" cy="248613"/>
+            <a:chExt cx="3101294" cy="307777"/>
           </a:xfrm>
         </p:grpSpPr>
         <p:cxnSp>
@@ -6308,7 +6324,7 @@
           <p:spPr>
             <a:xfrm>
               <a:off x="1926983" y="2387553"/>
-              <a:ext cx="2775188" cy="246221"/>
+              <a:ext cx="2775188" cy="307777"/>
             </a:xfrm>
             <a:prstGeom prst="rect">
               <a:avLst/>
@@ -6327,7 +6343,15 @@
               </a:r>
               <a:r>
                 <a:rPr lang="en-US" sz="1000" dirty="0" smtClean="0"/>
-                <a:t>) Referral: ns.target2.com</a:t>
+                <a:t>) Referral: ns.</a:t>
+              </a:r>
+              <a:r>
+                <a:rPr lang="en-US" sz="1400" b="1" dirty="0" smtClean="0"/>
+                <a:t>target2</a:t>
+              </a:r>
+              <a:r>
+                <a:rPr lang="en-US" sz="1000" dirty="0" smtClean="0"/>
+                <a:t>.com</a:t>
               </a:r>
               <a:endParaRPr lang="en-US" sz="1000" dirty="0"/>
             </a:p>

--- a/doc/Final/Final.pptx
+++ b/doc/Final/Final.pptx
@@ -5,18 +5,20 @@
     <p:sldMasterId id="2147483673" r:id="rId1"/>
   </p:sldMasterIdLst>
   <p:notesMasterIdLst>
-    <p:notesMasterId r:id="rId11"/>
+    <p:notesMasterId r:id="rId13"/>
   </p:notesMasterIdLst>
   <p:sldIdLst>
     <p:sldId id="256" r:id="rId2"/>
-    <p:sldId id="257" r:id="rId3"/>
-    <p:sldId id="258" r:id="rId4"/>
-    <p:sldId id="259" r:id="rId5"/>
-    <p:sldId id="260" r:id="rId6"/>
-    <p:sldId id="263" r:id="rId7"/>
-    <p:sldId id="264" r:id="rId8"/>
-    <p:sldId id="265" r:id="rId9"/>
-    <p:sldId id="266" r:id="rId10"/>
+    <p:sldId id="267" r:id="rId3"/>
+    <p:sldId id="257" r:id="rId4"/>
+    <p:sldId id="258" r:id="rId5"/>
+    <p:sldId id="259" r:id="rId6"/>
+    <p:sldId id="260" r:id="rId7"/>
+    <p:sldId id="263" r:id="rId8"/>
+    <p:sldId id="264" r:id="rId9"/>
+    <p:sldId id="268" r:id="rId10"/>
+    <p:sldId id="265" r:id="rId11"/>
+    <p:sldId id="266" r:id="rId12"/>
   </p:sldIdLst>
   <p:sldSz cx="9144000" cy="6858000" type="screen4x3"/>
   <p:notesSz cx="6858000" cy="9144000"/>
@@ -521,7 +523,7 @@
                 <a:ea typeface="+mn-ea"/>
                 <a:cs typeface="+mn-cs"/>
               </a:rPr>
-              <a:t>Slide #1: Concisely describe the problem your project seeks to solve (e.g., demonstrate very fast access to remote memory, provide better network support for virtual machine migration, manage multiple wireless network interfaces more effectively, etc.).</a:t>
+              <a:t>Slide #2: Motivate your project by describing why its solution is important. Who would care if you are successful and why?</a:t>
             </a:r>
             <a:endParaRPr lang="en-US" dirty="0"/>
           </a:p>
@@ -545,6 +547,90 @@
             <a:fld id="{437C7616-B134-0047-ABFF-A95E6FAEFE2A}" type="slidenum">
               <a:rPr lang="en-US" smtClean="0"/>
               <a:t>2</a:t>
+            </a:fld>
+            <a:endParaRPr lang="en-US"/>
+          </a:p>
+        </p:txBody>
+      </p:sp>
+    </p:spTree>
+    <p:extLst>
+      <p:ext uri="{BB962C8B-B14F-4D97-AF65-F5344CB8AC3E}">
+        <p14:creationId xmlns:p14="http://schemas.microsoft.com/office/powerpoint/2010/main" val="274700957"/>
+      </p:ext>
+    </p:extLst>
+  </p:cSld>
+  <p:clrMapOvr>
+    <a:masterClrMapping/>
+  </p:clrMapOvr>
+</p:notes>
+</file>
+
+<file path=ppt/notesSlides/notesSlide10.xml><?xml version="1.0" encoding="utf-8"?>
+<p:notes xmlns:a="http://schemas.openxmlformats.org/drawingml/2006/main" xmlns:r="http://schemas.openxmlformats.org/officeDocument/2006/relationships" xmlns:p="http://schemas.openxmlformats.org/presentationml/2006/main">
+  <p:cSld>
+    <p:spTree>
+      <p:nvGrpSpPr>
+        <p:cNvPr id="1" name=""/>
+        <p:cNvGrpSpPr/>
+        <p:nvPr/>
+      </p:nvGrpSpPr>
+      <p:grpSpPr>
+        <a:xfrm>
+          <a:off x="0" y="0"/>
+          <a:ext cx="0" cy="0"/>
+          <a:chOff x="0" y="0"/>
+          <a:chExt cx="0" cy="0"/>
+        </a:xfrm>
+      </p:grpSpPr>
+      <p:sp>
+        <p:nvSpPr>
+          <p:cNvPr id="2" name="Slide Image Placeholder 1"/>
+          <p:cNvSpPr>
+            <a:spLocks noGrp="1" noRot="1" noChangeAspect="1"/>
+          </p:cNvSpPr>
+          <p:nvPr>
+            <p:ph type="sldImg"/>
+          </p:nvPr>
+        </p:nvSpPr>
+        <p:spPr/>
+      </p:sp>
+      <p:sp>
+        <p:nvSpPr>
+          <p:cNvPr id="3" name="Notes Placeholder 2"/>
+          <p:cNvSpPr>
+            <a:spLocks noGrp="1"/>
+          </p:cNvSpPr>
+          <p:nvPr>
+            <p:ph type="body" idx="1"/>
+          </p:nvPr>
+        </p:nvSpPr>
+        <p:spPr/>
+        <p:txBody>
+          <a:bodyPr/>
+          <a:lstStyle/>
+          <a:p>
+            <a:endParaRPr lang="en-US" dirty="0" smtClean="0"/>
+          </a:p>
+        </p:txBody>
+      </p:sp>
+      <p:sp>
+        <p:nvSpPr>
+          <p:cNvPr id="4" name="Slide Number Placeholder 3"/>
+          <p:cNvSpPr>
+            <a:spLocks noGrp="1"/>
+          </p:cNvSpPr>
+          <p:nvPr>
+            <p:ph type="sldNum" sz="quarter" idx="10"/>
+          </p:nvPr>
+        </p:nvSpPr>
+        <p:spPr/>
+        <p:txBody>
+          <a:bodyPr/>
+          <a:lstStyle/>
+          <a:p>
+            <a:fld id="{437C7616-B134-0047-ABFF-A95E6FAEFE2A}" type="slidenum">
+              <a:rPr lang="en-US" smtClean="0"/>
+              <a:t>11</a:t>
             </a:fld>
             <a:endParaRPr lang="en-US"/>
           </a:p>
@@ -616,7 +702,7 @@
                 <a:ea typeface="+mn-ea"/>
                 <a:cs typeface="+mn-cs"/>
               </a:rPr>
-              <a:t>Slide #2: Motivate your project by describing why its solution is important. Who would care if you are successful and why?</a:t>
+              <a:t>Slide #1: Concisely describe the problem your project seeks to solve (e.g., demonstrate very fast access to remote memory, provide better network support for virtual machine migration, manage multiple wireless network interfaces more effectively, etc.).</a:t>
             </a:r>
             <a:endParaRPr lang="en-US" dirty="0"/>
           </a:p>
@@ -711,7 +797,7 @@
                 <a:ea typeface="+mn-ea"/>
                 <a:cs typeface="+mn-cs"/>
               </a:rPr>
-              <a:t>Slide #3: Describe prior work. If your problem is so important, why hasn't it been solved already? What has already been done and where does it fall short? </a:t>
+              <a:t>Slide #2: Motivate your project by describing why its solution is important. Who would care if you are successful and why?</a:t>
             </a:r>
             <a:endParaRPr lang="en-US" dirty="0"/>
           </a:p>
@@ -797,23 +883,6 @@
           <a:bodyPr/>
           <a:lstStyle/>
           <a:p>
-            <a:pPr marL="0" marR="0" indent="0" algn="l" defTabSz="457200" rtl="0" eaLnBrk="1" fontAlgn="auto" latinLnBrk="0" hangingPunct="1">
-              <a:lnSpc>
-                <a:spcPct val="100000"/>
-              </a:lnSpc>
-              <a:spcBef>
-                <a:spcPts val="0"/>
-              </a:spcBef>
-              <a:spcAft>
-                <a:spcPts val="0"/>
-              </a:spcAft>
-              <a:buClrTx/>
-              <a:buSzTx/>
-              <a:buFontTx/>
-              <a:buNone/>
-              <a:tabLst/>
-              <a:defRPr/>
-            </a:pPr>
             <a:r>
               <a:rPr lang="en-US" sz="1200" kern="1200" dirty="0" smtClean="0">
                 <a:solidFill>
@@ -823,45 +892,9 @@
                 <a:ea typeface="+mn-ea"/>
                 <a:cs typeface="+mn-cs"/>
               </a:rPr>
-              <a:t>Slide #4: Briefly discuss your technical approach. What are you (hopefully) new ideas for solving your problem? What will be your evaluation approach (e.g., what is the figure of merit for your project and how will you go about measuring it?).</a:t>
-            </a:r>
-            <a:endParaRPr lang="en-US" dirty="0" smtClean="0"/>
-          </a:p>
-          <a:p>
+              <a:t>Slide #3: Describe prior work. If your problem is so important, why hasn't it been solved already? What has already been done and where does it fall short? </a:t>
+            </a:r>
             <a:endParaRPr lang="en-US" dirty="0"/>
-          </a:p>
-          <a:p>
-            <a:r>
-              <a:rPr lang="en-US" dirty="0"/>
-              <a:t>----- Meeting Notes (4/3/13 13:22) -----</a:t>
-            </a:r>
-          </a:p>
-          <a:p>
-            <a:r>
-              <a:rPr lang="en-US" dirty="0"/>
-              <a:t>WAN</a:t>
-            </a:r>
-          </a:p>
-          <a:p>
-            <a:r>
-              <a:rPr lang="en-US" dirty="0"/>
-              <a:t>Use Turbo king to test a wide range of networks</a:t>
-            </a:r>
-          </a:p>
-          <a:p>
-            <a:endParaRPr lang="en-US" dirty="0"/>
-          </a:p>
-          <a:p>
-            <a:r>
-              <a:rPr lang="en-US" dirty="0"/>
-              <a:t>Mobile</a:t>
-            </a:r>
-          </a:p>
-          <a:p>
-            <a:r>
-              <a:rPr lang="en-US" dirty="0"/>
-              <a:t>We are limited by the fact there there is not a distributed network of wireless nodes that we can use for testing. So instead we are looking to better understand the latency of the networks we have access</a:t>
-            </a:r>
           </a:p>
         </p:txBody>
       </p:sp>
@@ -945,6 +978,23 @@
           <a:bodyPr/>
           <a:lstStyle/>
           <a:p>
+            <a:pPr marL="0" marR="0" indent="0" algn="l" defTabSz="457200" rtl="0" eaLnBrk="1" fontAlgn="auto" latinLnBrk="0" hangingPunct="1">
+              <a:lnSpc>
+                <a:spcPct val="100000"/>
+              </a:lnSpc>
+              <a:spcBef>
+                <a:spcPts val="0"/>
+              </a:spcBef>
+              <a:spcAft>
+                <a:spcPts val="0"/>
+              </a:spcAft>
+              <a:buClrTx/>
+              <a:buSzTx/>
+              <a:buFontTx/>
+              <a:buNone/>
+              <a:tabLst/>
+              <a:defRPr/>
+            </a:pPr>
             <a:r>
               <a:rPr lang="en-US" sz="1200" kern="1200" dirty="0" smtClean="0">
                 <a:solidFill>
@@ -954,9 +1004,45 @@
                 <a:ea typeface="+mn-ea"/>
                 <a:cs typeface="+mn-cs"/>
               </a:rPr>
-              <a:t>Slide #2: Motivate your project by describing why its solution is important. Who would care if you are successful and why?</a:t>
-            </a:r>
+              <a:t>Slide #4: Briefly discuss your technical approach. What are you (hopefully) new ideas for solving your problem? What will be your evaluation approach (e.g., what is the figure of merit for your project and how will you go about measuring it?).</a:t>
+            </a:r>
+            <a:endParaRPr lang="en-US" dirty="0" smtClean="0"/>
+          </a:p>
+          <a:p>
             <a:endParaRPr lang="en-US" dirty="0"/>
+          </a:p>
+          <a:p>
+            <a:r>
+              <a:rPr lang="en-US" dirty="0"/>
+              <a:t>----- Meeting Notes (4/3/13 13:22) -----</a:t>
+            </a:r>
+          </a:p>
+          <a:p>
+            <a:r>
+              <a:rPr lang="en-US" dirty="0"/>
+              <a:t>WAN</a:t>
+            </a:r>
+          </a:p>
+          <a:p>
+            <a:r>
+              <a:rPr lang="en-US" dirty="0"/>
+              <a:t>Use Turbo king to test a wide range of networks</a:t>
+            </a:r>
+          </a:p>
+          <a:p>
+            <a:endParaRPr lang="en-US" dirty="0"/>
+          </a:p>
+          <a:p>
+            <a:r>
+              <a:rPr lang="en-US" dirty="0"/>
+              <a:t>Mobile</a:t>
+            </a:r>
+          </a:p>
+          <a:p>
+            <a:r>
+              <a:rPr lang="en-US" dirty="0"/>
+              <a:t>We are limited by the fact there there is not a distributed network of wireless nodes that we can use for testing. So instead we are looking to better understand the latency of the networks we have access</a:t>
+            </a:r>
           </a:p>
         </p:txBody>
       </p:sp>
@@ -1136,15 +1222,17 @@
           <a:lstStyle/>
           <a:p>
             <a:r>
-              <a:rPr lang="en-US" dirty="0" smtClean="0"/>
-              <a:t>RFC 1918</a:t>
-            </a:r>
-          </a:p>
-          <a:p>
-            <a:r>
-              <a:rPr lang="en-US" smtClean="0"/>
-              <a:t>172.16.0.0 - 172.31.255.255 (172.16/12 prefix)</a:t>
-            </a:r>
+              <a:rPr lang="en-US" sz="1200" kern="1200" dirty="0" smtClean="0">
+                <a:solidFill>
+                  <a:schemeClr val="tx1"/>
+                </a:solidFill>
+                <a:latin typeface="+mn-lt"/>
+                <a:ea typeface="+mn-ea"/>
+                <a:cs typeface="+mn-cs"/>
+              </a:rPr>
+              <a:t>Slide #2: Motivate your project by describing why its solution is important. Who would care if you are successful and why?</a:t>
+            </a:r>
+            <a:endParaRPr lang="en-US" dirty="0"/>
           </a:p>
         </p:txBody>
       </p:sp>
@@ -1228,7 +1316,18 @@
           <a:bodyPr/>
           <a:lstStyle/>
           <a:p>
-            <a:endParaRPr lang="en-US" dirty="0" smtClean="0"/>
+            <a:r>
+              <a:rPr lang="en-US" sz="1200" kern="1200" dirty="0" smtClean="0">
+                <a:solidFill>
+                  <a:schemeClr val="tx1"/>
+                </a:solidFill>
+                <a:latin typeface="+mn-lt"/>
+                <a:ea typeface="+mn-ea"/>
+                <a:cs typeface="+mn-cs"/>
+              </a:rPr>
+              <a:t>Slide #2: Motivate your project by describing why its solution is important. Who would care if you are successful and why?</a:t>
+            </a:r>
+            <a:endParaRPr lang="en-US" dirty="0"/>
           </a:p>
         </p:txBody>
       </p:sp>
@@ -1250,6 +1349,99 @@
             <a:fld id="{437C7616-B134-0047-ABFF-A95E6FAEFE2A}" type="slidenum">
               <a:rPr lang="en-US" smtClean="0"/>
               <a:t>9</a:t>
+            </a:fld>
+            <a:endParaRPr lang="en-US"/>
+          </a:p>
+        </p:txBody>
+      </p:sp>
+    </p:spTree>
+    <p:extLst>
+      <p:ext uri="{BB962C8B-B14F-4D97-AF65-F5344CB8AC3E}">
+        <p14:creationId xmlns:p14="http://schemas.microsoft.com/office/powerpoint/2010/main" val="274700957"/>
+      </p:ext>
+    </p:extLst>
+  </p:cSld>
+  <p:clrMapOvr>
+    <a:masterClrMapping/>
+  </p:clrMapOvr>
+</p:notes>
+</file>
+
+<file path=ppt/notesSlides/notesSlide9.xml><?xml version="1.0" encoding="utf-8"?>
+<p:notes xmlns:a="http://schemas.openxmlformats.org/drawingml/2006/main" xmlns:r="http://schemas.openxmlformats.org/officeDocument/2006/relationships" xmlns:p="http://schemas.openxmlformats.org/presentationml/2006/main">
+  <p:cSld>
+    <p:spTree>
+      <p:nvGrpSpPr>
+        <p:cNvPr id="1" name=""/>
+        <p:cNvGrpSpPr/>
+        <p:nvPr/>
+      </p:nvGrpSpPr>
+      <p:grpSpPr>
+        <a:xfrm>
+          <a:off x="0" y="0"/>
+          <a:ext cx="0" cy="0"/>
+          <a:chOff x="0" y="0"/>
+          <a:chExt cx="0" cy="0"/>
+        </a:xfrm>
+      </p:grpSpPr>
+      <p:sp>
+        <p:nvSpPr>
+          <p:cNvPr id="2" name="Slide Image Placeholder 1"/>
+          <p:cNvSpPr>
+            <a:spLocks noGrp="1" noRot="1" noChangeAspect="1"/>
+          </p:cNvSpPr>
+          <p:nvPr>
+            <p:ph type="sldImg"/>
+          </p:nvPr>
+        </p:nvSpPr>
+        <p:spPr/>
+      </p:sp>
+      <p:sp>
+        <p:nvSpPr>
+          <p:cNvPr id="3" name="Notes Placeholder 2"/>
+          <p:cNvSpPr>
+            <a:spLocks noGrp="1"/>
+          </p:cNvSpPr>
+          <p:nvPr>
+            <p:ph type="body" idx="1"/>
+          </p:nvPr>
+        </p:nvSpPr>
+        <p:spPr/>
+        <p:txBody>
+          <a:bodyPr/>
+          <a:lstStyle/>
+          <a:p>
+            <a:r>
+              <a:rPr lang="en-US" dirty="0" smtClean="0"/>
+              <a:t>RFC 1918</a:t>
+            </a:r>
+          </a:p>
+          <a:p>
+            <a:r>
+              <a:rPr lang="en-US" smtClean="0"/>
+              <a:t>172.16.0.0 - 172.31.255.255 (172.16/12 prefix)</a:t>
+            </a:r>
+          </a:p>
+        </p:txBody>
+      </p:sp>
+      <p:sp>
+        <p:nvSpPr>
+          <p:cNvPr id="4" name="Slide Number Placeholder 3"/>
+          <p:cNvSpPr>
+            <a:spLocks noGrp="1"/>
+          </p:cNvSpPr>
+          <p:nvPr>
+            <p:ph type="sldNum" sz="quarter" idx="10"/>
+          </p:nvPr>
+        </p:nvSpPr>
+        <p:spPr/>
+        <p:txBody>
+          <a:bodyPr/>
+          <a:lstStyle/>
+          <a:p>
+            <a:fld id="{437C7616-B134-0047-ABFF-A95E6FAEFE2A}" type="slidenum">
+              <a:rPr lang="en-US" smtClean="0"/>
+              <a:t>10</a:t>
             </a:fld>
             <a:endParaRPr lang="en-US"/>
           </a:p>
@@ -4360,7 +4552,7 @@
 </p:sld>
 </file>
 
-<file path=ppt/slides/slide2.xml><?xml version="1.0" encoding="utf-8"?>
+<file path=ppt/slides/slide10.xml><?xml version="1.0" encoding="utf-8"?>
 <p:sld xmlns:a="http://schemas.openxmlformats.org/drawingml/2006/main" xmlns:r="http://schemas.openxmlformats.org/officeDocument/2006/relationships" xmlns:p="http://schemas.openxmlformats.org/presentationml/2006/main">
   <p:cSld>
     <p:spTree>
@@ -4389,8 +4581,8 @@
         </p:nvSpPr>
         <p:spPr>
           <a:xfrm>
-            <a:off x="1" y="274638"/>
-            <a:ext cx="2513164" cy="744205"/>
+            <a:off x="-1" y="274638"/>
+            <a:ext cx="4296701" cy="744205"/>
           </a:xfrm>
         </p:spPr>
         <p:txBody>
@@ -4404,7 +4596,7 @@
                 <a:latin typeface="Segoe Light"/>
                 <a:cs typeface="Segoe Light"/>
               </a:rPr>
-              <a:t>Problem</a:t>
+              <a:t>Progress – Mobile</a:t>
             </a:r>
             <a:endParaRPr lang="en-US" dirty="0">
               <a:latin typeface="Segoe Light"/>
@@ -4425,68 +4617,111 @@
         </p:nvSpPr>
         <p:spPr>
           <a:xfrm>
-            <a:off x="457200" y="1228194"/>
-            <a:ext cx="8229600" cy="4897970"/>
+            <a:off x="457200" y="1228192"/>
+            <a:ext cx="4508075" cy="5274529"/>
           </a:xfrm>
         </p:spPr>
         <p:txBody>
-          <a:bodyPr/>
+          <a:bodyPr>
+            <a:normAutofit/>
+          </a:bodyPr>
           <a:lstStyle/>
           <a:p>
-            <a:r>
-              <a:rPr lang="en-US" dirty="0" smtClean="0">
-                <a:latin typeface="Segoe Light"/>
-                <a:cs typeface="Segoe Light"/>
-              </a:rPr>
-              <a:t>We seek to measure and characterize </a:t>
-            </a:r>
-            <a:r>
-              <a:rPr lang="en-US" dirty="0" smtClean="0">
-                <a:solidFill>
-                  <a:srgbClr val="FF0000"/>
-                </a:solidFill>
-                <a:latin typeface="Segoe Light"/>
-                <a:cs typeface="Segoe Light"/>
-              </a:rPr>
-              <a:t>latency</a:t>
-            </a:r>
-            <a:r>
-              <a:rPr lang="en-US" dirty="0" smtClean="0">
-                <a:latin typeface="Segoe Light"/>
-                <a:cs typeface="Segoe Light"/>
-              </a:rPr>
-              <a:t> as it relates to:</a:t>
+            <a:endParaRPr lang="en-US" sz="2000" dirty="0" smtClean="0">
+              <a:latin typeface="Segoe Light"/>
+              <a:cs typeface="Segoe Light"/>
+            </a:endParaRPr>
+          </a:p>
+          <a:p>
+            <a:r>
+              <a:rPr lang="en-US" sz="2400" dirty="0" err="1" smtClean="0">
+                <a:latin typeface="Segoe Light"/>
+                <a:cs typeface="Segoe Light"/>
+              </a:rPr>
+              <a:t>Traceroute</a:t>
+            </a:r>
+            <a:r>
+              <a:rPr lang="en-US" sz="2400" dirty="0" smtClean="0">
+                <a:latin typeface="Segoe Light"/>
+                <a:cs typeface="Segoe Light"/>
+              </a:rPr>
+              <a:t> </a:t>
             </a:r>
           </a:p>
           <a:p>
             <a:pPr lvl="1"/>
             <a:r>
-              <a:rPr lang="en-US" dirty="0" smtClean="0">
-                <a:latin typeface="Segoe Light"/>
-                <a:cs typeface="Segoe Light"/>
-              </a:rPr>
-              <a:t>Wide Area Networks</a:t>
+              <a:rPr lang="en-US" sz="2000" dirty="0" smtClean="0">
+                <a:latin typeface="Segoe Light"/>
+                <a:cs typeface="Segoe Light"/>
+              </a:rPr>
+              <a:t>From </a:t>
+            </a:r>
+            <a:r>
+              <a:rPr lang="en-US" sz="2000" dirty="0" err="1" smtClean="0">
+                <a:latin typeface="Segoe Light"/>
+                <a:cs typeface="Segoe Light"/>
+              </a:rPr>
+              <a:t>iphone</a:t>
+            </a:r>
+            <a:r>
+              <a:rPr lang="en-US" sz="2000" dirty="0" smtClean="0">
+                <a:latin typeface="Segoe Light"/>
+                <a:cs typeface="Segoe Light"/>
+              </a:rPr>
+              <a:t> (ATT LTE)</a:t>
             </a:r>
           </a:p>
           <a:p>
             <a:pPr lvl="1"/>
             <a:r>
-              <a:rPr lang="en-US" dirty="0" smtClean="0">
-                <a:latin typeface="Segoe Light"/>
-                <a:cs typeface="Segoe Light"/>
-              </a:rPr>
-              <a:t>Data Centers*</a:t>
+              <a:rPr lang="en-US" sz="2000" dirty="0" smtClean="0">
+                <a:latin typeface="Segoe Light"/>
+                <a:cs typeface="Segoe Light"/>
+              </a:rPr>
+              <a:t>to top 943 websites</a:t>
             </a:r>
           </a:p>
           <a:p>
             <a:pPr lvl="1"/>
             <a:r>
-              <a:rPr lang="en-US" dirty="0" smtClean="0">
-                <a:latin typeface="Segoe Light"/>
-                <a:cs typeface="Segoe Light"/>
-              </a:rPr>
-              <a:t>Cellular Networks</a:t>
-            </a:r>
+              <a:rPr lang="en-US" sz="2000" dirty="0" smtClean="0">
+                <a:latin typeface="Segoe Light"/>
+                <a:cs typeface="Segoe Light"/>
+              </a:rPr>
+              <a:t>Raw logs/</a:t>
+            </a:r>
+            <a:r>
+              <a:rPr lang="en-US" sz="2000" dirty="0" err="1" smtClean="0">
+                <a:latin typeface="Segoe Light"/>
+                <a:cs typeface="Segoe Light"/>
+              </a:rPr>
+              <a:t>NoSQL</a:t>
+            </a:r>
+            <a:r>
+              <a:rPr lang="en-US" sz="2000" dirty="0" smtClean="0">
+                <a:latin typeface="Segoe Light"/>
+                <a:cs typeface="Segoe Light"/>
+              </a:rPr>
+              <a:t> </a:t>
+            </a:r>
+            <a:r>
+              <a:rPr lang="en-US" sz="2000" dirty="0" err="1" smtClean="0">
+                <a:latin typeface="Segoe Light"/>
+                <a:cs typeface="Segoe Light"/>
+              </a:rPr>
+              <a:t>db</a:t>
+            </a:r>
+            <a:endParaRPr lang="en-US" sz="2400" dirty="0" smtClean="0">
+              <a:latin typeface="Segoe Light"/>
+              <a:cs typeface="Segoe Light"/>
+            </a:endParaRPr>
+          </a:p>
+          <a:p>
+            <a:endParaRPr lang="en-US" sz="2400" dirty="0" smtClean="0">
+              <a:latin typeface="Segoe Light"/>
+              <a:cs typeface="Segoe Light"/>
+            </a:endParaRPr>
           </a:p>
         </p:txBody>
       </p:sp>
@@ -4500,8 +4735,8 @@
         </p:nvSpPr>
         <p:spPr>
           <a:xfrm>
-            <a:off x="457200" y="6140120"/>
-            <a:ext cx="8229600" cy="458598"/>
+            <a:off x="609600" y="1380593"/>
+            <a:ext cx="8229600" cy="5122129"/>
           </a:xfrm>
           <a:prstGeom prst="rect">
             <a:avLst/>
@@ -4649,23 +4884,2048 @@
             </a:lvl9pPr>
           </a:lstStyle>
           <a:p>
-            <a:pPr marL="0" indent="0">
-              <a:buNone/>
-            </a:pPr>
-            <a:r>
-              <a:rPr lang="en-US" sz="1800" dirty="0" smtClean="0">
-                <a:latin typeface="Segoe Light"/>
-                <a:cs typeface="Segoe Light"/>
-              </a:rPr>
-              <a:t>* Not latency inside DC, rather a comparison to WAN</a:t>
-            </a:r>
-          </a:p>
-        </p:txBody>
-      </p:sp>
+            <a:endParaRPr lang="en-US" sz="2400" dirty="0" smtClean="0">
+              <a:latin typeface="Segoe Light"/>
+              <a:cs typeface="Segoe Light"/>
+            </a:endParaRPr>
+          </a:p>
+        </p:txBody>
+      </p:sp>
+      <p:grpSp>
+        <p:nvGrpSpPr>
+          <p:cNvPr id="8" name="Group 7"/>
+          <p:cNvGrpSpPr/>
+          <p:nvPr/>
+        </p:nvGrpSpPr>
+        <p:grpSpPr>
+          <a:xfrm>
+            <a:off x="5069429" y="152083"/>
+            <a:ext cx="4372091" cy="6560479"/>
+            <a:chOff x="5069429" y="152083"/>
+            <a:chExt cx="4372091" cy="6560479"/>
+          </a:xfrm>
+        </p:grpSpPr>
+        <p:sp>
+          <p:nvSpPr>
+            <p:cNvPr id="5" name="TextBox 4"/>
+            <p:cNvSpPr txBox="1"/>
+            <p:nvPr/>
+          </p:nvSpPr>
+          <p:spPr>
+            <a:xfrm>
+              <a:off x="6422789" y="618676"/>
+              <a:ext cx="184666" cy="369332"/>
+            </a:xfrm>
+            <a:prstGeom prst="rect">
+              <a:avLst/>
+            </a:prstGeom>
+            <a:noFill/>
+          </p:spPr>
+          <p:txBody>
+            <a:bodyPr wrap="none" rtlCol="0">
+              <a:spAutoFit/>
+            </a:bodyPr>
+            <a:lstStyle/>
+            <a:p>
+              <a:endParaRPr lang="en-US" dirty="0"/>
+            </a:p>
+          </p:txBody>
+        </p:sp>
+        <p:sp>
+          <p:nvSpPr>
+            <p:cNvPr id="6" name="Rectangle 5"/>
+            <p:cNvSpPr/>
+            <p:nvPr/>
+          </p:nvSpPr>
+          <p:spPr>
+            <a:xfrm>
+              <a:off x="5069430" y="152083"/>
+              <a:ext cx="2827922" cy="384246"/>
+            </a:xfrm>
+            <a:prstGeom prst="rect">
+              <a:avLst/>
+            </a:prstGeom>
+            <a:solidFill>
+              <a:schemeClr val="bg1">
+                <a:lumMod val="65000"/>
+                <a:lumOff val="35000"/>
+              </a:schemeClr>
+            </a:solidFill>
+            <a:ln>
+              <a:noFill/>
+            </a:ln>
+          </p:spPr>
+          <p:style>
+            <a:lnRef idx="1">
+              <a:schemeClr val="accent1"/>
+            </a:lnRef>
+            <a:fillRef idx="3">
+              <a:schemeClr val="accent1"/>
+            </a:fillRef>
+            <a:effectRef idx="2">
+              <a:schemeClr val="accent1"/>
+            </a:effectRef>
+            <a:fontRef idx="minor">
+              <a:schemeClr val="lt1"/>
+            </a:fontRef>
+          </p:style>
+          <p:txBody>
+            <a:bodyPr rtlCol="0" anchor="ctr"/>
+            <a:lstStyle/>
+            <a:p>
+              <a:pPr algn="ctr"/>
+              <a:r>
+                <a:rPr lang="en-US" dirty="0">
+                  <a:latin typeface="Segoe Light"/>
+                  <a:cs typeface="Segoe Light"/>
+                </a:rPr>
+                <a:t>[AS0] </a:t>
+              </a:r>
+              <a:r>
+                <a:rPr lang="en-US" dirty="0" smtClean="0">
+                  <a:latin typeface="Segoe Light"/>
+                  <a:cs typeface="Segoe Light"/>
+                </a:rPr>
+                <a:t>172.20.10.1</a:t>
+              </a:r>
+              <a:endParaRPr lang="en-US" dirty="0">
+                <a:latin typeface="Segoe Light"/>
+                <a:cs typeface="Segoe Light"/>
+              </a:endParaRPr>
+            </a:p>
+          </p:txBody>
+        </p:sp>
+        <p:sp>
+          <p:nvSpPr>
+            <p:cNvPr id="28" name="Rectangle 27"/>
+            <p:cNvSpPr/>
+            <p:nvPr/>
+          </p:nvSpPr>
+          <p:spPr>
+            <a:xfrm>
+              <a:off x="5069429" y="1024641"/>
+              <a:ext cx="2827923" cy="384246"/>
+            </a:xfrm>
+            <a:prstGeom prst="rect">
+              <a:avLst/>
+            </a:prstGeom>
+            <a:solidFill>
+              <a:schemeClr val="bg1">
+                <a:lumMod val="65000"/>
+                <a:lumOff val="35000"/>
+              </a:schemeClr>
+            </a:solidFill>
+            <a:ln>
+              <a:noFill/>
+            </a:ln>
+          </p:spPr>
+          <p:style>
+            <a:lnRef idx="1">
+              <a:schemeClr val="accent1"/>
+            </a:lnRef>
+            <a:fillRef idx="3">
+              <a:schemeClr val="accent1"/>
+            </a:fillRef>
+            <a:effectRef idx="2">
+              <a:schemeClr val="accent1"/>
+            </a:effectRef>
+            <a:fontRef idx="minor">
+              <a:schemeClr val="lt1"/>
+            </a:fontRef>
+          </p:style>
+          <p:txBody>
+            <a:bodyPr rtlCol="0" anchor="ctr"/>
+            <a:lstStyle/>
+            <a:p>
+              <a:pPr algn="ctr"/>
+              <a:r>
+                <a:rPr lang="en-US" dirty="0" smtClean="0">
+                  <a:latin typeface="Segoe Light"/>
+                  <a:cs typeface="Segoe Light"/>
+                </a:rPr>
+                <a:t>[AS16509] 172.26.241.133</a:t>
+              </a:r>
+              <a:endParaRPr lang="en-US" dirty="0">
+                <a:latin typeface="Segoe Light"/>
+                <a:cs typeface="Segoe Light"/>
+              </a:endParaRPr>
+            </a:p>
+          </p:txBody>
+        </p:sp>
+        <p:sp>
+          <p:nvSpPr>
+            <p:cNvPr id="29" name="Rectangle 28"/>
+            <p:cNvSpPr/>
+            <p:nvPr/>
+          </p:nvSpPr>
+          <p:spPr>
+            <a:xfrm>
+              <a:off x="5069430" y="584944"/>
+              <a:ext cx="2827922" cy="384246"/>
+            </a:xfrm>
+            <a:prstGeom prst="rect">
+              <a:avLst/>
+            </a:prstGeom>
+            <a:solidFill>
+              <a:schemeClr val="bg1">
+                <a:lumMod val="65000"/>
+                <a:lumOff val="35000"/>
+              </a:schemeClr>
+            </a:solidFill>
+            <a:ln>
+              <a:noFill/>
+            </a:ln>
+          </p:spPr>
+          <p:style>
+            <a:lnRef idx="1">
+              <a:schemeClr val="accent1"/>
+            </a:lnRef>
+            <a:fillRef idx="3">
+              <a:schemeClr val="accent1"/>
+            </a:fillRef>
+            <a:effectRef idx="2">
+              <a:schemeClr val="accent1"/>
+            </a:effectRef>
+            <a:fontRef idx="minor">
+              <a:schemeClr val="lt1"/>
+            </a:fontRef>
+          </p:style>
+          <p:txBody>
+            <a:bodyPr rtlCol="0" anchor="ctr"/>
+            <a:lstStyle/>
+            <a:p>
+              <a:pPr algn="ctr"/>
+              <a:r>
+                <a:rPr lang="en-US" dirty="0" smtClean="0">
+                  <a:latin typeface="Segoe Light"/>
+                  <a:cs typeface="Segoe Light"/>
+                </a:rPr>
+                <a:t>[AS16509] 172.26.236.2</a:t>
+              </a:r>
+              <a:endParaRPr lang="en-US" dirty="0">
+                <a:latin typeface="Segoe Light"/>
+                <a:cs typeface="Segoe Light"/>
+              </a:endParaRPr>
+            </a:p>
+          </p:txBody>
+        </p:sp>
+        <p:sp>
+          <p:nvSpPr>
+            <p:cNvPr id="30" name="Rectangle 29"/>
+            <p:cNvSpPr/>
+            <p:nvPr/>
+          </p:nvSpPr>
+          <p:spPr>
+            <a:xfrm>
+              <a:off x="5069430" y="1462745"/>
+              <a:ext cx="2827923" cy="868599"/>
+            </a:xfrm>
+            <a:prstGeom prst="rect">
+              <a:avLst/>
+            </a:prstGeom>
+            <a:solidFill>
+              <a:schemeClr val="bg1">
+                <a:lumMod val="65000"/>
+                <a:lumOff val="35000"/>
+              </a:schemeClr>
+            </a:solidFill>
+            <a:ln>
+              <a:noFill/>
+            </a:ln>
+          </p:spPr>
+          <p:style>
+            <a:lnRef idx="1">
+              <a:schemeClr val="accent1"/>
+            </a:lnRef>
+            <a:fillRef idx="3">
+              <a:schemeClr val="accent1"/>
+            </a:fillRef>
+            <a:effectRef idx="2">
+              <a:schemeClr val="accent1"/>
+            </a:effectRef>
+            <a:fontRef idx="minor">
+              <a:schemeClr val="lt1"/>
+            </a:fontRef>
+          </p:style>
+          <p:txBody>
+            <a:bodyPr rtlCol="0" anchor="ctr"/>
+            <a:lstStyle/>
+            <a:p>
+              <a:pPr algn="ctr"/>
+              <a:r>
+                <a:rPr lang="en-US" dirty="0" smtClean="0">
+                  <a:latin typeface="Segoe Light"/>
+                  <a:cs typeface="Segoe Light"/>
+                </a:rPr>
+                <a:t>[AS0] 172.26.96.10/172.26.96.11</a:t>
+              </a:r>
+            </a:p>
+            <a:p>
+              <a:pPr algn="ctr"/>
+              <a:r>
+                <a:rPr lang="en-US" dirty="0">
+                  <a:latin typeface="Segoe Light"/>
+                  <a:cs typeface="Segoe Light"/>
+                </a:rPr>
+                <a:t>172.26.96.3/</a:t>
+              </a:r>
+              <a:r>
+                <a:rPr lang="en-US" dirty="0" smtClean="0">
+                  <a:latin typeface="Segoe Light"/>
+                  <a:cs typeface="Segoe Light"/>
+                </a:rPr>
+                <a:t>172.26.96.2</a:t>
+              </a:r>
+              <a:endParaRPr lang="en-US" dirty="0">
+                <a:latin typeface="Segoe Light"/>
+                <a:cs typeface="Segoe Light"/>
+              </a:endParaRPr>
+            </a:p>
+          </p:txBody>
+        </p:sp>
+        <p:sp>
+          <p:nvSpPr>
+            <p:cNvPr id="32" name="Rectangle 31"/>
+            <p:cNvSpPr/>
+            <p:nvPr/>
+          </p:nvSpPr>
+          <p:spPr>
+            <a:xfrm>
+              <a:off x="5069429" y="2389112"/>
+              <a:ext cx="2827923" cy="384246"/>
+            </a:xfrm>
+            <a:prstGeom prst="rect">
+              <a:avLst/>
+            </a:prstGeom>
+            <a:solidFill>
+              <a:schemeClr val="bg1">
+                <a:lumMod val="65000"/>
+                <a:lumOff val="35000"/>
+              </a:schemeClr>
+            </a:solidFill>
+            <a:ln>
+              <a:noFill/>
+            </a:ln>
+          </p:spPr>
+          <p:style>
+            <a:lnRef idx="1">
+              <a:schemeClr val="accent1"/>
+            </a:lnRef>
+            <a:fillRef idx="3">
+              <a:schemeClr val="accent1"/>
+            </a:fillRef>
+            <a:effectRef idx="2">
+              <a:schemeClr val="accent1"/>
+            </a:effectRef>
+            <a:fontRef idx="minor">
+              <a:schemeClr val="lt1"/>
+            </a:fontRef>
+          </p:style>
+          <p:txBody>
+            <a:bodyPr rtlCol="0" anchor="ctr"/>
+            <a:lstStyle/>
+            <a:p>
+              <a:pPr algn="ctr"/>
+              <a:r>
+                <a:rPr lang="en-US" dirty="0" smtClean="0">
+                  <a:latin typeface="Segoe Light"/>
+                  <a:cs typeface="Segoe Light"/>
+                </a:rPr>
+                <a:t>[AS0] 172.26.96.193</a:t>
+              </a:r>
+              <a:endParaRPr lang="en-US" dirty="0">
+                <a:latin typeface="Segoe Light"/>
+                <a:cs typeface="Segoe Light"/>
+              </a:endParaRPr>
+            </a:p>
+          </p:txBody>
+        </p:sp>
+        <p:sp>
+          <p:nvSpPr>
+            <p:cNvPr id="33" name="Rectangle 32"/>
+            <p:cNvSpPr/>
+            <p:nvPr/>
+          </p:nvSpPr>
+          <p:spPr>
+            <a:xfrm>
+              <a:off x="5069430" y="2836355"/>
+              <a:ext cx="2827923" cy="384246"/>
+            </a:xfrm>
+            <a:prstGeom prst="rect">
+              <a:avLst/>
+            </a:prstGeom>
+            <a:solidFill>
+              <a:schemeClr val="bg1">
+                <a:lumMod val="65000"/>
+                <a:lumOff val="35000"/>
+              </a:schemeClr>
+            </a:solidFill>
+            <a:ln>
+              <a:noFill/>
+            </a:ln>
+          </p:spPr>
+          <p:style>
+            <a:lnRef idx="1">
+              <a:schemeClr val="accent1"/>
+            </a:lnRef>
+            <a:fillRef idx="3">
+              <a:schemeClr val="accent1"/>
+            </a:fillRef>
+            <a:effectRef idx="2">
+              <a:schemeClr val="accent1"/>
+            </a:effectRef>
+            <a:fontRef idx="minor">
+              <a:schemeClr val="lt1"/>
+            </a:fontRef>
+          </p:style>
+          <p:txBody>
+            <a:bodyPr rtlCol="0" anchor="ctr"/>
+            <a:lstStyle/>
+            <a:p>
+              <a:pPr algn="ctr"/>
+              <a:r>
+                <a:rPr lang="en-US" dirty="0" smtClean="0">
+                  <a:latin typeface="Segoe Light"/>
+                  <a:cs typeface="Segoe Light"/>
+                </a:rPr>
+                <a:t>[AS0] 172.16.121.113</a:t>
+              </a:r>
+              <a:endParaRPr lang="en-US" dirty="0">
+                <a:latin typeface="Segoe Light"/>
+                <a:cs typeface="Segoe Light"/>
+              </a:endParaRPr>
+            </a:p>
+          </p:txBody>
+        </p:sp>
+        <p:sp>
+          <p:nvSpPr>
+            <p:cNvPr id="34" name="Rectangle 33"/>
+            <p:cNvSpPr/>
+            <p:nvPr/>
+          </p:nvSpPr>
+          <p:spPr>
+            <a:xfrm>
+              <a:off x="5069430" y="3286342"/>
+              <a:ext cx="2827923" cy="384246"/>
+            </a:xfrm>
+            <a:prstGeom prst="rect">
+              <a:avLst/>
+            </a:prstGeom>
+            <a:solidFill>
+              <a:schemeClr val="bg1">
+                <a:lumMod val="65000"/>
+                <a:lumOff val="35000"/>
+              </a:schemeClr>
+            </a:solidFill>
+            <a:ln>
+              <a:noFill/>
+            </a:ln>
+          </p:spPr>
+          <p:style>
+            <a:lnRef idx="1">
+              <a:schemeClr val="accent1"/>
+            </a:lnRef>
+            <a:fillRef idx="3">
+              <a:schemeClr val="accent1"/>
+            </a:fillRef>
+            <a:effectRef idx="2">
+              <a:schemeClr val="accent1"/>
+            </a:effectRef>
+            <a:fontRef idx="minor">
+              <a:schemeClr val="lt1"/>
+            </a:fontRef>
+          </p:style>
+          <p:txBody>
+            <a:bodyPr rtlCol="0" anchor="ctr"/>
+            <a:lstStyle/>
+            <a:p>
+              <a:pPr algn="ctr"/>
+              <a:r>
+                <a:rPr lang="en-US" dirty="0" smtClean="0">
+                  <a:latin typeface="Segoe Light"/>
+                  <a:cs typeface="Segoe Light"/>
+                </a:rPr>
+                <a:t>[AS7018] 12.249.2.49</a:t>
+              </a:r>
+              <a:endParaRPr lang="en-US" dirty="0">
+                <a:latin typeface="Segoe Light"/>
+                <a:cs typeface="Segoe Light"/>
+              </a:endParaRPr>
+            </a:p>
+          </p:txBody>
+        </p:sp>
+        <p:sp>
+          <p:nvSpPr>
+            <p:cNvPr id="35" name="Rectangle 34"/>
+            <p:cNvSpPr/>
+            <p:nvPr/>
+          </p:nvSpPr>
+          <p:spPr>
+            <a:xfrm>
+              <a:off x="5069430" y="3735576"/>
+              <a:ext cx="2827923" cy="384246"/>
+            </a:xfrm>
+            <a:prstGeom prst="rect">
+              <a:avLst/>
+            </a:prstGeom>
+            <a:solidFill>
+              <a:schemeClr val="bg1">
+                <a:lumMod val="65000"/>
+                <a:lumOff val="35000"/>
+              </a:schemeClr>
+            </a:solidFill>
+            <a:ln>
+              <a:noFill/>
+            </a:ln>
+          </p:spPr>
+          <p:style>
+            <a:lnRef idx="1">
+              <a:schemeClr val="accent1"/>
+            </a:lnRef>
+            <a:fillRef idx="3">
+              <a:schemeClr val="accent1"/>
+            </a:fillRef>
+            <a:effectRef idx="2">
+              <a:schemeClr val="accent1"/>
+            </a:effectRef>
+            <a:fontRef idx="minor">
+              <a:schemeClr val="lt1"/>
+            </a:fontRef>
+          </p:style>
+          <p:txBody>
+            <a:bodyPr rtlCol="0" anchor="ctr"/>
+            <a:lstStyle/>
+            <a:p>
+              <a:pPr algn="ctr"/>
+              <a:r>
+                <a:rPr lang="en-US" dirty="0">
+                  <a:latin typeface="Segoe Light"/>
+                  <a:cs typeface="Segoe Light"/>
+                </a:rPr>
+                <a:t>[AS7018] </a:t>
+              </a:r>
+              <a:r>
+                <a:rPr lang="en-US" dirty="0" smtClean="0">
+                  <a:latin typeface="Segoe Light"/>
+                  <a:cs typeface="Segoe Light"/>
+                </a:rPr>
+                <a:t>12.83.180.82</a:t>
+              </a:r>
+              <a:endParaRPr lang="en-US" dirty="0">
+                <a:latin typeface="Segoe Light"/>
+                <a:cs typeface="Segoe Light"/>
+              </a:endParaRPr>
+            </a:p>
+          </p:txBody>
+        </p:sp>
+        <p:sp>
+          <p:nvSpPr>
+            <p:cNvPr id="36" name="Rectangle 35"/>
+            <p:cNvSpPr/>
+            <p:nvPr/>
+          </p:nvSpPr>
+          <p:spPr>
+            <a:xfrm>
+              <a:off x="5069429" y="4169976"/>
+              <a:ext cx="2827923" cy="850358"/>
+            </a:xfrm>
+            <a:prstGeom prst="rect">
+              <a:avLst/>
+            </a:prstGeom>
+            <a:solidFill>
+              <a:schemeClr val="bg1">
+                <a:lumMod val="65000"/>
+                <a:lumOff val="35000"/>
+              </a:schemeClr>
+            </a:solidFill>
+            <a:ln>
+              <a:noFill/>
+            </a:ln>
+          </p:spPr>
+          <p:style>
+            <a:lnRef idx="1">
+              <a:schemeClr val="accent1"/>
+            </a:lnRef>
+            <a:fillRef idx="3">
+              <a:schemeClr val="accent1"/>
+            </a:fillRef>
+            <a:effectRef idx="2">
+              <a:schemeClr val="accent1"/>
+            </a:effectRef>
+            <a:fontRef idx="minor">
+              <a:schemeClr val="lt1"/>
+            </a:fontRef>
+          </p:style>
+          <p:txBody>
+            <a:bodyPr rtlCol="0" anchor="ctr"/>
+            <a:lstStyle/>
+            <a:p>
+              <a:pPr algn="ctr"/>
+              <a:r>
+                <a:rPr lang="en-US" dirty="0">
+                  <a:latin typeface="Segoe Light"/>
+                  <a:cs typeface="Segoe Light"/>
+                </a:rPr>
+                <a:t>[AS7018</a:t>
+              </a:r>
+              <a:r>
+                <a:rPr lang="en-US" dirty="0" smtClean="0">
+                  <a:latin typeface="Segoe Light"/>
+                  <a:cs typeface="Segoe Light"/>
+                </a:rPr>
+                <a:t>]</a:t>
+              </a:r>
+            </a:p>
+            <a:p>
+              <a:pPr algn="ctr"/>
+              <a:r>
+                <a:rPr lang="en-US" dirty="0">
+                  <a:latin typeface="Segoe Light"/>
+                  <a:cs typeface="Segoe Light"/>
+                </a:rPr>
+                <a:t>12.122.200.9/12.122.114.5</a:t>
+              </a:r>
+              <a:endParaRPr lang="en-US" dirty="0" smtClean="0">
+                <a:latin typeface="Segoe Light"/>
+                <a:cs typeface="Segoe Light"/>
+              </a:endParaRPr>
+            </a:p>
+            <a:p>
+              <a:pPr algn="ctr"/>
+              <a:r>
+                <a:rPr lang="en-US" dirty="0" smtClean="0">
+                  <a:latin typeface="Segoe Light"/>
+                  <a:cs typeface="Segoe Light"/>
+                </a:rPr>
+                <a:t>12.122.1.118/12.122.8.79…</a:t>
+              </a:r>
+              <a:endParaRPr lang="en-US" dirty="0">
+                <a:latin typeface="Segoe Light"/>
+                <a:cs typeface="Segoe Light"/>
+              </a:endParaRPr>
+            </a:p>
+          </p:txBody>
+        </p:sp>
+        <p:sp>
+          <p:nvSpPr>
+            <p:cNvPr id="37" name="Rectangle 36"/>
+            <p:cNvSpPr/>
+            <p:nvPr/>
+          </p:nvSpPr>
+          <p:spPr>
+            <a:xfrm>
+              <a:off x="5069430" y="5077542"/>
+              <a:ext cx="2827923" cy="1158303"/>
+            </a:xfrm>
+            <a:prstGeom prst="rect">
+              <a:avLst/>
+            </a:prstGeom>
+            <a:solidFill>
+              <a:schemeClr val="bg1">
+                <a:lumMod val="65000"/>
+                <a:lumOff val="35000"/>
+              </a:schemeClr>
+            </a:solidFill>
+            <a:ln>
+              <a:noFill/>
+            </a:ln>
+          </p:spPr>
+          <p:style>
+            <a:lnRef idx="1">
+              <a:schemeClr val="accent1"/>
+            </a:lnRef>
+            <a:fillRef idx="3">
+              <a:schemeClr val="accent1"/>
+            </a:fillRef>
+            <a:effectRef idx="2">
+              <a:schemeClr val="accent1"/>
+            </a:effectRef>
+            <a:fontRef idx="minor">
+              <a:schemeClr val="lt1"/>
+            </a:fontRef>
+          </p:style>
+          <p:txBody>
+            <a:bodyPr rtlCol="0" anchor="ctr"/>
+            <a:lstStyle/>
+            <a:p>
+              <a:pPr algn="ctr"/>
+              <a:r>
+                <a:rPr lang="en-US" dirty="0">
+                  <a:latin typeface="Segoe Light"/>
+                  <a:cs typeface="Segoe Light"/>
+                </a:rPr>
+                <a:t>[AS7018</a:t>
+              </a:r>
+              <a:r>
+                <a:rPr lang="en-US" dirty="0" smtClean="0">
+                  <a:latin typeface="Segoe Light"/>
+                  <a:cs typeface="Segoe Light"/>
+                </a:rPr>
+                <a:t>]</a:t>
+              </a:r>
+            </a:p>
+            <a:p>
+              <a:pPr algn="ctr"/>
+              <a:r>
+                <a:rPr lang="en-US" dirty="0">
+                  <a:latin typeface="Segoe Light"/>
+                  <a:cs typeface="Segoe Light"/>
+                </a:rPr>
+                <a:t>12.122.114.21/</a:t>
+              </a:r>
+              <a:r>
+                <a:rPr lang="en-US" dirty="0" smtClean="0">
+                  <a:latin typeface="Segoe Light"/>
+                  <a:cs typeface="Segoe Light"/>
+                </a:rPr>
+                <a:t>12.123.30.5 </a:t>
+              </a:r>
+              <a:endParaRPr lang="en-US" dirty="0">
+                <a:latin typeface="Segoe Light"/>
+                <a:cs typeface="Segoe Light"/>
+              </a:endParaRPr>
+            </a:p>
+            <a:p>
+              <a:pPr algn="ctr"/>
+              <a:r>
+                <a:rPr lang="en-US" dirty="0" smtClean="0">
+                  <a:latin typeface="Segoe Light"/>
+                  <a:cs typeface="Segoe Light"/>
+                </a:rPr>
+                <a:t>[AS0]</a:t>
+              </a:r>
+            </a:p>
+            <a:p>
+              <a:pPr algn="ctr"/>
+              <a:r>
+                <a:rPr lang="en-US" dirty="0" smtClean="0">
+                  <a:latin typeface="Segoe Light"/>
+                  <a:cs typeface="Segoe Light"/>
+                </a:rPr>
+                <a:t>192.205.33.46/…</a:t>
+              </a:r>
+              <a:endParaRPr lang="en-US" dirty="0">
+                <a:latin typeface="Segoe Light"/>
+                <a:cs typeface="Segoe Light"/>
+              </a:endParaRPr>
+            </a:p>
+          </p:txBody>
+        </p:sp>
+        <p:sp>
+          <p:nvSpPr>
+            <p:cNvPr id="43" name="TextBox 42"/>
+            <p:cNvSpPr txBox="1"/>
+            <p:nvPr/>
+          </p:nvSpPr>
+          <p:spPr>
+            <a:xfrm>
+              <a:off x="9373334" y="618676"/>
+              <a:ext cx="68186" cy="369332"/>
+            </a:xfrm>
+            <a:prstGeom prst="rect">
+              <a:avLst/>
+            </a:prstGeom>
+            <a:noFill/>
+          </p:spPr>
+          <p:txBody>
+            <a:bodyPr wrap="square" rtlCol="0">
+              <a:spAutoFit/>
+            </a:bodyPr>
+            <a:lstStyle/>
+            <a:p>
+              <a:endParaRPr lang="en-US" dirty="0"/>
+            </a:p>
+          </p:txBody>
+        </p:sp>
+        <p:sp>
+          <p:nvSpPr>
+            <p:cNvPr id="44" name="Rectangle 43"/>
+            <p:cNvSpPr/>
+            <p:nvPr/>
+          </p:nvSpPr>
+          <p:spPr>
+            <a:xfrm>
+              <a:off x="8019974" y="152083"/>
+              <a:ext cx="1044185" cy="384246"/>
+            </a:xfrm>
+            <a:prstGeom prst="rect">
+              <a:avLst/>
+            </a:prstGeom>
+            <a:solidFill>
+              <a:schemeClr val="bg1">
+                <a:lumMod val="65000"/>
+                <a:lumOff val="35000"/>
+              </a:schemeClr>
+            </a:solidFill>
+            <a:ln>
+              <a:noFill/>
+            </a:ln>
+          </p:spPr>
+          <p:style>
+            <a:lnRef idx="1">
+              <a:schemeClr val="accent1"/>
+            </a:lnRef>
+            <a:fillRef idx="3">
+              <a:schemeClr val="accent1"/>
+            </a:fillRef>
+            <a:effectRef idx="2">
+              <a:schemeClr val="accent1"/>
+            </a:effectRef>
+            <a:fontRef idx="minor">
+              <a:schemeClr val="lt1"/>
+            </a:fontRef>
+          </p:style>
+          <p:txBody>
+            <a:bodyPr rtlCol="0" anchor="ctr"/>
+            <a:lstStyle/>
+            <a:p>
+              <a:pPr algn="ctr"/>
+              <a:r>
+                <a:rPr lang="en-US" dirty="0" smtClean="0">
+                  <a:latin typeface="Segoe Light"/>
+                  <a:cs typeface="Segoe Light"/>
+                </a:rPr>
+                <a:t>~0.7 </a:t>
+              </a:r>
+              <a:r>
+                <a:rPr lang="en-US" dirty="0" err="1" smtClean="0">
+                  <a:latin typeface="Segoe Light"/>
+                  <a:cs typeface="Segoe Light"/>
+                </a:rPr>
+                <a:t>ms</a:t>
+              </a:r>
+              <a:endParaRPr lang="en-US" dirty="0">
+                <a:latin typeface="Segoe Light"/>
+                <a:cs typeface="Segoe Light"/>
+              </a:endParaRPr>
+            </a:p>
+          </p:txBody>
+        </p:sp>
+        <p:sp>
+          <p:nvSpPr>
+            <p:cNvPr id="45" name="Rectangle 44"/>
+            <p:cNvSpPr/>
+            <p:nvPr/>
+          </p:nvSpPr>
+          <p:spPr>
+            <a:xfrm>
+              <a:off x="8019974" y="1024641"/>
+              <a:ext cx="1044186" cy="384246"/>
+            </a:xfrm>
+            <a:prstGeom prst="rect">
+              <a:avLst/>
+            </a:prstGeom>
+            <a:solidFill>
+              <a:schemeClr val="bg1">
+                <a:lumMod val="65000"/>
+                <a:lumOff val="35000"/>
+              </a:schemeClr>
+            </a:solidFill>
+            <a:ln>
+              <a:noFill/>
+            </a:ln>
+          </p:spPr>
+          <p:style>
+            <a:lnRef idx="1">
+              <a:schemeClr val="accent1"/>
+            </a:lnRef>
+            <a:fillRef idx="3">
+              <a:schemeClr val="accent1"/>
+            </a:fillRef>
+            <a:effectRef idx="2">
+              <a:schemeClr val="accent1"/>
+            </a:effectRef>
+            <a:fontRef idx="minor">
+              <a:schemeClr val="lt1"/>
+            </a:fontRef>
+          </p:style>
+          <p:txBody>
+            <a:bodyPr rtlCol="0" anchor="ctr"/>
+            <a:lstStyle/>
+            <a:p>
+              <a:pPr algn="ctr"/>
+              <a:r>
+                <a:rPr lang="en-US" dirty="0" smtClean="0">
+                  <a:latin typeface="Segoe Light"/>
+                  <a:cs typeface="Segoe Light"/>
+                </a:rPr>
+                <a:t>~35 </a:t>
+              </a:r>
+              <a:r>
+                <a:rPr lang="en-US" dirty="0" err="1" smtClean="0">
+                  <a:latin typeface="Segoe Light"/>
+                  <a:cs typeface="Segoe Light"/>
+                </a:rPr>
+                <a:t>ms</a:t>
+              </a:r>
+              <a:endParaRPr lang="en-US" dirty="0">
+                <a:latin typeface="Segoe Light"/>
+                <a:cs typeface="Segoe Light"/>
+              </a:endParaRPr>
+            </a:p>
+          </p:txBody>
+        </p:sp>
+        <p:sp>
+          <p:nvSpPr>
+            <p:cNvPr id="46" name="Rectangle 45"/>
+            <p:cNvSpPr/>
+            <p:nvPr/>
+          </p:nvSpPr>
+          <p:spPr>
+            <a:xfrm>
+              <a:off x="8019974" y="584944"/>
+              <a:ext cx="1044185" cy="384246"/>
+            </a:xfrm>
+            <a:prstGeom prst="rect">
+              <a:avLst/>
+            </a:prstGeom>
+            <a:solidFill>
+              <a:schemeClr val="bg1">
+                <a:lumMod val="65000"/>
+                <a:lumOff val="35000"/>
+              </a:schemeClr>
+            </a:solidFill>
+            <a:ln>
+              <a:noFill/>
+            </a:ln>
+          </p:spPr>
+          <p:style>
+            <a:lnRef idx="1">
+              <a:schemeClr val="accent1"/>
+            </a:lnRef>
+            <a:fillRef idx="3">
+              <a:schemeClr val="accent1"/>
+            </a:fillRef>
+            <a:effectRef idx="2">
+              <a:schemeClr val="accent1"/>
+            </a:effectRef>
+            <a:fontRef idx="minor">
+              <a:schemeClr val="lt1"/>
+            </a:fontRef>
+          </p:style>
+          <p:txBody>
+            <a:bodyPr rtlCol="0" anchor="ctr"/>
+            <a:lstStyle/>
+            <a:p>
+              <a:pPr algn="ctr"/>
+              <a:r>
+                <a:rPr lang="en-US" dirty="0" smtClean="0">
+                  <a:latin typeface="Segoe Light"/>
+                  <a:cs typeface="Segoe Light"/>
+                </a:rPr>
+                <a:t>~35 </a:t>
+              </a:r>
+              <a:r>
+                <a:rPr lang="en-US" dirty="0" err="1" smtClean="0">
+                  <a:latin typeface="Segoe Light"/>
+                  <a:cs typeface="Segoe Light"/>
+                </a:rPr>
+                <a:t>ms</a:t>
+              </a:r>
+              <a:endParaRPr lang="en-US" dirty="0">
+                <a:latin typeface="Segoe Light"/>
+                <a:cs typeface="Segoe Light"/>
+              </a:endParaRPr>
+            </a:p>
+          </p:txBody>
+        </p:sp>
+        <p:sp>
+          <p:nvSpPr>
+            <p:cNvPr id="47" name="Rectangle 46"/>
+            <p:cNvSpPr/>
+            <p:nvPr/>
+          </p:nvSpPr>
+          <p:spPr>
+            <a:xfrm>
+              <a:off x="8019975" y="1462745"/>
+              <a:ext cx="1044186" cy="868599"/>
+            </a:xfrm>
+            <a:prstGeom prst="rect">
+              <a:avLst/>
+            </a:prstGeom>
+            <a:solidFill>
+              <a:schemeClr val="bg1">
+                <a:lumMod val="65000"/>
+                <a:lumOff val="35000"/>
+              </a:schemeClr>
+            </a:solidFill>
+            <a:ln>
+              <a:noFill/>
+            </a:ln>
+          </p:spPr>
+          <p:style>
+            <a:lnRef idx="1">
+              <a:schemeClr val="accent1"/>
+            </a:lnRef>
+            <a:fillRef idx="3">
+              <a:schemeClr val="accent1"/>
+            </a:fillRef>
+            <a:effectRef idx="2">
+              <a:schemeClr val="accent1"/>
+            </a:effectRef>
+            <a:fontRef idx="minor">
+              <a:schemeClr val="lt1"/>
+            </a:fontRef>
+          </p:style>
+          <p:txBody>
+            <a:bodyPr rtlCol="0" anchor="ctr"/>
+            <a:lstStyle/>
+            <a:p>
+              <a:pPr algn="ctr"/>
+              <a:r>
+                <a:rPr lang="en-US" dirty="0" smtClean="0">
+                  <a:latin typeface="Segoe Light"/>
+                  <a:cs typeface="Segoe Light"/>
+                </a:rPr>
+                <a:t>~35 </a:t>
+              </a:r>
+              <a:r>
+                <a:rPr lang="en-US" dirty="0" err="1" smtClean="0">
+                  <a:latin typeface="Segoe Light"/>
+                  <a:cs typeface="Segoe Light"/>
+                </a:rPr>
+                <a:t>ms</a:t>
+              </a:r>
+              <a:endParaRPr lang="en-US" dirty="0">
+                <a:latin typeface="Segoe Light"/>
+                <a:cs typeface="Segoe Light"/>
+              </a:endParaRPr>
+            </a:p>
+          </p:txBody>
+        </p:sp>
+        <p:sp>
+          <p:nvSpPr>
+            <p:cNvPr id="48" name="Rectangle 47"/>
+            <p:cNvSpPr/>
+            <p:nvPr/>
+          </p:nvSpPr>
+          <p:spPr>
+            <a:xfrm>
+              <a:off x="8019974" y="2389112"/>
+              <a:ext cx="1044186" cy="384246"/>
+            </a:xfrm>
+            <a:prstGeom prst="rect">
+              <a:avLst/>
+            </a:prstGeom>
+            <a:solidFill>
+              <a:schemeClr val="bg1">
+                <a:lumMod val="65000"/>
+                <a:lumOff val="35000"/>
+              </a:schemeClr>
+            </a:solidFill>
+            <a:ln>
+              <a:noFill/>
+            </a:ln>
+          </p:spPr>
+          <p:style>
+            <a:lnRef idx="1">
+              <a:schemeClr val="accent1"/>
+            </a:lnRef>
+            <a:fillRef idx="3">
+              <a:schemeClr val="accent1"/>
+            </a:fillRef>
+            <a:effectRef idx="2">
+              <a:schemeClr val="accent1"/>
+            </a:effectRef>
+            <a:fontRef idx="minor">
+              <a:schemeClr val="lt1"/>
+            </a:fontRef>
+          </p:style>
+          <p:txBody>
+            <a:bodyPr rtlCol="0" anchor="ctr"/>
+            <a:lstStyle/>
+            <a:p>
+              <a:pPr algn="ctr"/>
+              <a:r>
+                <a:rPr lang="en-US" dirty="0" smtClean="0">
+                  <a:latin typeface="Segoe Light"/>
+                  <a:cs typeface="Segoe Light"/>
+                </a:rPr>
+                <a:t>~35 </a:t>
+              </a:r>
+              <a:r>
+                <a:rPr lang="en-US" dirty="0" err="1" smtClean="0">
+                  <a:latin typeface="Segoe Light"/>
+                  <a:cs typeface="Segoe Light"/>
+                </a:rPr>
+                <a:t>ms</a:t>
+              </a:r>
+              <a:endParaRPr lang="en-US" dirty="0">
+                <a:latin typeface="Segoe Light"/>
+                <a:cs typeface="Segoe Light"/>
+              </a:endParaRPr>
+            </a:p>
+          </p:txBody>
+        </p:sp>
+        <p:sp>
+          <p:nvSpPr>
+            <p:cNvPr id="49" name="Rectangle 48"/>
+            <p:cNvSpPr/>
+            <p:nvPr/>
+          </p:nvSpPr>
+          <p:spPr>
+            <a:xfrm>
+              <a:off x="8019975" y="2836355"/>
+              <a:ext cx="1044186" cy="384246"/>
+            </a:xfrm>
+            <a:prstGeom prst="rect">
+              <a:avLst/>
+            </a:prstGeom>
+            <a:solidFill>
+              <a:schemeClr val="bg1">
+                <a:lumMod val="65000"/>
+                <a:lumOff val="35000"/>
+              </a:schemeClr>
+            </a:solidFill>
+            <a:ln>
+              <a:noFill/>
+            </a:ln>
+          </p:spPr>
+          <p:style>
+            <a:lnRef idx="1">
+              <a:schemeClr val="accent1"/>
+            </a:lnRef>
+            <a:fillRef idx="3">
+              <a:schemeClr val="accent1"/>
+            </a:fillRef>
+            <a:effectRef idx="2">
+              <a:schemeClr val="accent1"/>
+            </a:effectRef>
+            <a:fontRef idx="minor">
+              <a:schemeClr val="lt1"/>
+            </a:fontRef>
+          </p:style>
+          <p:txBody>
+            <a:bodyPr rtlCol="0" anchor="ctr"/>
+            <a:lstStyle/>
+            <a:p>
+              <a:pPr algn="ctr"/>
+              <a:r>
+                <a:rPr lang="en-US" dirty="0" smtClean="0">
+                  <a:latin typeface="Segoe Light"/>
+                  <a:cs typeface="Segoe Light"/>
+                </a:rPr>
+                <a:t>~50 </a:t>
+              </a:r>
+              <a:r>
+                <a:rPr lang="en-US" dirty="0" err="1" smtClean="0">
+                  <a:latin typeface="Segoe Light"/>
+                  <a:cs typeface="Segoe Light"/>
+                </a:rPr>
+                <a:t>ms</a:t>
+              </a:r>
+              <a:endParaRPr lang="en-US" dirty="0">
+                <a:latin typeface="Segoe Light"/>
+                <a:cs typeface="Segoe Light"/>
+              </a:endParaRPr>
+            </a:p>
+          </p:txBody>
+        </p:sp>
+        <p:sp>
+          <p:nvSpPr>
+            <p:cNvPr id="50" name="Rectangle 49"/>
+            <p:cNvSpPr/>
+            <p:nvPr/>
+          </p:nvSpPr>
+          <p:spPr>
+            <a:xfrm>
+              <a:off x="8019975" y="3286342"/>
+              <a:ext cx="1044186" cy="384246"/>
+            </a:xfrm>
+            <a:prstGeom prst="rect">
+              <a:avLst/>
+            </a:prstGeom>
+            <a:solidFill>
+              <a:schemeClr val="bg1">
+                <a:lumMod val="65000"/>
+                <a:lumOff val="35000"/>
+              </a:schemeClr>
+            </a:solidFill>
+            <a:ln>
+              <a:noFill/>
+            </a:ln>
+          </p:spPr>
+          <p:style>
+            <a:lnRef idx="1">
+              <a:schemeClr val="accent1"/>
+            </a:lnRef>
+            <a:fillRef idx="3">
+              <a:schemeClr val="accent1"/>
+            </a:fillRef>
+            <a:effectRef idx="2">
+              <a:schemeClr val="accent1"/>
+            </a:effectRef>
+            <a:fontRef idx="minor">
+              <a:schemeClr val="lt1"/>
+            </a:fontRef>
+          </p:style>
+          <p:txBody>
+            <a:bodyPr rtlCol="0" anchor="ctr"/>
+            <a:lstStyle/>
+            <a:p>
+              <a:pPr algn="ctr"/>
+              <a:r>
+                <a:rPr lang="en-US" dirty="0" smtClean="0">
+                  <a:latin typeface="Segoe Light"/>
+                  <a:cs typeface="Segoe Light"/>
+                </a:rPr>
+                <a:t>~60 </a:t>
+              </a:r>
+              <a:r>
+                <a:rPr lang="en-US" dirty="0" err="1" smtClean="0">
+                  <a:latin typeface="Segoe Light"/>
+                  <a:cs typeface="Segoe Light"/>
+                </a:rPr>
+                <a:t>ms</a:t>
+              </a:r>
+              <a:endParaRPr lang="en-US" dirty="0">
+                <a:latin typeface="Segoe Light"/>
+                <a:cs typeface="Segoe Light"/>
+              </a:endParaRPr>
+            </a:p>
+          </p:txBody>
+        </p:sp>
+        <p:sp>
+          <p:nvSpPr>
+            <p:cNvPr id="51" name="Rectangle 50"/>
+            <p:cNvSpPr/>
+            <p:nvPr/>
+          </p:nvSpPr>
+          <p:spPr>
+            <a:xfrm>
+              <a:off x="8019975" y="3735576"/>
+              <a:ext cx="1044186" cy="384246"/>
+            </a:xfrm>
+            <a:prstGeom prst="rect">
+              <a:avLst/>
+            </a:prstGeom>
+            <a:solidFill>
+              <a:schemeClr val="bg1">
+                <a:lumMod val="65000"/>
+                <a:lumOff val="35000"/>
+              </a:schemeClr>
+            </a:solidFill>
+            <a:ln>
+              <a:noFill/>
+            </a:ln>
+          </p:spPr>
+          <p:style>
+            <a:lnRef idx="1">
+              <a:schemeClr val="accent1"/>
+            </a:lnRef>
+            <a:fillRef idx="3">
+              <a:schemeClr val="accent1"/>
+            </a:fillRef>
+            <a:effectRef idx="2">
+              <a:schemeClr val="accent1"/>
+            </a:effectRef>
+            <a:fontRef idx="minor">
+              <a:schemeClr val="lt1"/>
+            </a:fontRef>
+          </p:style>
+          <p:txBody>
+            <a:bodyPr rtlCol="0" anchor="ctr"/>
+            <a:lstStyle/>
+            <a:p>
+              <a:pPr algn="ctr"/>
+              <a:r>
+                <a:rPr lang="en-US" dirty="0" smtClean="0">
+                  <a:latin typeface="Segoe Light"/>
+                  <a:cs typeface="Segoe Light"/>
+                </a:rPr>
+                <a:t>~50 </a:t>
+              </a:r>
+              <a:r>
+                <a:rPr lang="en-US" dirty="0" err="1" smtClean="0">
+                  <a:latin typeface="Segoe Light"/>
+                  <a:cs typeface="Segoe Light"/>
+                </a:rPr>
+                <a:t>ms</a:t>
+              </a:r>
+              <a:endParaRPr lang="en-US" dirty="0">
+                <a:latin typeface="Segoe Light"/>
+                <a:cs typeface="Segoe Light"/>
+              </a:endParaRPr>
+            </a:p>
+          </p:txBody>
+        </p:sp>
+        <p:sp>
+          <p:nvSpPr>
+            <p:cNvPr id="52" name="Rectangle 51"/>
+            <p:cNvSpPr/>
+            <p:nvPr/>
+          </p:nvSpPr>
+          <p:spPr>
+            <a:xfrm>
+              <a:off x="8019974" y="4169976"/>
+              <a:ext cx="1044186" cy="850358"/>
+            </a:xfrm>
+            <a:prstGeom prst="rect">
+              <a:avLst/>
+            </a:prstGeom>
+            <a:solidFill>
+              <a:schemeClr val="bg1">
+                <a:lumMod val="65000"/>
+                <a:lumOff val="35000"/>
+              </a:schemeClr>
+            </a:solidFill>
+            <a:ln>
+              <a:noFill/>
+            </a:ln>
+          </p:spPr>
+          <p:style>
+            <a:lnRef idx="1">
+              <a:schemeClr val="accent1"/>
+            </a:lnRef>
+            <a:fillRef idx="3">
+              <a:schemeClr val="accent1"/>
+            </a:fillRef>
+            <a:effectRef idx="2">
+              <a:schemeClr val="accent1"/>
+            </a:effectRef>
+            <a:fontRef idx="minor">
+              <a:schemeClr val="lt1"/>
+            </a:fontRef>
+          </p:style>
+          <p:txBody>
+            <a:bodyPr rtlCol="0" anchor="ctr"/>
+            <a:lstStyle/>
+            <a:p>
+              <a:pPr algn="ctr"/>
+              <a:r>
+                <a:rPr lang="en-US" dirty="0">
+                  <a:latin typeface="Segoe Light"/>
+                  <a:cs typeface="Segoe Light"/>
+                </a:rPr>
+                <a:t>40 </a:t>
+              </a:r>
+              <a:r>
+                <a:rPr lang="en-US" dirty="0" err="1">
+                  <a:latin typeface="Segoe Light"/>
+                  <a:cs typeface="Segoe Light"/>
+                </a:rPr>
+                <a:t>ms</a:t>
+              </a:r>
+              <a:r>
+                <a:rPr lang="en-US" dirty="0">
+                  <a:latin typeface="Segoe Light"/>
+                  <a:cs typeface="Segoe Light"/>
+                </a:rPr>
+                <a:t> -</a:t>
+              </a:r>
+            </a:p>
+            <a:p>
+              <a:pPr algn="ctr"/>
+              <a:r>
+                <a:rPr lang="en-US" dirty="0">
+                  <a:latin typeface="Segoe Light"/>
+                  <a:cs typeface="Segoe Light"/>
+                </a:rPr>
+                <a:t>100 </a:t>
+              </a:r>
+              <a:r>
+                <a:rPr lang="en-US" dirty="0" err="1">
+                  <a:latin typeface="Segoe Light"/>
+                  <a:cs typeface="Segoe Light"/>
+                </a:rPr>
+                <a:t>ms</a:t>
+              </a:r>
+              <a:endParaRPr lang="en-US" dirty="0">
+                <a:latin typeface="Segoe Light"/>
+                <a:cs typeface="Segoe Light"/>
+              </a:endParaRPr>
+            </a:p>
+          </p:txBody>
+        </p:sp>
+        <p:sp>
+          <p:nvSpPr>
+            <p:cNvPr id="53" name="Rectangle 52"/>
+            <p:cNvSpPr/>
+            <p:nvPr/>
+          </p:nvSpPr>
+          <p:spPr>
+            <a:xfrm>
+              <a:off x="8019975" y="5077542"/>
+              <a:ext cx="1044186" cy="1158303"/>
+            </a:xfrm>
+            <a:prstGeom prst="rect">
+              <a:avLst/>
+            </a:prstGeom>
+            <a:solidFill>
+              <a:schemeClr val="bg1">
+                <a:lumMod val="65000"/>
+                <a:lumOff val="35000"/>
+              </a:schemeClr>
+            </a:solidFill>
+            <a:ln>
+              <a:noFill/>
+            </a:ln>
+          </p:spPr>
+          <p:style>
+            <a:lnRef idx="1">
+              <a:schemeClr val="accent1"/>
+            </a:lnRef>
+            <a:fillRef idx="3">
+              <a:schemeClr val="accent1"/>
+            </a:fillRef>
+            <a:effectRef idx="2">
+              <a:schemeClr val="accent1"/>
+            </a:effectRef>
+            <a:fontRef idx="minor">
+              <a:schemeClr val="lt1"/>
+            </a:fontRef>
+          </p:style>
+          <p:txBody>
+            <a:bodyPr rtlCol="0" anchor="ctr"/>
+            <a:lstStyle/>
+            <a:p>
+              <a:pPr algn="ctr"/>
+              <a:r>
+                <a:rPr lang="en-US" dirty="0" smtClean="0">
+                  <a:latin typeface="Segoe Light"/>
+                  <a:cs typeface="Segoe Light"/>
+                </a:rPr>
+                <a:t>40 </a:t>
+              </a:r>
+              <a:r>
+                <a:rPr lang="en-US" dirty="0" err="1" smtClean="0">
+                  <a:latin typeface="Segoe Light"/>
+                  <a:cs typeface="Segoe Light"/>
+                </a:rPr>
+                <a:t>ms</a:t>
+              </a:r>
+              <a:r>
+                <a:rPr lang="en-US" dirty="0" smtClean="0">
+                  <a:latin typeface="Segoe Light"/>
+                  <a:cs typeface="Segoe Light"/>
+                </a:rPr>
+                <a:t> -</a:t>
+              </a:r>
+            </a:p>
+            <a:p>
+              <a:pPr algn="ctr"/>
+              <a:r>
+                <a:rPr lang="en-US" dirty="0" smtClean="0">
+                  <a:latin typeface="Segoe Light"/>
+                  <a:cs typeface="Segoe Light"/>
+                </a:rPr>
+                <a:t>100 </a:t>
+              </a:r>
+              <a:r>
+                <a:rPr lang="en-US" dirty="0" err="1" smtClean="0">
+                  <a:latin typeface="Segoe Light"/>
+                  <a:cs typeface="Segoe Light"/>
+                </a:rPr>
+                <a:t>ms</a:t>
+              </a:r>
+              <a:endParaRPr lang="en-US" dirty="0">
+                <a:latin typeface="Segoe Light"/>
+                <a:cs typeface="Segoe Light"/>
+              </a:endParaRPr>
+            </a:p>
+          </p:txBody>
+        </p:sp>
+        <p:sp>
+          <p:nvSpPr>
+            <p:cNvPr id="55" name="Rectangle 54"/>
+            <p:cNvSpPr/>
+            <p:nvPr/>
+          </p:nvSpPr>
+          <p:spPr>
+            <a:xfrm>
+              <a:off x="5069430" y="6305292"/>
+              <a:ext cx="3994729" cy="407270"/>
+            </a:xfrm>
+            <a:prstGeom prst="rect">
+              <a:avLst/>
+            </a:prstGeom>
+            <a:solidFill>
+              <a:schemeClr val="bg1">
+                <a:lumMod val="65000"/>
+                <a:lumOff val="35000"/>
+              </a:schemeClr>
+            </a:solidFill>
+            <a:ln>
+              <a:noFill/>
+            </a:ln>
+          </p:spPr>
+          <p:style>
+            <a:lnRef idx="1">
+              <a:schemeClr val="accent1"/>
+            </a:lnRef>
+            <a:fillRef idx="3">
+              <a:schemeClr val="accent1"/>
+            </a:fillRef>
+            <a:effectRef idx="2">
+              <a:schemeClr val="accent1"/>
+            </a:effectRef>
+            <a:fontRef idx="minor">
+              <a:schemeClr val="lt1"/>
+            </a:fontRef>
+          </p:style>
+          <p:txBody>
+            <a:bodyPr rtlCol="0" anchor="ctr"/>
+            <a:lstStyle/>
+            <a:p>
+              <a:pPr algn="ctr"/>
+              <a:r>
+                <a:rPr lang="en-US" dirty="0" smtClean="0">
+                  <a:latin typeface="Segoe Light"/>
+                  <a:cs typeface="Segoe Light"/>
+                </a:rPr>
+                <a:t>Possibly Internet….  50 </a:t>
+              </a:r>
+              <a:r>
+                <a:rPr lang="en-US" dirty="0" err="1" smtClean="0">
+                  <a:latin typeface="Segoe Light"/>
+                  <a:cs typeface="Segoe Light"/>
+                </a:rPr>
+                <a:t>ms</a:t>
+              </a:r>
+              <a:r>
+                <a:rPr lang="en-US" dirty="0" smtClean="0">
+                  <a:latin typeface="Segoe Light"/>
+                  <a:cs typeface="Segoe Light"/>
+                </a:rPr>
+                <a:t> – 200 </a:t>
+              </a:r>
+              <a:r>
+                <a:rPr lang="en-US" dirty="0" err="1" smtClean="0">
+                  <a:latin typeface="Segoe Light"/>
+                  <a:cs typeface="Segoe Light"/>
+                </a:rPr>
+                <a:t>ms</a:t>
+              </a:r>
+              <a:endParaRPr lang="en-US" dirty="0">
+                <a:latin typeface="Segoe Light"/>
+                <a:cs typeface="Segoe Light"/>
+              </a:endParaRPr>
+            </a:p>
+          </p:txBody>
+        </p:sp>
+      </p:grpSp>
+      <p:pic>
+        <p:nvPicPr>
+          <p:cNvPr id="7" name="Picture 6" descr="barplot.png"/>
+          <p:cNvPicPr>
+            <a:picLocks noChangeAspect="1"/>
+          </p:cNvPicPr>
+          <p:nvPr/>
+        </p:nvPicPr>
+        <p:blipFill>
+          <a:blip r:embed="rId3">
+            <a:extLst>
+              <a:ext uri="{28A0092B-C50C-407E-A947-70E740481C1C}">
+                <a14:useLocalDpi xmlns:a14="http://schemas.microsoft.com/office/drawing/2010/main" val="0"/>
+              </a:ext>
+            </a:extLst>
+          </a:blip>
+          <a:stretch>
+            <a:fillRect/>
+          </a:stretch>
+        </p:blipFill>
+        <p:spPr>
+          <a:xfrm>
+            <a:off x="457200" y="3512676"/>
+            <a:ext cx="4196564" cy="3139929"/>
+          </a:xfrm>
+          <a:prstGeom prst="rect">
+            <a:avLst/>
+          </a:prstGeom>
+        </p:spPr>
+      </p:pic>
     </p:spTree>
     <p:extLst>
       <p:ext uri="{BB962C8B-B14F-4D97-AF65-F5344CB8AC3E}">
-        <p14:creationId xmlns:p14="http://schemas.microsoft.com/office/powerpoint/2010/main" val="4260535140"/>
+        <p14:creationId xmlns:p14="http://schemas.microsoft.com/office/powerpoint/2010/main" val="2674779977"/>
+      </p:ext>
+    </p:extLst>
+  </p:cSld>
+  <p:clrMapOvr>
+    <a:masterClrMapping/>
+  </p:clrMapOvr>
+  <p:timing>
+    <p:tnLst>
+      <p:par>
+        <p:cTn xmlns:p14="http://schemas.microsoft.com/office/powerpoint/2010/main" id="1" dur="indefinite" restart="never" nodeType="tmRoot">
+          <p:childTnLst>
+            <p:seq concurrent="1" nextAc="seek">
+              <p:cTn id="2" dur="indefinite" nodeType="mainSeq">
+                <p:childTnLst>
+                  <p:par>
+                    <p:cTn id="3" fill="hold">
+                      <p:stCondLst>
+                        <p:cond delay="indefinite"/>
+                      </p:stCondLst>
+                      <p:childTnLst>
+                        <p:par>
+                          <p:cTn id="4" fill="hold">
+                            <p:stCondLst>
+                              <p:cond delay="0"/>
+                            </p:stCondLst>
+                            <p:childTnLst>
+                              <p:par>
+                                <p:cTn id="5" presetID="1" presetClass="entr" presetSubtype="0" fill="hold" nodeType="clickEffect">
+                                  <p:stCondLst>
+                                    <p:cond delay="0"/>
+                                  </p:stCondLst>
+                                  <p:childTnLst>
+                                    <p:set>
+                                      <p:cBhvr>
+                                        <p:cTn id="6" dur="1" fill="hold">
+                                          <p:stCondLst>
+                                            <p:cond delay="0"/>
+                                          </p:stCondLst>
+                                        </p:cTn>
+                                        <p:tgtEl>
+                                          <p:spTgt spid="8"/>
+                                        </p:tgtEl>
+                                        <p:attrNameLst>
+                                          <p:attrName>style.visibility</p:attrName>
+                                        </p:attrNameLst>
+                                      </p:cBhvr>
+                                      <p:to>
+                                        <p:strVal val="visible"/>
+                                      </p:to>
+                                    </p:set>
+                                  </p:childTnLst>
+                                </p:cTn>
+                              </p:par>
+                            </p:childTnLst>
+                          </p:cTn>
+                        </p:par>
+                      </p:childTnLst>
+                    </p:cTn>
+                  </p:par>
+                  <p:par>
+                    <p:cTn id="7" fill="hold">
+                      <p:stCondLst>
+                        <p:cond delay="indefinite"/>
+                      </p:stCondLst>
+                      <p:childTnLst>
+                        <p:par>
+                          <p:cTn id="8" fill="hold">
+                            <p:stCondLst>
+                              <p:cond delay="0"/>
+                            </p:stCondLst>
+                            <p:childTnLst>
+                              <p:par>
+                                <p:cTn id="9" presetID="1" presetClass="entr" presetSubtype="0" fill="hold" nodeType="clickEffect">
+                                  <p:stCondLst>
+                                    <p:cond delay="0"/>
+                                  </p:stCondLst>
+                                  <p:childTnLst>
+                                    <p:set>
+                                      <p:cBhvr>
+                                        <p:cTn id="10" dur="1" fill="hold">
+                                          <p:stCondLst>
+                                            <p:cond delay="0"/>
+                                          </p:stCondLst>
+                                        </p:cTn>
+                                        <p:tgtEl>
+                                          <p:spTgt spid="7"/>
+                                        </p:tgtEl>
+                                        <p:attrNameLst>
+                                          <p:attrName>style.visibility</p:attrName>
+                                        </p:attrNameLst>
+                                      </p:cBhvr>
+                                      <p:to>
+                                        <p:strVal val="visible"/>
+                                      </p:to>
+                                    </p:set>
+                                  </p:childTnLst>
+                                </p:cTn>
+                              </p:par>
+                            </p:childTnLst>
+                          </p:cTn>
+                        </p:par>
+                      </p:childTnLst>
+                    </p:cTn>
+                  </p:par>
+                </p:childTnLst>
+              </p:cTn>
+              <p:prevCondLst>
+                <p:cond evt="onPrev" delay="0">
+                  <p:tgtEl>
+                    <p:sldTgt/>
+                  </p:tgtEl>
+                </p:cond>
+              </p:prevCondLst>
+              <p:nextCondLst>
+                <p:cond evt="onNext" delay="0">
+                  <p:tgtEl>
+                    <p:sldTgt/>
+                  </p:tgtEl>
+                </p:cond>
+              </p:nextCondLst>
+            </p:seq>
+          </p:childTnLst>
+        </p:cTn>
+      </p:par>
+    </p:tnLst>
+  </p:timing>
+</p:sld>
+</file>
+
+<file path=ppt/slides/slide11.xml><?xml version="1.0" encoding="utf-8"?>
+<p:sld xmlns:a="http://schemas.openxmlformats.org/drawingml/2006/main" xmlns:r="http://schemas.openxmlformats.org/officeDocument/2006/relationships" xmlns:p="http://schemas.openxmlformats.org/presentationml/2006/main">
+  <p:cSld>
+    <p:spTree>
+      <p:nvGrpSpPr>
+        <p:cNvPr id="1" name=""/>
+        <p:cNvGrpSpPr/>
+        <p:nvPr/>
+      </p:nvGrpSpPr>
+      <p:grpSpPr>
+        <a:xfrm>
+          <a:off x="0" y="0"/>
+          <a:ext cx="0" cy="0"/>
+          <a:chOff x="0" y="0"/>
+          <a:chExt cx="0" cy="0"/>
+        </a:xfrm>
+      </p:grpSpPr>
+      <p:sp>
+        <p:nvSpPr>
+          <p:cNvPr id="3" name="Content Placeholder 2"/>
+          <p:cNvSpPr>
+            <a:spLocks noGrp="1"/>
+          </p:cNvSpPr>
+          <p:nvPr>
+            <p:ph idx="1"/>
+          </p:nvPr>
+        </p:nvSpPr>
+        <p:spPr>
+          <a:xfrm>
+            <a:off x="457200" y="2588731"/>
+            <a:ext cx="8164722" cy="1843860"/>
+          </a:xfrm>
+        </p:spPr>
+        <p:txBody>
+          <a:bodyPr>
+            <a:normAutofit/>
+          </a:bodyPr>
+          <a:lstStyle/>
+          <a:p>
+            <a:pPr marL="0" indent="0" algn="ctr">
+              <a:buNone/>
+            </a:pPr>
+            <a:r>
+              <a:rPr lang="en-US" dirty="0" smtClean="0">
+                <a:latin typeface="Segoe Light"/>
+                <a:cs typeface="Segoe Light"/>
+              </a:rPr>
+              <a:t>Question</a:t>
+            </a:r>
+            <a:r>
+              <a:rPr lang="en-US" altLang="zh-CN" dirty="0" smtClean="0">
+                <a:latin typeface="Segoe Light"/>
+                <a:cs typeface="Segoe Light"/>
+              </a:rPr>
+              <a:t>s</a:t>
+            </a:r>
+            <a:r>
+              <a:rPr lang="en-US" dirty="0" smtClean="0">
+                <a:latin typeface="Segoe Light"/>
+                <a:cs typeface="Segoe Light"/>
+              </a:rPr>
+              <a:t> &amp; Feedback?</a:t>
+            </a:r>
+            <a:endParaRPr lang="en-US" sz="5500" dirty="0" smtClean="0">
+              <a:latin typeface="Segoe Light"/>
+              <a:cs typeface="Segoe Light"/>
+            </a:endParaRPr>
+          </a:p>
+          <a:p>
+            <a:pPr marL="0" indent="0" algn="ctr">
+              <a:buNone/>
+            </a:pPr>
+            <a:r>
+              <a:rPr lang="en-US" sz="6700" dirty="0" smtClean="0">
+                <a:latin typeface="Segoe Light"/>
+                <a:cs typeface="Segoe Light"/>
+              </a:rPr>
+              <a:t>Thank you!</a:t>
+            </a:r>
+            <a:endParaRPr lang="en-US" sz="6700" dirty="0">
+              <a:latin typeface="Segoe Light"/>
+              <a:cs typeface="Segoe Light"/>
+            </a:endParaRPr>
+          </a:p>
+        </p:txBody>
+      </p:sp>
+      <p:sp>
+        <p:nvSpPr>
+          <p:cNvPr id="4" name="Content Placeholder 2"/>
+          <p:cNvSpPr txBox="1">
+            <a:spLocks/>
+          </p:cNvSpPr>
+          <p:nvPr/>
+        </p:nvSpPr>
+        <p:spPr>
+          <a:xfrm>
+            <a:off x="609600" y="1380593"/>
+            <a:ext cx="8229600" cy="5122129"/>
+          </a:xfrm>
+          <a:prstGeom prst="rect">
+            <a:avLst/>
+          </a:prstGeom>
+        </p:spPr>
+        <p:txBody>
+          <a:bodyPr vert="horz" lIns="91440" tIns="45720" rIns="91440" bIns="45720" rtlCol="0">
+            <a:normAutofit/>
+          </a:bodyPr>
+          <a:lstStyle>
+            <a:lvl1pPr marL="342900" indent="-342900" algn="l" defTabSz="914400" rtl="0" eaLnBrk="1" latinLnBrk="0" hangingPunct="1">
+              <a:spcBef>
+                <a:spcPct val="20000"/>
+              </a:spcBef>
+              <a:buFont typeface="Arial" pitchFamily="34" charset="0"/>
+              <a:buChar char="•"/>
+              <a:defRPr sz="3200" kern="1200">
+                <a:solidFill>
+                  <a:schemeClr val="tx1"/>
+                </a:solidFill>
+                <a:latin typeface="+mn-lt"/>
+                <a:ea typeface="+mn-ea"/>
+                <a:cs typeface="+mn-cs"/>
+              </a:defRPr>
+            </a:lvl1pPr>
+            <a:lvl2pPr marL="742950" indent="-285750" algn="l" defTabSz="914400" rtl="0" eaLnBrk="1" latinLnBrk="0" hangingPunct="1">
+              <a:spcBef>
+                <a:spcPct val="20000"/>
+              </a:spcBef>
+              <a:buFont typeface="Arial" pitchFamily="34" charset="0"/>
+              <a:buChar char="–"/>
+              <a:defRPr sz="2800" kern="1200">
+                <a:solidFill>
+                  <a:schemeClr val="tx1"/>
+                </a:solidFill>
+                <a:latin typeface="+mn-lt"/>
+                <a:ea typeface="+mn-ea"/>
+                <a:cs typeface="+mn-cs"/>
+              </a:defRPr>
+            </a:lvl2pPr>
+            <a:lvl3pPr marL="1143000" indent="-228600" algn="l" defTabSz="914400" rtl="0" eaLnBrk="1" latinLnBrk="0" hangingPunct="1">
+              <a:spcBef>
+                <a:spcPct val="20000"/>
+              </a:spcBef>
+              <a:buFont typeface="Arial" pitchFamily="34" charset="0"/>
+              <a:buChar char="•"/>
+              <a:defRPr sz="2400" kern="1200">
+                <a:solidFill>
+                  <a:schemeClr val="tx1"/>
+                </a:solidFill>
+                <a:latin typeface="+mn-lt"/>
+                <a:ea typeface="+mn-ea"/>
+                <a:cs typeface="+mn-cs"/>
+              </a:defRPr>
+            </a:lvl3pPr>
+            <a:lvl4pPr marL="1600200" indent="-228600" algn="l" defTabSz="914400" rtl="0" eaLnBrk="1" latinLnBrk="0" hangingPunct="1">
+              <a:spcBef>
+                <a:spcPct val="20000"/>
+              </a:spcBef>
+              <a:buFont typeface="Arial" pitchFamily="34" charset="0"/>
+              <a:buChar char="–"/>
+              <a:defRPr sz="2000" kern="1200">
+                <a:solidFill>
+                  <a:schemeClr val="tx1"/>
+                </a:solidFill>
+                <a:latin typeface="+mn-lt"/>
+                <a:ea typeface="+mn-ea"/>
+                <a:cs typeface="+mn-cs"/>
+              </a:defRPr>
+            </a:lvl4pPr>
+            <a:lvl5pPr marL="2057400" indent="-228600" algn="l" defTabSz="914400" rtl="0" eaLnBrk="1" latinLnBrk="0" hangingPunct="1">
+              <a:spcBef>
+                <a:spcPct val="20000"/>
+              </a:spcBef>
+              <a:buFont typeface="Arial" pitchFamily="34" charset="0"/>
+              <a:buChar char="»"/>
+              <a:defRPr sz="2000" kern="1200">
+                <a:solidFill>
+                  <a:schemeClr val="tx1"/>
+                </a:solidFill>
+                <a:latin typeface="+mn-lt"/>
+                <a:ea typeface="+mn-ea"/>
+                <a:cs typeface="+mn-cs"/>
+              </a:defRPr>
+            </a:lvl5pPr>
+            <a:lvl6pPr marL="2514600" indent="-228600" algn="l" defTabSz="914400" rtl="0" eaLnBrk="1" latinLnBrk="0" hangingPunct="1">
+              <a:spcBef>
+                <a:spcPct val="20000"/>
+              </a:spcBef>
+              <a:buFont typeface="Arial" pitchFamily="34" charset="0"/>
+              <a:buChar char="•"/>
+              <a:defRPr sz="2000" kern="1200">
+                <a:solidFill>
+                  <a:schemeClr val="tx1"/>
+                </a:solidFill>
+                <a:latin typeface="+mn-lt"/>
+                <a:ea typeface="+mn-ea"/>
+                <a:cs typeface="+mn-cs"/>
+              </a:defRPr>
+            </a:lvl6pPr>
+            <a:lvl7pPr marL="2971800" indent="-228600" algn="l" defTabSz="914400" rtl="0" eaLnBrk="1" latinLnBrk="0" hangingPunct="1">
+              <a:spcBef>
+                <a:spcPct val="20000"/>
+              </a:spcBef>
+              <a:buFont typeface="Arial" pitchFamily="34" charset="0"/>
+              <a:buChar char="•"/>
+              <a:defRPr sz="2000" kern="1200">
+                <a:solidFill>
+                  <a:schemeClr val="tx1"/>
+                </a:solidFill>
+                <a:latin typeface="+mn-lt"/>
+                <a:ea typeface="+mn-ea"/>
+                <a:cs typeface="+mn-cs"/>
+              </a:defRPr>
+            </a:lvl7pPr>
+            <a:lvl8pPr marL="3429000" indent="-228600" algn="l" defTabSz="914400" rtl="0" eaLnBrk="1" latinLnBrk="0" hangingPunct="1">
+              <a:spcBef>
+                <a:spcPct val="20000"/>
+              </a:spcBef>
+              <a:buFont typeface="Arial" pitchFamily="34" charset="0"/>
+              <a:buChar char="•"/>
+              <a:defRPr sz="2000" kern="1200">
+                <a:solidFill>
+                  <a:schemeClr val="tx1"/>
+                </a:solidFill>
+                <a:latin typeface="+mn-lt"/>
+                <a:ea typeface="+mn-ea"/>
+                <a:cs typeface="+mn-cs"/>
+              </a:defRPr>
+            </a:lvl8pPr>
+            <a:lvl9pPr marL="3886200" indent="-228600" algn="l" defTabSz="914400" rtl="0" eaLnBrk="1" latinLnBrk="0" hangingPunct="1">
+              <a:spcBef>
+                <a:spcPct val="20000"/>
+              </a:spcBef>
+              <a:buFont typeface="Arial" pitchFamily="34" charset="0"/>
+              <a:buChar char="•"/>
+              <a:defRPr sz="2000" kern="1200">
+                <a:solidFill>
+                  <a:schemeClr val="tx1"/>
+                </a:solidFill>
+                <a:latin typeface="+mn-lt"/>
+                <a:ea typeface="+mn-ea"/>
+                <a:cs typeface="+mn-cs"/>
+              </a:defRPr>
+            </a:lvl9pPr>
+          </a:lstStyle>
+          <a:p>
+            <a:endParaRPr lang="en-US" sz="2400" dirty="0" smtClean="0">
+              <a:latin typeface="Segoe Light"/>
+              <a:cs typeface="Segoe Light"/>
+            </a:endParaRPr>
+          </a:p>
+        </p:txBody>
+      </p:sp>
+    </p:spTree>
+    <p:extLst>
+      <p:ext uri="{BB962C8B-B14F-4D97-AF65-F5344CB8AC3E}">
+        <p14:creationId xmlns:p14="http://schemas.microsoft.com/office/powerpoint/2010/main" val="3997919413"/>
+      </p:ext>
+    </p:extLst>
+  </p:cSld>
+  <p:clrMapOvr>
+    <a:masterClrMapping/>
+  </p:clrMapOvr>
+  <p:timing>
+    <p:tnLst>
+      <p:par>
+        <p:cTn xmlns:p14="http://schemas.microsoft.com/office/powerpoint/2010/main" id="1" dur="indefinite" restart="never" nodeType="tmRoot"/>
+      </p:par>
+    </p:tnLst>
+  </p:timing>
+</p:sld>
+</file>
+
+<file path=ppt/slides/slide2.xml><?xml version="1.0" encoding="utf-8"?>
+<p:sld xmlns:a="http://schemas.openxmlformats.org/drawingml/2006/main" xmlns:r="http://schemas.openxmlformats.org/officeDocument/2006/relationships" xmlns:p="http://schemas.openxmlformats.org/presentationml/2006/main">
+  <p:cSld>
+    <p:spTree>
+      <p:nvGrpSpPr>
+        <p:cNvPr id="1" name=""/>
+        <p:cNvGrpSpPr/>
+        <p:nvPr/>
+      </p:nvGrpSpPr>
+      <p:grpSpPr>
+        <a:xfrm>
+          <a:off x="0" y="0"/>
+          <a:ext cx="0" cy="0"/>
+          <a:chOff x="0" y="0"/>
+          <a:chExt cx="0" cy="0"/>
+        </a:xfrm>
+      </p:grpSpPr>
+      <p:sp>
+        <p:nvSpPr>
+          <p:cNvPr id="3" name="Content Placeholder 2"/>
+          <p:cNvSpPr>
+            <a:spLocks noGrp="1"/>
+          </p:cNvSpPr>
+          <p:nvPr>
+            <p:ph idx="1"/>
+          </p:nvPr>
+        </p:nvSpPr>
+        <p:spPr>
+          <a:xfrm>
+            <a:off x="457200" y="1228193"/>
+            <a:ext cx="8229600" cy="5122129"/>
+          </a:xfrm>
+        </p:spPr>
+        <p:txBody>
+          <a:bodyPr>
+            <a:normAutofit/>
+          </a:bodyPr>
+          <a:lstStyle/>
+          <a:p>
+            <a:endParaRPr lang="en-US" sz="2400" dirty="0" smtClean="0">
+              <a:latin typeface="Segoe Light"/>
+              <a:cs typeface="Segoe Light"/>
+            </a:endParaRPr>
+          </a:p>
+        </p:txBody>
+      </p:sp>
+      <p:sp>
+        <p:nvSpPr>
+          <p:cNvPr id="5" name="Title 1"/>
+          <p:cNvSpPr>
+            <a:spLocks noGrp="1"/>
+          </p:cNvSpPr>
+          <p:nvPr>
+            <p:ph type="title"/>
+          </p:nvPr>
+        </p:nvSpPr>
+        <p:spPr>
+          <a:xfrm>
+            <a:off x="457200" y="274638"/>
+            <a:ext cx="8229600" cy="744205"/>
+          </a:xfrm>
+        </p:spPr>
+        <p:txBody>
+          <a:bodyPr>
+            <a:normAutofit fontScale="90000"/>
+          </a:bodyPr>
+          <a:lstStyle/>
+          <a:p>
+            <a:pPr algn="l"/>
+            <a:r>
+              <a:rPr lang="en-US" dirty="0" smtClean="0">
+                <a:latin typeface="Segoe Light"/>
+                <a:cs typeface="Segoe Light"/>
+              </a:rPr>
+              <a:t>Template</a:t>
+            </a:r>
+            <a:endParaRPr lang="en-US" dirty="0">
+              <a:latin typeface="Segoe Light"/>
+              <a:cs typeface="Segoe Light"/>
+            </a:endParaRPr>
+          </a:p>
+        </p:txBody>
+      </p:sp>
+    </p:spTree>
+    <p:extLst>
+      <p:ext uri="{BB962C8B-B14F-4D97-AF65-F5344CB8AC3E}">
+        <p14:creationId xmlns:p14="http://schemas.microsoft.com/office/powerpoint/2010/main" val="124653442"/>
       </p:ext>
     </p:extLst>
   </p:cSld>
@@ -4711,8 +6971,8 @@
         </p:nvSpPr>
         <p:spPr>
           <a:xfrm>
-            <a:off x="0" y="274638"/>
-            <a:ext cx="2749131" cy="744205"/>
+            <a:off x="1" y="274638"/>
+            <a:ext cx="2513164" cy="744205"/>
           </a:xfrm>
         </p:spPr>
         <p:txBody>
@@ -4726,7 +6986,7 @@
                 <a:latin typeface="Segoe Light"/>
                 <a:cs typeface="Segoe Light"/>
               </a:rPr>
-              <a:t>Motivation</a:t>
+              <a:t>Problem</a:t>
             </a:r>
             <a:endParaRPr lang="en-US" dirty="0">
               <a:latin typeface="Segoe Light"/>
@@ -4747,161 +7007,247 @@
         </p:nvSpPr>
         <p:spPr>
           <a:xfrm>
-            <a:off x="457200" y="1228193"/>
-            <a:ext cx="8229600" cy="5122129"/>
+            <a:off x="457200" y="1228194"/>
+            <a:ext cx="8229600" cy="4897970"/>
           </a:xfrm>
         </p:spPr>
         <p:txBody>
-          <a:bodyPr>
-            <a:normAutofit fontScale="92500" lnSpcReduction="10000"/>
+          <a:bodyPr/>
+          <a:lstStyle/>
+          <a:p>
+            <a:r>
+              <a:rPr lang="en-US" dirty="0" smtClean="0">
+                <a:latin typeface="Segoe Light"/>
+                <a:cs typeface="Segoe Light"/>
+              </a:rPr>
+              <a:t>We seek to measure and characterize </a:t>
+            </a:r>
+            <a:r>
+              <a:rPr lang="en-US" dirty="0" smtClean="0">
+                <a:solidFill>
+                  <a:srgbClr val="FF0000"/>
+                </a:solidFill>
+                <a:latin typeface="Segoe Light"/>
+                <a:cs typeface="Segoe Light"/>
+              </a:rPr>
+              <a:t>latency</a:t>
+            </a:r>
+            <a:r>
+              <a:rPr lang="en-US" dirty="0" smtClean="0">
+                <a:latin typeface="Segoe Light"/>
+                <a:cs typeface="Segoe Light"/>
+              </a:rPr>
+              <a:t> as it relates to:</a:t>
+            </a:r>
+          </a:p>
+          <a:p>
+            <a:pPr lvl="1"/>
+            <a:r>
+              <a:rPr lang="en-US" dirty="0" smtClean="0">
+                <a:latin typeface="Segoe Light"/>
+                <a:cs typeface="Segoe Light"/>
+              </a:rPr>
+              <a:t>Wide Area Networks</a:t>
+            </a:r>
+          </a:p>
+          <a:p>
+            <a:pPr lvl="1"/>
+            <a:r>
+              <a:rPr lang="en-US" dirty="0" smtClean="0">
+                <a:latin typeface="Segoe Light"/>
+                <a:cs typeface="Segoe Light"/>
+              </a:rPr>
+              <a:t>Data Centers*</a:t>
+            </a:r>
+          </a:p>
+          <a:p>
+            <a:pPr lvl="1"/>
+            <a:r>
+              <a:rPr lang="en-US" dirty="0" smtClean="0">
+                <a:latin typeface="Segoe Light"/>
+                <a:cs typeface="Segoe Light"/>
+              </a:rPr>
+              <a:t>Cellular Networks</a:t>
+            </a:r>
+          </a:p>
+        </p:txBody>
+      </p:sp>
+      <p:sp>
+        <p:nvSpPr>
+          <p:cNvPr id="4" name="Content Placeholder 2"/>
+          <p:cNvSpPr txBox="1">
+            <a:spLocks/>
+          </p:cNvSpPr>
+          <p:nvPr/>
+        </p:nvSpPr>
+        <p:spPr>
+          <a:xfrm>
+            <a:off x="457200" y="6140120"/>
+            <a:ext cx="8229600" cy="458598"/>
+          </a:xfrm>
+          <a:prstGeom prst="rect">
+            <a:avLst/>
+          </a:prstGeom>
+        </p:spPr>
+        <p:txBody>
+          <a:bodyPr vert="horz" lIns="91440" tIns="45720" rIns="91440" bIns="45720" rtlCol="0">
+            <a:normAutofit/>
           </a:bodyPr>
-          <a:lstStyle/>
-          <a:p>
-            <a:r>
-              <a:rPr lang="en-US" sz="2400" dirty="0" smtClean="0">
-                <a:latin typeface="Segoe Light"/>
-                <a:cs typeface="Segoe Light"/>
-              </a:rPr>
-              <a:t>Understanding state-of-art Internet latency</a:t>
-            </a:r>
-          </a:p>
-          <a:p>
-            <a:pPr lvl="1"/>
-            <a:r>
-              <a:rPr lang="en-US" sz="2400" dirty="0" smtClean="0">
-                <a:latin typeface="Segoe Light"/>
-                <a:cs typeface="Segoe Light"/>
-              </a:rPr>
-              <a:t>In comparison to speed-of-light limit</a:t>
-            </a:r>
-          </a:p>
-          <a:p>
-            <a:pPr lvl="1"/>
-            <a:r>
-              <a:rPr lang="en-US" sz="2400" dirty="0" smtClean="0">
-                <a:latin typeface="Segoe Light"/>
-                <a:cs typeface="Segoe Light"/>
-              </a:rPr>
-              <a:t>Geographical correlation (Latency vs. Distance)</a:t>
-            </a:r>
-          </a:p>
-          <a:p>
-            <a:pPr lvl="1"/>
-            <a:r>
-              <a:rPr lang="en-US" sz="2400" dirty="0" smtClean="0">
-                <a:latin typeface="Segoe Light"/>
-                <a:cs typeface="Segoe Light"/>
-              </a:rPr>
-              <a:t>Time-series patterns</a:t>
-            </a:r>
-          </a:p>
-          <a:p>
-            <a:pPr lvl="1"/>
-            <a:endParaRPr lang="en-US" sz="2400" dirty="0" smtClean="0">
-              <a:latin typeface="Segoe Light"/>
-              <a:cs typeface="Segoe Light"/>
-            </a:endParaRPr>
-          </a:p>
-          <a:p>
-            <a:r>
-              <a:rPr lang="en-US" sz="2400" dirty="0" smtClean="0">
-                <a:latin typeface="Segoe Light"/>
-                <a:cs typeface="Segoe Light"/>
-              </a:rPr>
-              <a:t>Latency experienced by end user in the following model</a:t>
-            </a:r>
-          </a:p>
-          <a:p>
-            <a:pPr lvl="1"/>
-            <a:r>
-              <a:rPr lang="en-US" sz="2000" dirty="0" smtClean="0">
-                <a:latin typeface="Segoe Light"/>
-                <a:cs typeface="Segoe Light"/>
-              </a:rPr>
-              <a:t>User ----&gt; WAN ----&gt; DC ----&gt; WAN ----&gt; User</a:t>
-            </a:r>
-          </a:p>
-          <a:p>
-            <a:pPr lvl="1"/>
-            <a:r>
-              <a:rPr lang="en-US" sz="2000" dirty="0" smtClean="0">
-                <a:latin typeface="Segoe Light"/>
-                <a:cs typeface="Segoe Light"/>
-              </a:rPr>
-              <a:t>Discover the fraction of latency on WAN and inside DC</a:t>
-            </a:r>
-          </a:p>
-          <a:p>
-            <a:pPr marL="457200" lvl="1" indent="0">
+          <a:lstStyle>
+            <a:lvl1pPr marL="342900" indent="-342900" algn="l" defTabSz="914400" rtl="0" eaLnBrk="1" latinLnBrk="0" hangingPunct="1">
+              <a:spcBef>
+                <a:spcPct val="20000"/>
+              </a:spcBef>
+              <a:buFont typeface="Arial" pitchFamily="34" charset="0"/>
+              <a:buChar char="•"/>
+              <a:defRPr sz="3200" kern="1200">
+                <a:solidFill>
+                  <a:schemeClr val="tx1"/>
+                </a:solidFill>
+                <a:latin typeface="+mn-lt"/>
+                <a:ea typeface="+mn-ea"/>
+                <a:cs typeface="+mn-cs"/>
+              </a:defRPr>
+            </a:lvl1pPr>
+            <a:lvl2pPr marL="742950" indent="-285750" algn="l" defTabSz="914400" rtl="0" eaLnBrk="1" latinLnBrk="0" hangingPunct="1">
+              <a:spcBef>
+                <a:spcPct val="20000"/>
+              </a:spcBef>
+              <a:buFont typeface="Arial" pitchFamily="34" charset="0"/>
+              <a:buChar char="–"/>
+              <a:defRPr sz="2800" kern="1200">
+                <a:solidFill>
+                  <a:schemeClr val="tx1"/>
+                </a:solidFill>
+                <a:latin typeface="+mn-lt"/>
+                <a:ea typeface="+mn-ea"/>
+                <a:cs typeface="+mn-cs"/>
+              </a:defRPr>
+            </a:lvl2pPr>
+            <a:lvl3pPr marL="1143000" indent="-228600" algn="l" defTabSz="914400" rtl="0" eaLnBrk="1" latinLnBrk="0" hangingPunct="1">
+              <a:spcBef>
+                <a:spcPct val="20000"/>
+              </a:spcBef>
+              <a:buFont typeface="Arial" pitchFamily="34" charset="0"/>
+              <a:buChar char="•"/>
+              <a:defRPr sz="2400" kern="1200">
+                <a:solidFill>
+                  <a:schemeClr val="tx1"/>
+                </a:solidFill>
+                <a:latin typeface="+mn-lt"/>
+                <a:ea typeface="+mn-ea"/>
+                <a:cs typeface="+mn-cs"/>
+              </a:defRPr>
+            </a:lvl3pPr>
+            <a:lvl4pPr marL="1600200" indent="-228600" algn="l" defTabSz="914400" rtl="0" eaLnBrk="1" latinLnBrk="0" hangingPunct="1">
+              <a:spcBef>
+                <a:spcPct val="20000"/>
+              </a:spcBef>
+              <a:buFont typeface="Arial" pitchFamily="34" charset="0"/>
+              <a:buChar char="–"/>
+              <a:defRPr sz="2000" kern="1200">
+                <a:solidFill>
+                  <a:schemeClr val="tx1"/>
+                </a:solidFill>
+                <a:latin typeface="+mn-lt"/>
+                <a:ea typeface="+mn-ea"/>
+                <a:cs typeface="+mn-cs"/>
+              </a:defRPr>
+            </a:lvl4pPr>
+            <a:lvl5pPr marL="2057400" indent="-228600" algn="l" defTabSz="914400" rtl="0" eaLnBrk="1" latinLnBrk="0" hangingPunct="1">
+              <a:spcBef>
+                <a:spcPct val="20000"/>
+              </a:spcBef>
+              <a:buFont typeface="Arial" pitchFamily="34" charset="0"/>
+              <a:buChar char="»"/>
+              <a:defRPr sz="2000" kern="1200">
+                <a:solidFill>
+                  <a:schemeClr val="tx1"/>
+                </a:solidFill>
+                <a:latin typeface="+mn-lt"/>
+                <a:ea typeface="+mn-ea"/>
+                <a:cs typeface="+mn-cs"/>
+              </a:defRPr>
+            </a:lvl5pPr>
+            <a:lvl6pPr marL="2514600" indent="-228600" algn="l" defTabSz="914400" rtl="0" eaLnBrk="1" latinLnBrk="0" hangingPunct="1">
+              <a:spcBef>
+                <a:spcPct val="20000"/>
+              </a:spcBef>
+              <a:buFont typeface="Arial" pitchFamily="34" charset="0"/>
+              <a:buChar char="•"/>
+              <a:defRPr sz="2000" kern="1200">
+                <a:solidFill>
+                  <a:schemeClr val="tx1"/>
+                </a:solidFill>
+                <a:latin typeface="+mn-lt"/>
+                <a:ea typeface="+mn-ea"/>
+                <a:cs typeface="+mn-cs"/>
+              </a:defRPr>
+            </a:lvl6pPr>
+            <a:lvl7pPr marL="2971800" indent="-228600" algn="l" defTabSz="914400" rtl="0" eaLnBrk="1" latinLnBrk="0" hangingPunct="1">
+              <a:spcBef>
+                <a:spcPct val="20000"/>
+              </a:spcBef>
+              <a:buFont typeface="Arial" pitchFamily="34" charset="0"/>
+              <a:buChar char="•"/>
+              <a:defRPr sz="2000" kern="1200">
+                <a:solidFill>
+                  <a:schemeClr val="tx1"/>
+                </a:solidFill>
+                <a:latin typeface="+mn-lt"/>
+                <a:ea typeface="+mn-ea"/>
+                <a:cs typeface="+mn-cs"/>
+              </a:defRPr>
+            </a:lvl7pPr>
+            <a:lvl8pPr marL="3429000" indent="-228600" algn="l" defTabSz="914400" rtl="0" eaLnBrk="1" latinLnBrk="0" hangingPunct="1">
+              <a:spcBef>
+                <a:spcPct val="20000"/>
+              </a:spcBef>
+              <a:buFont typeface="Arial" pitchFamily="34" charset="0"/>
+              <a:buChar char="•"/>
+              <a:defRPr sz="2000" kern="1200">
+                <a:solidFill>
+                  <a:schemeClr val="tx1"/>
+                </a:solidFill>
+                <a:latin typeface="+mn-lt"/>
+                <a:ea typeface="+mn-ea"/>
+                <a:cs typeface="+mn-cs"/>
+              </a:defRPr>
+            </a:lvl8pPr>
+            <a:lvl9pPr marL="3886200" indent="-228600" algn="l" defTabSz="914400" rtl="0" eaLnBrk="1" latinLnBrk="0" hangingPunct="1">
+              <a:spcBef>
+                <a:spcPct val="20000"/>
+              </a:spcBef>
+              <a:buFont typeface="Arial" pitchFamily="34" charset="0"/>
+              <a:buChar char="•"/>
+              <a:defRPr sz="2000" kern="1200">
+                <a:solidFill>
+                  <a:schemeClr val="tx1"/>
+                </a:solidFill>
+                <a:latin typeface="+mn-lt"/>
+                <a:ea typeface="+mn-ea"/>
+                <a:cs typeface="+mn-cs"/>
+              </a:defRPr>
+            </a:lvl9pPr>
+          </a:lstStyle>
+          <a:p>
+            <a:pPr marL="0" indent="0">
               <a:buNone/>
             </a:pPr>
             <a:r>
-              <a:rPr lang="en-US" sz="2000" dirty="0">
-                <a:latin typeface="Segoe Light"/>
-                <a:cs typeface="Segoe Light"/>
-              </a:rPr>
-              <a:t> </a:t>
-            </a:r>
-            <a:r>
-              <a:rPr lang="en-US" sz="2000" dirty="0" smtClean="0">
-                <a:latin typeface="Segoe Light"/>
-                <a:cs typeface="Segoe Light"/>
-              </a:rPr>
-              <a:t>                                            </a:t>
-            </a:r>
-            <a:endParaRPr lang="en-US" sz="1200" dirty="0">
-              <a:latin typeface="Segoe Light"/>
-              <a:cs typeface="Segoe Light"/>
-            </a:endParaRPr>
-          </a:p>
-          <a:p>
-            <a:r>
-              <a:rPr lang="en-US" sz="2400" dirty="0" smtClean="0">
-                <a:latin typeface="Segoe Light"/>
-                <a:cs typeface="Segoe Light"/>
-              </a:rPr>
-              <a:t>Unclear </a:t>
-            </a:r>
-            <a:r>
-              <a:rPr lang="en-US" sz="2400" dirty="0">
-                <a:latin typeface="Segoe Light"/>
-                <a:cs typeface="Segoe Light"/>
-              </a:rPr>
-              <a:t>cellular latency dynamics</a:t>
-            </a:r>
-          </a:p>
-          <a:p>
-            <a:pPr lvl="1"/>
-            <a:r>
-              <a:rPr lang="en-US" sz="2400" dirty="0" smtClean="0">
-                <a:latin typeface="Segoe Light"/>
-                <a:cs typeface="Segoe Light"/>
-              </a:rPr>
-              <a:t>Mobile users experience long latency due to the setup time or long paths (travel to undesired place first)</a:t>
-            </a:r>
-          </a:p>
-          <a:p>
-            <a:pPr lvl="1"/>
-            <a:r>
-              <a:rPr lang="en-US" sz="2400" dirty="0" smtClean="0">
-                <a:latin typeface="Segoe Light"/>
-                <a:cs typeface="Segoe Light"/>
-              </a:rPr>
-              <a:t>How the signal strength, load balancing affect latency experienced by users is unknown</a:t>
-            </a:r>
-          </a:p>
-          <a:p>
-            <a:endParaRPr lang="en-US" sz="2400" dirty="0">
-              <a:latin typeface="Segoe Light"/>
-              <a:cs typeface="Segoe Light"/>
-            </a:endParaRPr>
+              <a:rPr lang="en-US" sz="1800" dirty="0" smtClean="0">
+                <a:latin typeface="Segoe Light"/>
+                <a:cs typeface="Segoe Light"/>
+              </a:rPr>
+              <a:t>* Not latency inside DC, rather a comparison to WAN</a:t>
+            </a:r>
           </a:p>
         </p:txBody>
       </p:sp>
     </p:spTree>
     <p:extLst>
       <p:ext uri="{BB962C8B-B14F-4D97-AF65-F5344CB8AC3E}">
-        <p14:creationId xmlns:p14="http://schemas.microsoft.com/office/powerpoint/2010/main" val="101957299"/>
+        <p14:creationId xmlns:p14="http://schemas.microsoft.com/office/powerpoint/2010/main" val="4260535140"/>
       </p:ext>
     </p:extLst>
   </p:cSld>
@@ -4962,7 +7308,7 @@
                 <a:latin typeface="Segoe Light"/>
                 <a:cs typeface="Segoe Light"/>
               </a:rPr>
-              <a:t>Prior Work</a:t>
+              <a:t>Motivation</a:t>
             </a:r>
             <a:endParaRPr lang="en-US" dirty="0">
               <a:latin typeface="Segoe Light"/>
@@ -4983,276 +7329,161 @@
         </p:nvSpPr>
         <p:spPr>
           <a:xfrm>
-            <a:off x="457200" y="1228194"/>
-            <a:ext cx="8229600" cy="4897970"/>
+            <a:off x="457200" y="1228193"/>
+            <a:ext cx="8229600" cy="5122129"/>
           </a:xfrm>
         </p:spPr>
         <p:txBody>
           <a:bodyPr>
-            <a:normAutofit/>
+            <a:normAutofit fontScale="92500" lnSpcReduction="10000"/>
           </a:bodyPr>
           <a:lstStyle/>
           <a:p>
             <a:r>
-              <a:rPr lang="en-US" sz="2000" dirty="0" smtClean="0">
-                <a:latin typeface="Segoe Light"/>
-                <a:cs typeface="Segoe Light"/>
-              </a:rPr>
-              <a:t>End-to-end latency measurement </a:t>
-            </a:r>
-            <a:r>
-              <a:rPr lang="en-US" sz="2000" dirty="0" smtClean="0">
-                <a:solidFill>
-                  <a:schemeClr val="tx1">
-                    <a:lumMod val="65000"/>
-                  </a:schemeClr>
-                </a:solidFill>
-                <a:latin typeface="Segoe Light"/>
-                <a:cs typeface="Segoe Light"/>
-              </a:rPr>
-              <a:t>(no recent studies)</a:t>
+              <a:rPr lang="en-US" sz="2400" dirty="0" smtClean="0">
+                <a:latin typeface="Segoe Light"/>
+                <a:cs typeface="Segoe Light"/>
+              </a:rPr>
+              <a:t>Understanding state-of-art Internet latency</a:t>
             </a:r>
           </a:p>
           <a:p>
             <a:pPr lvl="1"/>
             <a:r>
-              <a:rPr lang="en-US" sz="2000" dirty="0" smtClean="0">
-                <a:latin typeface="Segoe Light"/>
-                <a:cs typeface="Segoe Light"/>
-              </a:rPr>
-              <a:t>King, T-King methods for arbitrary two hosts (DNS recursive query)</a:t>
+              <a:rPr lang="en-US" sz="2400" dirty="0" smtClean="0">
+                <a:latin typeface="Segoe Light"/>
+                <a:cs typeface="Segoe Light"/>
+              </a:rPr>
+              <a:t>In comparison to speed-of-light limit</a:t>
             </a:r>
           </a:p>
           <a:p>
             <a:pPr lvl="1"/>
             <a:r>
-              <a:rPr lang="en-US" sz="2000" dirty="0" smtClean="0">
-                <a:latin typeface="Segoe Light"/>
-                <a:cs typeface="Segoe Light"/>
-              </a:rPr>
-              <a:t>Vern’s work on end-to-end dynamics (~1995)</a:t>
+              <a:rPr lang="en-US" sz="2400" dirty="0" smtClean="0">
+                <a:latin typeface="Segoe Light"/>
+                <a:cs typeface="Segoe Light"/>
+              </a:rPr>
+              <a:t>Geographical correlation (Latency vs. Distance)</a:t>
             </a:r>
           </a:p>
           <a:p>
             <a:pPr lvl="1"/>
-            <a:endParaRPr lang="en-US" sz="2000" dirty="0" smtClean="0">
+            <a:r>
+              <a:rPr lang="en-US" sz="2400" dirty="0" smtClean="0">
+                <a:latin typeface="Segoe Light"/>
+                <a:cs typeface="Segoe Light"/>
+              </a:rPr>
+              <a:t>Time-series patterns</a:t>
+            </a:r>
+          </a:p>
+          <a:p>
+            <a:pPr lvl="1"/>
+            <a:endParaRPr lang="en-US" sz="2400" dirty="0" smtClean="0">
               <a:latin typeface="Segoe Light"/>
               <a:cs typeface="Segoe Light"/>
             </a:endParaRPr>
           </a:p>
           <a:p>
             <a:r>
+              <a:rPr lang="en-US" sz="2400" dirty="0" smtClean="0">
+                <a:latin typeface="Segoe Light"/>
+                <a:cs typeface="Segoe Light"/>
+              </a:rPr>
+              <a:t>Latency experienced by end user in the following model</a:t>
+            </a:r>
+          </a:p>
+          <a:p>
+            <a:pPr lvl="1"/>
+            <a:r>
               <a:rPr lang="en-US" sz="2000" dirty="0" smtClean="0">
                 <a:latin typeface="Segoe Light"/>
                 <a:cs typeface="Segoe Light"/>
               </a:rPr>
-              <a:t>Datacenter Application Deadline </a:t>
-            </a:r>
+              <a:t>User ----&gt; WAN ----&gt; DC ----&gt; WAN ----&gt; User</a:t>
+            </a:r>
+          </a:p>
+          <a:p>
+            <a:pPr lvl="1"/>
+            <a:r>
+              <a:rPr lang="en-US" sz="2000" dirty="0" smtClean="0">
+                <a:latin typeface="Segoe Light"/>
+                <a:cs typeface="Segoe Light"/>
+              </a:rPr>
+              <a:t>Discover the fraction of latency on WAN and inside DC</a:t>
+            </a:r>
+          </a:p>
+          <a:p>
+            <a:pPr marL="457200" lvl="1" indent="0">
+              <a:buNone/>
+            </a:pPr>
             <a:r>
               <a:rPr lang="en-US" sz="2000" dirty="0">
-                <a:solidFill>
-                  <a:srgbClr val="A6A6A6"/>
-                </a:solidFill>
-                <a:latin typeface="Segoe Light"/>
-                <a:cs typeface="Segoe Light"/>
-              </a:rPr>
-              <a:t>(no </a:t>
+                <a:latin typeface="Segoe Light"/>
+                <a:cs typeface="Segoe Light"/>
+              </a:rPr>
+              <a:t> </a:t>
             </a:r>
             <a:r>
               <a:rPr lang="en-US" sz="2000" dirty="0" smtClean="0">
-                <a:solidFill>
-                  <a:srgbClr val="A6A6A6"/>
-                </a:solidFill>
-                <a:latin typeface="Segoe Light"/>
-                <a:cs typeface="Segoe Light"/>
-              </a:rPr>
-              <a:t>comparison to WAN latencies)</a:t>
-            </a:r>
-          </a:p>
-          <a:p>
-            <a:pPr lvl="1"/>
-            <a:r>
-              <a:rPr lang="en-US" sz="2000" dirty="0" smtClean="0">
-                <a:latin typeface="Segoe Light"/>
-                <a:cs typeface="Segoe Light"/>
-              </a:rPr>
-              <a:t>[</a:t>
-            </a:r>
-            <a:r>
-              <a:rPr lang="en-US" sz="2000" dirty="0" err="1" smtClean="0">
-                <a:latin typeface="Segoe Light"/>
-                <a:cs typeface="Segoe Light"/>
-              </a:rPr>
-              <a:t>Sigcomm</a:t>
-            </a:r>
-            <a:r>
-              <a:rPr lang="en-US" sz="2000" dirty="0" smtClean="0">
-                <a:latin typeface="Segoe Light"/>
-                <a:cs typeface="Segoe Light"/>
-              </a:rPr>
-              <a:t>’ 11 Better </a:t>
-            </a:r>
-            <a:r>
-              <a:rPr lang="en-US" sz="2000" dirty="0">
-                <a:latin typeface="Segoe Light"/>
-                <a:cs typeface="Segoe Light"/>
-              </a:rPr>
-              <a:t>Never than </a:t>
-            </a:r>
-            <a:r>
-              <a:rPr lang="en-US" sz="2000" dirty="0" smtClean="0">
-                <a:latin typeface="Segoe Light"/>
-                <a:cs typeface="Segoe Light"/>
-              </a:rPr>
-              <a:t>Late]</a:t>
-            </a:r>
-          </a:p>
-          <a:p>
-            <a:pPr lvl="1"/>
-            <a:r>
-              <a:rPr lang="en-US" sz="2000" dirty="0" smtClean="0">
-                <a:latin typeface="Segoe Light"/>
-                <a:cs typeface="Segoe Light"/>
-              </a:rPr>
-              <a:t>[</a:t>
-            </a:r>
-            <a:r>
-              <a:rPr lang="en-US" sz="2000" dirty="0" err="1" smtClean="0">
-                <a:latin typeface="Segoe Light"/>
-                <a:cs typeface="Segoe Light"/>
-              </a:rPr>
-              <a:t>Sigcomm</a:t>
-            </a:r>
-            <a:r>
-              <a:rPr lang="en-US" sz="2000" dirty="0" smtClean="0">
-                <a:latin typeface="Segoe Light"/>
-                <a:cs typeface="Segoe Light"/>
-              </a:rPr>
-              <a:t>’ 12 </a:t>
-            </a:r>
-            <a:r>
-              <a:rPr lang="en-US" sz="2000" dirty="0" err="1" smtClean="0">
-                <a:latin typeface="Segoe Light"/>
-                <a:cs typeface="Segoe Light"/>
-              </a:rPr>
-              <a:t>DeTail</a:t>
-            </a:r>
-            <a:r>
-              <a:rPr lang="en-US" sz="2000" dirty="0" smtClean="0">
-                <a:latin typeface="Segoe Light"/>
-                <a:cs typeface="Segoe Light"/>
-              </a:rPr>
-              <a:t>]</a:t>
-            </a:r>
-          </a:p>
-          <a:p>
-            <a:pPr lvl="1"/>
-            <a:endParaRPr lang="en-US" sz="2000" dirty="0">
+                <a:latin typeface="Segoe Light"/>
+                <a:cs typeface="Segoe Light"/>
+              </a:rPr>
+              <a:t>                                            </a:t>
+            </a:r>
+            <a:endParaRPr lang="en-US" sz="1200" dirty="0">
               <a:latin typeface="Segoe Light"/>
               <a:cs typeface="Segoe Light"/>
             </a:endParaRPr>
           </a:p>
           <a:p>
             <a:r>
-              <a:rPr lang="en-US" sz="2000" dirty="0" smtClean="0">
-                <a:latin typeface="Segoe Light"/>
-                <a:cs typeface="Segoe Light"/>
-              </a:rPr>
-              <a:t>Cellular Network </a:t>
-            </a:r>
-            <a:r>
-              <a:rPr lang="en-US" sz="2000" dirty="0" smtClean="0">
-                <a:solidFill>
-                  <a:srgbClr val="A6A6A6"/>
-                </a:solidFill>
-                <a:latin typeface="Segoe Light"/>
-                <a:cs typeface="Segoe Light"/>
-              </a:rPr>
-              <a:t>(no dynamics analysis)</a:t>
+              <a:rPr lang="en-US" sz="2400" dirty="0" smtClean="0">
+                <a:latin typeface="Segoe Light"/>
+                <a:cs typeface="Segoe Light"/>
+              </a:rPr>
+              <a:t>Unclear </a:t>
+            </a:r>
+            <a:r>
+              <a:rPr lang="en-US" sz="2400" dirty="0">
+                <a:latin typeface="Segoe Light"/>
+                <a:cs typeface="Segoe Light"/>
+              </a:rPr>
+              <a:t>cellular latency dynamics</a:t>
             </a:r>
           </a:p>
           <a:p>
             <a:pPr lvl="1"/>
             <a:r>
-              <a:rPr lang="en-US" sz="2000" dirty="0" smtClean="0">
-                <a:latin typeface="Segoe Light"/>
-                <a:cs typeface="Segoe Light"/>
-              </a:rPr>
-              <a:t>[</a:t>
-            </a:r>
-            <a:r>
-              <a:rPr lang="en-US" sz="2000" dirty="0" err="1" smtClean="0">
-                <a:latin typeface="Segoe Light"/>
-                <a:cs typeface="Segoe Light"/>
-              </a:rPr>
-              <a:t>Sigmetrics</a:t>
-            </a:r>
-            <a:r>
-              <a:rPr lang="en-US" sz="2000" dirty="0" smtClean="0">
-                <a:latin typeface="Segoe Light"/>
-                <a:cs typeface="Segoe Light"/>
-              </a:rPr>
-              <a:t>’ 11 </a:t>
-            </a:r>
-            <a:r>
-              <a:rPr lang="en-US" sz="2000" dirty="0" err="1" smtClean="0">
-                <a:latin typeface="Segoe Light"/>
-                <a:cs typeface="Segoe Light"/>
-              </a:rPr>
-              <a:t>Xu</a:t>
-            </a:r>
-            <a:r>
-              <a:rPr lang="en-US" sz="2000" dirty="0" smtClean="0">
-                <a:latin typeface="Segoe Light"/>
-                <a:cs typeface="Segoe Light"/>
-              </a:rPr>
-              <a:t>] Cellular </a:t>
-            </a:r>
-            <a:r>
-              <a:rPr lang="en-US" sz="2000" dirty="0">
-                <a:latin typeface="Segoe Light"/>
-                <a:cs typeface="Segoe Light"/>
-              </a:rPr>
-              <a:t>n</a:t>
-            </a:r>
-            <a:r>
-              <a:rPr lang="en-US" sz="2000" dirty="0" smtClean="0">
-                <a:latin typeface="Segoe Light"/>
-                <a:cs typeface="Segoe Light"/>
-              </a:rPr>
-              <a:t>etwork infrastructure study</a:t>
+              <a:rPr lang="en-US" sz="2400" dirty="0" smtClean="0">
+                <a:latin typeface="Segoe Light"/>
+                <a:cs typeface="Segoe Light"/>
+              </a:rPr>
+              <a:t>Mobile users experience long latency due to the setup time or long paths (travel to undesired place first)</a:t>
             </a:r>
           </a:p>
           <a:p>
             <a:pPr lvl="1"/>
             <a:r>
-              <a:rPr lang="en-US" sz="2000" dirty="0" smtClean="0">
-                <a:latin typeface="Segoe Light"/>
-                <a:cs typeface="Segoe Light"/>
-              </a:rPr>
-              <a:t>[</a:t>
-            </a:r>
-            <a:r>
-              <a:rPr lang="en-US" sz="2000" dirty="0" err="1" smtClean="0">
-                <a:latin typeface="Segoe Light"/>
-                <a:cs typeface="Segoe Light"/>
-              </a:rPr>
-              <a:t>MobiPerf</a:t>
-            </a:r>
-            <a:r>
-              <a:rPr lang="en-US" sz="2000" dirty="0" smtClean="0">
-                <a:latin typeface="Segoe Light"/>
-                <a:cs typeface="Segoe Light"/>
-              </a:rPr>
-              <a:t>] A lightweight mobile application for measurement</a:t>
-            </a:r>
+              <a:rPr lang="en-US" sz="2400" dirty="0" smtClean="0">
+                <a:latin typeface="Segoe Light"/>
+                <a:cs typeface="Segoe Light"/>
+              </a:rPr>
+              <a:t>How the signal strength, load balancing affect latency experienced by users is unknown</a:t>
+            </a:r>
+          </a:p>
+          <a:p>
+            <a:endParaRPr lang="en-US" sz="2400" dirty="0">
+              <a:latin typeface="Segoe Light"/>
+              <a:cs typeface="Segoe Light"/>
+            </a:endParaRPr>
           </a:p>
         </p:txBody>
       </p:sp>
     </p:spTree>
     <p:extLst>
       <p:ext uri="{BB962C8B-B14F-4D97-AF65-F5344CB8AC3E}">
-        <p14:creationId xmlns:p14="http://schemas.microsoft.com/office/powerpoint/2010/main" val="2538269389"/>
+        <p14:creationId xmlns:p14="http://schemas.microsoft.com/office/powerpoint/2010/main" val="101957299"/>
       </p:ext>
     </p:extLst>
   </p:cSld>
@@ -5313,6 +7544,357 @@
                 <a:latin typeface="Segoe Light"/>
                 <a:cs typeface="Segoe Light"/>
               </a:rPr>
+              <a:t>Prior Work</a:t>
+            </a:r>
+            <a:endParaRPr lang="en-US" dirty="0">
+              <a:latin typeface="Segoe Light"/>
+              <a:cs typeface="Segoe Light"/>
+            </a:endParaRPr>
+          </a:p>
+        </p:txBody>
+      </p:sp>
+      <p:sp>
+        <p:nvSpPr>
+          <p:cNvPr id="3" name="Content Placeholder 2"/>
+          <p:cNvSpPr>
+            <a:spLocks noGrp="1"/>
+          </p:cNvSpPr>
+          <p:nvPr>
+            <p:ph idx="1"/>
+          </p:nvPr>
+        </p:nvSpPr>
+        <p:spPr>
+          <a:xfrm>
+            <a:off x="457200" y="1228194"/>
+            <a:ext cx="8229600" cy="4897970"/>
+          </a:xfrm>
+        </p:spPr>
+        <p:txBody>
+          <a:bodyPr>
+            <a:normAutofit/>
+          </a:bodyPr>
+          <a:lstStyle/>
+          <a:p>
+            <a:r>
+              <a:rPr lang="en-US" sz="2000" dirty="0" smtClean="0">
+                <a:latin typeface="Segoe Light"/>
+                <a:cs typeface="Segoe Light"/>
+              </a:rPr>
+              <a:t>End-to-end latency measurement </a:t>
+            </a:r>
+            <a:r>
+              <a:rPr lang="en-US" sz="2000" dirty="0" smtClean="0">
+                <a:solidFill>
+                  <a:schemeClr val="tx1">
+                    <a:lumMod val="65000"/>
+                  </a:schemeClr>
+                </a:solidFill>
+                <a:latin typeface="Segoe Light"/>
+                <a:cs typeface="Segoe Light"/>
+              </a:rPr>
+              <a:t>(no recent studies)</a:t>
+            </a:r>
+          </a:p>
+          <a:p>
+            <a:pPr lvl="1"/>
+            <a:r>
+              <a:rPr lang="en-US" sz="2000" dirty="0" smtClean="0">
+                <a:latin typeface="Segoe Light"/>
+                <a:cs typeface="Segoe Light"/>
+              </a:rPr>
+              <a:t>King, T-King methods for arbitrary two hosts (DNS recursive query)</a:t>
+            </a:r>
+          </a:p>
+          <a:p>
+            <a:pPr lvl="1"/>
+            <a:r>
+              <a:rPr lang="en-US" sz="2000" dirty="0" smtClean="0">
+                <a:latin typeface="Segoe Light"/>
+                <a:cs typeface="Segoe Light"/>
+              </a:rPr>
+              <a:t>Vern’s work on end-to-end dynamics (~1995)</a:t>
+            </a:r>
+          </a:p>
+          <a:p>
+            <a:pPr lvl="1"/>
+            <a:endParaRPr lang="en-US" sz="2000" dirty="0" smtClean="0">
+              <a:latin typeface="Segoe Light"/>
+              <a:cs typeface="Segoe Light"/>
+            </a:endParaRPr>
+          </a:p>
+          <a:p>
+            <a:r>
+              <a:rPr lang="en-US" sz="2000" dirty="0" smtClean="0">
+                <a:latin typeface="Segoe Light"/>
+                <a:cs typeface="Segoe Light"/>
+              </a:rPr>
+              <a:t>Datacenter Application Deadline </a:t>
+            </a:r>
+            <a:r>
+              <a:rPr lang="en-US" sz="2000" dirty="0">
+                <a:solidFill>
+                  <a:srgbClr val="A6A6A6"/>
+                </a:solidFill>
+                <a:latin typeface="Segoe Light"/>
+                <a:cs typeface="Segoe Light"/>
+              </a:rPr>
+              <a:t>(no </a:t>
+            </a:r>
+            <a:r>
+              <a:rPr lang="en-US" sz="2000" dirty="0" smtClean="0">
+                <a:solidFill>
+                  <a:srgbClr val="A6A6A6"/>
+                </a:solidFill>
+                <a:latin typeface="Segoe Light"/>
+                <a:cs typeface="Segoe Light"/>
+              </a:rPr>
+              <a:t>comparison to WAN latencies)</a:t>
+            </a:r>
+          </a:p>
+          <a:p>
+            <a:pPr lvl="1"/>
+            <a:r>
+              <a:rPr lang="en-US" sz="2000" dirty="0" smtClean="0">
+                <a:latin typeface="Segoe Light"/>
+                <a:cs typeface="Segoe Light"/>
+              </a:rPr>
+              <a:t>[</a:t>
+            </a:r>
+            <a:r>
+              <a:rPr lang="en-US" sz="2000" dirty="0" err="1" smtClean="0">
+                <a:latin typeface="Segoe Light"/>
+                <a:cs typeface="Segoe Light"/>
+              </a:rPr>
+              <a:t>Sigcomm</a:t>
+            </a:r>
+            <a:r>
+              <a:rPr lang="en-US" sz="2000" dirty="0" smtClean="0">
+                <a:latin typeface="Segoe Light"/>
+                <a:cs typeface="Segoe Light"/>
+              </a:rPr>
+              <a:t>’ 11 Better </a:t>
+            </a:r>
+            <a:r>
+              <a:rPr lang="en-US" sz="2000" dirty="0">
+                <a:latin typeface="Segoe Light"/>
+                <a:cs typeface="Segoe Light"/>
+              </a:rPr>
+              <a:t>Never than </a:t>
+            </a:r>
+            <a:r>
+              <a:rPr lang="en-US" sz="2000" dirty="0" smtClean="0">
+                <a:latin typeface="Segoe Light"/>
+                <a:cs typeface="Segoe Light"/>
+              </a:rPr>
+              <a:t>Late]</a:t>
+            </a:r>
+          </a:p>
+          <a:p>
+            <a:pPr lvl="1"/>
+            <a:r>
+              <a:rPr lang="en-US" sz="2000" dirty="0" smtClean="0">
+                <a:latin typeface="Segoe Light"/>
+                <a:cs typeface="Segoe Light"/>
+              </a:rPr>
+              <a:t>[</a:t>
+            </a:r>
+            <a:r>
+              <a:rPr lang="en-US" sz="2000" dirty="0" err="1" smtClean="0">
+                <a:latin typeface="Segoe Light"/>
+                <a:cs typeface="Segoe Light"/>
+              </a:rPr>
+              <a:t>Sigcomm</a:t>
+            </a:r>
+            <a:r>
+              <a:rPr lang="en-US" sz="2000" dirty="0" smtClean="0">
+                <a:latin typeface="Segoe Light"/>
+                <a:cs typeface="Segoe Light"/>
+              </a:rPr>
+              <a:t>’ 12 </a:t>
+            </a:r>
+            <a:r>
+              <a:rPr lang="en-US" sz="2000" dirty="0" err="1" smtClean="0">
+                <a:latin typeface="Segoe Light"/>
+                <a:cs typeface="Segoe Light"/>
+              </a:rPr>
+              <a:t>DeTail</a:t>
+            </a:r>
+            <a:r>
+              <a:rPr lang="en-US" sz="2000" dirty="0" smtClean="0">
+                <a:latin typeface="Segoe Light"/>
+                <a:cs typeface="Segoe Light"/>
+              </a:rPr>
+              <a:t>]</a:t>
+            </a:r>
+          </a:p>
+          <a:p>
+            <a:pPr lvl="1"/>
+            <a:endParaRPr lang="en-US" sz="2000" dirty="0">
+              <a:latin typeface="Segoe Light"/>
+              <a:cs typeface="Segoe Light"/>
+            </a:endParaRPr>
+          </a:p>
+          <a:p>
+            <a:r>
+              <a:rPr lang="en-US" sz="2000" dirty="0" smtClean="0">
+                <a:latin typeface="Segoe Light"/>
+                <a:cs typeface="Segoe Light"/>
+              </a:rPr>
+              <a:t>Cellular Network </a:t>
+            </a:r>
+            <a:r>
+              <a:rPr lang="en-US" sz="2000" dirty="0" smtClean="0">
+                <a:solidFill>
+                  <a:srgbClr val="A6A6A6"/>
+                </a:solidFill>
+                <a:latin typeface="Segoe Light"/>
+                <a:cs typeface="Segoe Light"/>
+              </a:rPr>
+              <a:t>(no dynamics analysis)</a:t>
+            </a:r>
+          </a:p>
+          <a:p>
+            <a:pPr lvl="1"/>
+            <a:r>
+              <a:rPr lang="en-US" sz="2000" dirty="0" smtClean="0">
+                <a:latin typeface="Segoe Light"/>
+                <a:cs typeface="Segoe Light"/>
+              </a:rPr>
+              <a:t>[</a:t>
+            </a:r>
+            <a:r>
+              <a:rPr lang="en-US" sz="2000" dirty="0" err="1" smtClean="0">
+                <a:latin typeface="Segoe Light"/>
+                <a:cs typeface="Segoe Light"/>
+              </a:rPr>
+              <a:t>Sigmetrics</a:t>
+            </a:r>
+            <a:r>
+              <a:rPr lang="en-US" sz="2000" dirty="0" smtClean="0">
+                <a:latin typeface="Segoe Light"/>
+                <a:cs typeface="Segoe Light"/>
+              </a:rPr>
+              <a:t>’ 11 </a:t>
+            </a:r>
+            <a:r>
+              <a:rPr lang="en-US" sz="2000" dirty="0" err="1" smtClean="0">
+                <a:latin typeface="Segoe Light"/>
+                <a:cs typeface="Segoe Light"/>
+              </a:rPr>
+              <a:t>Xu</a:t>
+            </a:r>
+            <a:r>
+              <a:rPr lang="en-US" sz="2000" dirty="0" smtClean="0">
+                <a:latin typeface="Segoe Light"/>
+                <a:cs typeface="Segoe Light"/>
+              </a:rPr>
+              <a:t>] Cellular </a:t>
+            </a:r>
+            <a:r>
+              <a:rPr lang="en-US" sz="2000" dirty="0">
+                <a:latin typeface="Segoe Light"/>
+                <a:cs typeface="Segoe Light"/>
+              </a:rPr>
+              <a:t>n</a:t>
+            </a:r>
+            <a:r>
+              <a:rPr lang="en-US" sz="2000" dirty="0" smtClean="0">
+                <a:latin typeface="Segoe Light"/>
+                <a:cs typeface="Segoe Light"/>
+              </a:rPr>
+              <a:t>etwork infrastructure study</a:t>
+            </a:r>
+          </a:p>
+          <a:p>
+            <a:pPr lvl="1"/>
+            <a:r>
+              <a:rPr lang="en-US" sz="2000" dirty="0" smtClean="0">
+                <a:latin typeface="Segoe Light"/>
+                <a:cs typeface="Segoe Light"/>
+              </a:rPr>
+              <a:t>[</a:t>
+            </a:r>
+            <a:r>
+              <a:rPr lang="en-US" sz="2000" dirty="0" err="1" smtClean="0">
+                <a:latin typeface="Segoe Light"/>
+                <a:cs typeface="Segoe Light"/>
+              </a:rPr>
+              <a:t>MobiPerf</a:t>
+            </a:r>
+            <a:r>
+              <a:rPr lang="en-US" sz="2000" dirty="0" smtClean="0">
+                <a:latin typeface="Segoe Light"/>
+                <a:cs typeface="Segoe Light"/>
+              </a:rPr>
+              <a:t>] A lightweight mobile application for measurement</a:t>
+            </a:r>
+          </a:p>
+        </p:txBody>
+      </p:sp>
+    </p:spTree>
+    <p:extLst>
+      <p:ext uri="{BB962C8B-B14F-4D97-AF65-F5344CB8AC3E}">
+        <p14:creationId xmlns:p14="http://schemas.microsoft.com/office/powerpoint/2010/main" val="2538269389"/>
+      </p:ext>
+    </p:extLst>
+  </p:cSld>
+  <p:clrMapOvr>
+    <a:masterClrMapping/>
+  </p:clrMapOvr>
+  <p:timing>
+    <p:tnLst>
+      <p:par>
+        <p:cTn xmlns:p14="http://schemas.microsoft.com/office/powerpoint/2010/main" id="1" dur="indefinite" restart="never" nodeType="tmRoot"/>
+      </p:par>
+    </p:tnLst>
+  </p:timing>
+</p:sld>
+</file>
+
+<file path=ppt/slides/slide6.xml><?xml version="1.0" encoding="utf-8"?>
+<p:sld xmlns:a="http://schemas.openxmlformats.org/drawingml/2006/main" xmlns:r="http://schemas.openxmlformats.org/officeDocument/2006/relationships" xmlns:p="http://schemas.openxmlformats.org/presentationml/2006/main">
+  <p:cSld>
+    <p:spTree>
+      <p:nvGrpSpPr>
+        <p:cNvPr id="1" name=""/>
+        <p:cNvGrpSpPr/>
+        <p:nvPr/>
+      </p:nvGrpSpPr>
+      <p:grpSpPr>
+        <a:xfrm>
+          <a:off x="0" y="0"/>
+          <a:ext cx="0" cy="0"/>
+          <a:chOff x="0" y="0"/>
+          <a:chExt cx="0" cy="0"/>
+        </a:xfrm>
+      </p:grpSpPr>
+      <p:sp>
+        <p:nvSpPr>
+          <p:cNvPr id="2" name="Title 1"/>
+          <p:cNvSpPr>
+            <a:spLocks noGrp="1"/>
+          </p:cNvSpPr>
+          <p:nvPr>
+            <p:ph type="title"/>
+          </p:nvPr>
+        </p:nvSpPr>
+        <p:spPr>
+          <a:xfrm>
+            <a:off x="0" y="274638"/>
+            <a:ext cx="2749131" cy="744205"/>
+          </a:xfrm>
+        </p:spPr>
+        <p:txBody>
+          <a:bodyPr>
+            <a:normAutofit fontScale="90000"/>
+          </a:bodyPr>
+          <a:lstStyle/>
+          <a:p>
+            <a:r>
+              <a:rPr lang="en-US" dirty="0" smtClean="0">
+                <a:latin typeface="Segoe Light"/>
+                <a:cs typeface="Segoe Light"/>
+              </a:rPr>
               <a:t>Approach</a:t>
             </a:r>
             <a:endParaRPr lang="en-US" dirty="0">
@@ -5544,7 +8126,7 @@
 </p:sld>
 </file>
 
-<file path=ppt/slides/slide6.xml><?xml version="1.0" encoding="utf-8"?>
+<file path=ppt/slides/slide7.xml><?xml version="1.0" encoding="utf-8"?>
 <p:sld xmlns:a="http://schemas.openxmlformats.org/drawingml/2006/main" xmlns:r="http://schemas.openxmlformats.org/officeDocument/2006/relationships" xmlns:p="http://schemas.openxmlformats.org/presentationml/2006/main">
   <p:cSld>
     <p:spTree>
@@ -7252,210 +9834,6 @@
 </p:sld>
 </file>
 
-<file path=ppt/slides/slide7.xml><?xml version="1.0" encoding="utf-8"?>
-<p:sld xmlns:a="http://schemas.openxmlformats.org/drawingml/2006/main" xmlns:r="http://schemas.openxmlformats.org/officeDocument/2006/relationships" xmlns:p="http://schemas.openxmlformats.org/presentationml/2006/main">
-  <p:cSld>
-    <p:spTree>
-      <p:nvGrpSpPr>
-        <p:cNvPr id="1" name=""/>
-        <p:cNvGrpSpPr/>
-        <p:nvPr/>
-      </p:nvGrpSpPr>
-      <p:grpSpPr>
-        <a:xfrm>
-          <a:off x="0" y="0"/>
-          <a:ext cx="0" cy="0"/>
-          <a:chOff x="0" y="0"/>
-          <a:chExt cx="0" cy="0"/>
-        </a:xfrm>
-      </p:grpSpPr>
-      <p:sp>
-        <p:nvSpPr>
-          <p:cNvPr id="2" name="Title 1"/>
-          <p:cNvSpPr>
-            <a:spLocks noGrp="1"/>
-          </p:cNvSpPr>
-          <p:nvPr>
-            <p:ph type="title"/>
-          </p:nvPr>
-        </p:nvSpPr>
-        <p:spPr>
-          <a:xfrm>
-            <a:off x="0" y="274638"/>
-            <a:ext cx="5256027" cy="744205"/>
-          </a:xfrm>
-        </p:spPr>
-        <p:txBody>
-          <a:bodyPr>
-            <a:normAutofit fontScale="90000"/>
-          </a:bodyPr>
-          <a:lstStyle/>
-          <a:p>
-            <a:r>
-              <a:rPr lang="en-US" dirty="0" smtClean="0">
-                <a:latin typeface="Segoe Light"/>
-                <a:cs typeface="Segoe Light"/>
-              </a:rPr>
-              <a:t>Progress – Turbo King</a:t>
-            </a:r>
-            <a:endParaRPr lang="en-US" dirty="0">
-              <a:latin typeface="Segoe Light"/>
-              <a:cs typeface="Segoe Light"/>
-            </a:endParaRPr>
-          </a:p>
-        </p:txBody>
-      </p:sp>
-      <p:sp>
-        <p:nvSpPr>
-          <p:cNvPr id="3" name="Content Placeholder 2"/>
-          <p:cNvSpPr>
-            <a:spLocks noGrp="1"/>
-          </p:cNvSpPr>
-          <p:nvPr>
-            <p:ph idx="1"/>
-          </p:nvPr>
-        </p:nvSpPr>
-        <p:spPr>
-          <a:xfrm>
-            <a:off x="457200" y="1228193"/>
-            <a:ext cx="8229600" cy="5122129"/>
-          </a:xfrm>
-        </p:spPr>
-        <p:txBody>
-          <a:bodyPr>
-            <a:normAutofit/>
-          </a:bodyPr>
-          <a:lstStyle/>
-          <a:p>
-            <a:r>
-              <a:rPr lang="en-US" sz="2400" dirty="0" smtClean="0">
-                <a:latin typeface="Segoe Light"/>
-                <a:cs typeface="Segoe Light"/>
-              </a:rPr>
-              <a:t>Crawl of reverse DNS Tree</a:t>
-            </a:r>
-          </a:p>
-          <a:p>
-            <a:pPr lvl="1"/>
-            <a:r>
-              <a:rPr lang="en-US" sz="2000" dirty="0" smtClean="0">
-                <a:latin typeface="Segoe Light"/>
-                <a:cs typeface="Segoe Light"/>
-              </a:rPr>
-              <a:t>236,000 DNS servers discovered</a:t>
-            </a:r>
-          </a:p>
-          <a:p>
-            <a:pPr lvl="1"/>
-            <a:r>
-              <a:rPr lang="en-US" sz="2000" dirty="0" smtClean="0">
-                <a:latin typeface="Segoe Light"/>
-                <a:cs typeface="Segoe Light"/>
-              </a:rPr>
-              <a:t>Next Step: Determine Recursive Resolvers</a:t>
-            </a:r>
-          </a:p>
-          <a:p>
-            <a:pPr marL="457200" lvl="1" indent="0">
-              <a:buNone/>
-            </a:pPr>
-            <a:endParaRPr lang="en-US" sz="2000" dirty="0" smtClean="0">
-              <a:latin typeface="Segoe Light"/>
-              <a:cs typeface="Segoe Light"/>
-            </a:endParaRPr>
-          </a:p>
-          <a:p>
-            <a:r>
-              <a:rPr lang="en-US" sz="2400" dirty="0" smtClean="0">
-                <a:latin typeface="Segoe Light"/>
-                <a:cs typeface="Segoe Light"/>
-              </a:rPr>
-              <a:t>Turbo King Infrastructure</a:t>
-            </a:r>
-          </a:p>
-          <a:p>
-            <a:pPr lvl="1"/>
-            <a:r>
-              <a:rPr lang="en-US" sz="2000" dirty="0" smtClean="0">
-                <a:latin typeface="Segoe Light"/>
-                <a:cs typeface="Segoe Light"/>
-              </a:rPr>
-              <a:t>13 Measurement Nodes (Planet Lab)</a:t>
-            </a:r>
-          </a:p>
-          <a:p>
-            <a:pPr lvl="1"/>
-            <a:r>
-              <a:rPr lang="en-US" sz="2000" dirty="0" smtClean="0">
-                <a:latin typeface="Segoe Light"/>
-                <a:cs typeface="Segoe Light"/>
-              </a:rPr>
-              <a:t>2 Central Name Servers (EC2)</a:t>
-            </a:r>
-          </a:p>
-          <a:p>
-            <a:pPr lvl="1"/>
-            <a:r>
-              <a:rPr lang="en-US" sz="2000" dirty="0" smtClean="0">
-                <a:latin typeface="Segoe Light"/>
-                <a:cs typeface="Segoe Light"/>
-              </a:rPr>
-              <a:t>Measurement nodes controlled via RPCs</a:t>
-            </a:r>
-          </a:p>
-          <a:p>
-            <a:pPr lvl="2"/>
-            <a:r>
-              <a:rPr lang="en-US" sz="1600" dirty="0" smtClean="0">
-                <a:latin typeface="Segoe Light"/>
-                <a:cs typeface="Segoe Light"/>
-              </a:rPr>
-              <a:t>Issue command measurement command (NS1, IP1, NS2, IP2)</a:t>
-            </a:r>
-          </a:p>
-          <a:p>
-            <a:pPr lvl="2"/>
-            <a:r>
-              <a:rPr lang="en-US" sz="1600" dirty="0" smtClean="0">
-                <a:latin typeface="Segoe Light"/>
-                <a:cs typeface="Segoe Light"/>
-              </a:rPr>
-              <a:t>Receive Latency Results and presence of DNS Forwarder</a:t>
-            </a:r>
-            <a:endParaRPr lang="en-US" sz="2000" dirty="0" smtClean="0">
-              <a:latin typeface="Segoe Light"/>
-              <a:cs typeface="Segoe Light"/>
-            </a:endParaRPr>
-          </a:p>
-          <a:p>
-            <a:pPr lvl="2"/>
-            <a:endParaRPr lang="en-US" sz="1600" dirty="0" smtClean="0">
-              <a:latin typeface="Segoe Light"/>
-              <a:cs typeface="Segoe Light"/>
-            </a:endParaRPr>
-          </a:p>
-        </p:txBody>
-      </p:sp>
-    </p:spTree>
-    <p:extLst>
-      <p:ext uri="{BB962C8B-B14F-4D97-AF65-F5344CB8AC3E}">
-        <p14:creationId xmlns:p14="http://schemas.microsoft.com/office/powerpoint/2010/main" val="1197110358"/>
-      </p:ext>
-    </p:extLst>
-  </p:cSld>
-  <p:clrMapOvr>
-    <a:masterClrMapping/>
-  </p:clrMapOvr>
-  <p:timing>
-    <p:tnLst>
-      <p:par>
-        <p:cTn xmlns:p14="http://schemas.microsoft.com/office/powerpoint/2010/main" id="1" dur="indefinite" restart="never" nodeType="tmRoot"/>
-      </p:par>
-    </p:tnLst>
-  </p:timing>
-</p:sld>
-</file>
-
 <file path=ppt/slides/slide8.xml><?xml version="1.0" encoding="utf-8"?>
 <p:sld xmlns:a="http://schemas.openxmlformats.org/drawingml/2006/main" xmlns:r="http://schemas.openxmlformats.org/officeDocument/2006/relationships" xmlns:p="http://schemas.openxmlformats.org/presentationml/2006/main">
   <p:cSld>
@@ -7475,18 +9853,171 @@
       </p:grpSpPr>
       <p:sp>
         <p:nvSpPr>
-          <p:cNvPr id="2" name="Title 1"/>
+          <p:cNvPr id="3" name="Content Placeholder 2"/>
           <p:cNvSpPr>
             <a:spLocks noGrp="1"/>
           </p:cNvSpPr>
           <p:nvPr>
-            <p:ph type="title"/>
+            <p:ph idx="1"/>
           </p:nvPr>
         </p:nvSpPr>
         <p:spPr>
           <a:xfrm>
-            <a:off x="-1" y="274638"/>
-            <a:ext cx="4296701" cy="744205"/>
+            <a:off x="457200" y="1228193"/>
+            <a:ext cx="8229600" cy="5122129"/>
+          </a:xfrm>
+        </p:spPr>
+        <p:txBody>
+          <a:bodyPr>
+            <a:normAutofit/>
+          </a:bodyPr>
+          <a:lstStyle/>
+          <a:p>
+            <a:r>
+              <a:rPr lang="en-US" sz="2400" dirty="0" smtClean="0">
+                <a:latin typeface="Segoe Light"/>
+                <a:cs typeface="Segoe Light"/>
+              </a:rPr>
+              <a:t>Crawl of reverse DNS Tree</a:t>
+            </a:r>
+          </a:p>
+          <a:p>
+            <a:pPr lvl="1"/>
+            <a:r>
+              <a:rPr lang="en-US" sz="2000" dirty="0" smtClean="0">
+                <a:latin typeface="Segoe Light"/>
+                <a:cs typeface="Segoe Light"/>
+              </a:rPr>
+              <a:t>236,000 DNS servers discovered</a:t>
+            </a:r>
+          </a:p>
+          <a:p>
+            <a:pPr lvl="1"/>
+            <a:r>
+              <a:rPr lang="en-US" sz="2000" dirty="0" smtClean="0">
+                <a:latin typeface="Segoe Light"/>
+                <a:cs typeface="Segoe Light"/>
+              </a:rPr>
+              <a:t>26,000 Open Recursive Resolvers</a:t>
+            </a:r>
+            <a:endParaRPr lang="en-US" sz="2000" dirty="0" smtClean="0">
+              <a:latin typeface="Segoe Light"/>
+              <a:cs typeface="Segoe Light"/>
+            </a:endParaRPr>
+          </a:p>
+          <a:p>
+            <a:pPr marL="457200" lvl="1" indent="0">
+              <a:buNone/>
+            </a:pPr>
+            <a:endParaRPr lang="en-US" sz="2000" dirty="0" smtClean="0">
+              <a:latin typeface="Segoe Light"/>
+              <a:cs typeface="Segoe Light"/>
+            </a:endParaRPr>
+          </a:p>
+          <a:p>
+            <a:r>
+              <a:rPr lang="en-US" sz="2400" dirty="0" smtClean="0">
+                <a:latin typeface="Segoe Light"/>
+                <a:cs typeface="Segoe Light"/>
+              </a:rPr>
+              <a:t>Turbo King Infrastructure</a:t>
+            </a:r>
+          </a:p>
+          <a:p>
+            <a:pPr lvl="1"/>
+            <a:r>
+              <a:rPr lang="en-US" sz="2000" dirty="0" smtClean="0">
+                <a:latin typeface="Segoe Light"/>
+                <a:cs typeface="Segoe Light"/>
+              </a:rPr>
+              <a:t>56 Measurement </a:t>
+            </a:r>
+            <a:r>
+              <a:rPr lang="en-US" sz="2000" dirty="0" smtClean="0">
+                <a:latin typeface="Segoe Light"/>
+                <a:cs typeface="Segoe Light"/>
+              </a:rPr>
+              <a:t>Nodes (Planet Lab)</a:t>
+            </a:r>
+          </a:p>
+          <a:p>
+            <a:pPr lvl="1"/>
+            <a:r>
+              <a:rPr lang="en-US" sz="2000" dirty="0" smtClean="0">
+                <a:latin typeface="Segoe Light"/>
+                <a:cs typeface="Segoe Light"/>
+              </a:rPr>
+              <a:t>2 Central Name Servers (EC2</a:t>
+            </a:r>
+            <a:r>
+              <a:rPr lang="en-US" sz="2000" dirty="0" smtClean="0">
+                <a:latin typeface="Segoe Light"/>
+                <a:cs typeface="Segoe Light"/>
+              </a:rPr>
+              <a:t>)</a:t>
+            </a:r>
+            <a:endParaRPr lang="en-US" sz="2000" dirty="0" smtClean="0">
+              <a:latin typeface="Segoe Light"/>
+              <a:cs typeface="Segoe Light"/>
+            </a:endParaRPr>
+          </a:p>
+          <a:p>
+            <a:pPr lvl="1"/>
+            <a:r>
+              <a:rPr lang="en-US" sz="2000" dirty="0" smtClean="0">
+                <a:latin typeface="Segoe Light"/>
+                <a:cs typeface="Segoe Light"/>
+              </a:rPr>
+              <a:t>Measurement nodes controlled via RPCs</a:t>
+            </a:r>
+          </a:p>
+          <a:p>
+            <a:pPr lvl="2"/>
+            <a:r>
+              <a:rPr lang="en-US" sz="1600" dirty="0" smtClean="0">
+                <a:latin typeface="Segoe Light"/>
+                <a:cs typeface="Segoe Light"/>
+              </a:rPr>
+              <a:t>Issue command measurement command (NS1, IP1, NS2, IP2)</a:t>
+            </a:r>
+          </a:p>
+          <a:p>
+            <a:pPr lvl="2"/>
+            <a:r>
+              <a:rPr lang="en-US" sz="1600" dirty="0" smtClean="0">
+                <a:latin typeface="Segoe Light"/>
+                <a:cs typeface="Segoe Light"/>
+              </a:rPr>
+              <a:t>Receive Latency Results and presence of DNS Forwarder</a:t>
+            </a:r>
+            <a:endParaRPr lang="en-US" sz="2000" dirty="0" smtClean="0">
+              <a:latin typeface="Segoe Light"/>
+              <a:cs typeface="Segoe Light"/>
+            </a:endParaRPr>
+          </a:p>
+          <a:p>
+            <a:pPr lvl="2"/>
+            <a:endParaRPr lang="en-US" sz="1600" dirty="0" smtClean="0">
+              <a:latin typeface="Segoe Light"/>
+              <a:cs typeface="Segoe Light"/>
+            </a:endParaRPr>
+          </a:p>
+        </p:txBody>
+      </p:sp>
+      <p:sp>
+        <p:nvSpPr>
+          <p:cNvPr id="5" name="Title 1"/>
+          <p:cNvSpPr>
+            <a:spLocks noGrp="1"/>
+          </p:cNvSpPr>
+          <p:nvPr>
+            <p:ph type="title"/>
+          </p:nvPr>
+        </p:nvSpPr>
+        <p:spPr>
+          <a:xfrm>
+            <a:off x="457200" y="274638"/>
+            <a:ext cx="8229600" cy="744205"/>
           </a:xfrm>
         </p:spPr>
         <p:txBody>
@@ -7495,12 +10026,13 @@
           </a:bodyPr>
           <a:lstStyle/>
           <a:p>
+            <a:pPr algn="l"/>
             <a:r>
               <a:rPr lang="en-US" dirty="0" smtClean="0">
                 <a:latin typeface="Segoe Light"/>
                 <a:cs typeface="Segoe Light"/>
               </a:rPr>
-              <a:t>Progress – Mobile</a:t>
+              <a:t>Turbo King - Setup</a:t>
             </a:r>
             <a:endParaRPr lang="en-US" dirty="0">
               <a:latin typeface="Segoe Light"/>
@@ -7509,1839 +10041,10 @@
           </a:p>
         </p:txBody>
       </p:sp>
-      <p:sp>
-        <p:nvSpPr>
-          <p:cNvPr id="3" name="Content Placeholder 2"/>
-          <p:cNvSpPr>
-            <a:spLocks noGrp="1"/>
-          </p:cNvSpPr>
-          <p:nvPr>
-            <p:ph idx="1"/>
-          </p:nvPr>
-        </p:nvSpPr>
-        <p:spPr>
-          <a:xfrm>
-            <a:off x="457200" y="1228192"/>
-            <a:ext cx="4508075" cy="5274529"/>
-          </a:xfrm>
-        </p:spPr>
-        <p:txBody>
-          <a:bodyPr>
-            <a:normAutofit/>
-          </a:bodyPr>
-          <a:lstStyle/>
-          <a:p>
-            <a:endParaRPr lang="en-US" sz="2000" dirty="0" smtClean="0">
-              <a:latin typeface="Segoe Light"/>
-              <a:cs typeface="Segoe Light"/>
-            </a:endParaRPr>
-          </a:p>
-          <a:p>
-            <a:r>
-              <a:rPr lang="en-US" sz="2400" dirty="0" err="1" smtClean="0">
-                <a:latin typeface="Segoe Light"/>
-                <a:cs typeface="Segoe Light"/>
-              </a:rPr>
-              <a:t>Traceroute</a:t>
-            </a:r>
-            <a:r>
-              <a:rPr lang="en-US" sz="2400" dirty="0" smtClean="0">
-                <a:latin typeface="Segoe Light"/>
-                <a:cs typeface="Segoe Light"/>
-              </a:rPr>
-              <a:t> </a:t>
-            </a:r>
-          </a:p>
-          <a:p>
-            <a:pPr lvl="1"/>
-            <a:r>
-              <a:rPr lang="en-US" sz="2000" dirty="0" smtClean="0">
-                <a:latin typeface="Segoe Light"/>
-                <a:cs typeface="Segoe Light"/>
-              </a:rPr>
-              <a:t>From </a:t>
-            </a:r>
-            <a:r>
-              <a:rPr lang="en-US" sz="2000" dirty="0" err="1" smtClean="0">
-                <a:latin typeface="Segoe Light"/>
-                <a:cs typeface="Segoe Light"/>
-              </a:rPr>
-              <a:t>iphone</a:t>
-            </a:r>
-            <a:r>
-              <a:rPr lang="en-US" sz="2000" dirty="0" smtClean="0">
-                <a:latin typeface="Segoe Light"/>
-                <a:cs typeface="Segoe Light"/>
-              </a:rPr>
-              <a:t> (ATT LTE)</a:t>
-            </a:r>
-          </a:p>
-          <a:p>
-            <a:pPr lvl="1"/>
-            <a:r>
-              <a:rPr lang="en-US" sz="2000" dirty="0" smtClean="0">
-                <a:latin typeface="Segoe Light"/>
-                <a:cs typeface="Segoe Light"/>
-              </a:rPr>
-              <a:t>to top 943 websites</a:t>
-            </a:r>
-          </a:p>
-          <a:p>
-            <a:pPr lvl="1"/>
-            <a:r>
-              <a:rPr lang="en-US" sz="2000" dirty="0" smtClean="0">
-                <a:latin typeface="Segoe Light"/>
-                <a:cs typeface="Segoe Light"/>
-              </a:rPr>
-              <a:t>Raw logs/</a:t>
-            </a:r>
-            <a:r>
-              <a:rPr lang="en-US" sz="2000" dirty="0" err="1" smtClean="0">
-                <a:latin typeface="Segoe Light"/>
-                <a:cs typeface="Segoe Light"/>
-              </a:rPr>
-              <a:t>NoSQL</a:t>
-            </a:r>
-            <a:r>
-              <a:rPr lang="en-US" sz="2000" dirty="0" smtClean="0">
-                <a:latin typeface="Segoe Light"/>
-                <a:cs typeface="Segoe Light"/>
-              </a:rPr>
-              <a:t> </a:t>
-            </a:r>
-            <a:r>
-              <a:rPr lang="en-US" sz="2000" dirty="0" err="1" smtClean="0">
-                <a:latin typeface="Segoe Light"/>
-                <a:cs typeface="Segoe Light"/>
-              </a:rPr>
-              <a:t>db</a:t>
-            </a:r>
-            <a:endParaRPr lang="en-US" sz="2400" dirty="0" smtClean="0">
-              <a:latin typeface="Segoe Light"/>
-              <a:cs typeface="Segoe Light"/>
-            </a:endParaRPr>
-          </a:p>
-          <a:p>
-            <a:endParaRPr lang="en-US" sz="2400" dirty="0" smtClean="0">
-              <a:latin typeface="Segoe Light"/>
-              <a:cs typeface="Segoe Light"/>
-            </a:endParaRPr>
-          </a:p>
-        </p:txBody>
-      </p:sp>
-      <p:sp>
-        <p:nvSpPr>
-          <p:cNvPr id="4" name="Content Placeholder 2"/>
-          <p:cNvSpPr txBox="1">
-            <a:spLocks/>
-          </p:cNvSpPr>
-          <p:nvPr/>
-        </p:nvSpPr>
-        <p:spPr>
-          <a:xfrm>
-            <a:off x="609600" y="1380593"/>
-            <a:ext cx="8229600" cy="5122129"/>
-          </a:xfrm>
-          <a:prstGeom prst="rect">
-            <a:avLst/>
-          </a:prstGeom>
-        </p:spPr>
-        <p:txBody>
-          <a:bodyPr vert="horz" lIns="91440" tIns="45720" rIns="91440" bIns="45720" rtlCol="0">
-            <a:normAutofit/>
-          </a:bodyPr>
-          <a:lstStyle>
-            <a:lvl1pPr marL="342900" indent="-342900" algn="l" defTabSz="914400" rtl="0" eaLnBrk="1" latinLnBrk="0" hangingPunct="1">
-              <a:spcBef>
-                <a:spcPct val="20000"/>
-              </a:spcBef>
-              <a:buFont typeface="Arial" pitchFamily="34" charset="0"/>
-              <a:buChar char="•"/>
-              <a:defRPr sz="3200" kern="1200">
-                <a:solidFill>
-                  <a:schemeClr val="tx1"/>
-                </a:solidFill>
-                <a:latin typeface="+mn-lt"/>
-                <a:ea typeface="+mn-ea"/>
-                <a:cs typeface="+mn-cs"/>
-              </a:defRPr>
-            </a:lvl1pPr>
-            <a:lvl2pPr marL="742950" indent="-285750" algn="l" defTabSz="914400" rtl="0" eaLnBrk="1" latinLnBrk="0" hangingPunct="1">
-              <a:spcBef>
-                <a:spcPct val="20000"/>
-              </a:spcBef>
-              <a:buFont typeface="Arial" pitchFamily="34" charset="0"/>
-              <a:buChar char="–"/>
-              <a:defRPr sz="2800" kern="1200">
-                <a:solidFill>
-                  <a:schemeClr val="tx1"/>
-                </a:solidFill>
-                <a:latin typeface="+mn-lt"/>
-                <a:ea typeface="+mn-ea"/>
-                <a:cs typeface="+mn-cs"/>
-              </a:defRPr>
-            </a:lvl2pPr>
-            <a:lvl3pPr marL="1143000" indent="-228600" algn="l" defTabSz="914400" rtl="0" eaLnBrk="1" latinLnBrk="0" hangingPunct="1">
-              <a:spcBef>
-                <a:spcPct val="20000"/>
-              </a:spcBef>
-              <a:buFont typeface="Arial" pitchFamily="34" charset="0"/>
-              <a:buChar char="•"/>
-              <a:defRPr sz="2400" kern="1200">
-                <a:solidFill>
-                  <a:schemeClr val="tx1"/>
-                </a:solidFill>
-                <a:latin typeface="+mn-lt"/>
-                <a:ea typeface="+mn-ea"/>
-                <a:cs typeface="+mn-cs"/>
-              </a:defRPr>
-            </a:lvl3pPr>
-            <a:lvl4pPr marL="1600200" indent="-228600" algn="l" defTabSz="914400" rtl="0" eaLnBrk="1" latinLnBrk="0" hangingPunct="1">
-              <a:spcBef>
-                <a:spcPct val="20000"/>
-              </a:spcBef>
-              <a:buFont typeface="Arial" pitchFamily="34" charset="0"/>
-              <a:buChar char="–"/>
-              <a:defRPr sz="2000" kern="1200">
-                <a:solidFill>
-                  <a:schemeClr val="tx1"/>
-                </a:solidFill>
-                <a:latin typeface="+mn-lt"/>
-                <a:ea typeface="+mn-ea"/>
-                <a:cs typeface="+mn-cs"/>
-              </a:defRPr>
-            </a:lvl4pPr>
-            <a:lvl5pPr marL="2057400" indent="-228600" algn="l" defTabSz="914400" rtl="0" eaLnBrk="1" latinLnBrk="0" hangingPunct="1">
-              <a:spcBef>
-                <a:spcPct val="20000"/>
-              </a:spcBef>
-              <a:buFont typeface="Arial" pitchFamily="34" charset="0"/>
-              <a:buChar char="»"/>
-              <a:defRPr sz="2000" kern="1200">
-                <a:solidFill>
-                  <a:schemeClr val="tx1"/>
-                </a:solidFill>
-                <a:latin typeface="+mn-lt"/>
-                <a:ea typeface="+mn-ea"/>
-                <a:cs typeface="+mn-cs"/>
-              </a:defRPr>
-            </a:lvl5pPr>
-            <a:lvl6pPr marL="2514600" indent="-228600" algn="l" defTabSz="914400" rtl="0" eaLnBrk="1" latinLnBrk="0" hangingPunct="1">
-              <a:spcBef>
-                <a:spcPct val="20000"/>
-              </a:spcBef>
-              <a:buFont typeface="Arial" pitchFamily="34" charset="0"/>
-              <a:buChar char="•"/>
-              <a:defRPr sz="2000" kern="1200">
-                <a:solidFill>
-                  <a:schemeClr val="tx1"/>
-                </a:solidFill>
-                <a:latin typeface="+mn-lt"/>
-                <a:ea typeface="+mn-ea"/>
-                <a:cs typeface="+mn-cs"/>
-              </a:defRPr>
-            </a:lvl6pPr>
-            <a:lvl7pPr marL="2971800" indent="-228600" algn="l" defTabSz="914400" rtl="0" eaLnBrk="1" latinLnBrk="0" hangingPunct="1">
-              <a:spcBef>
-                <a:spcPct val="20000"/>
-              </a:spcBef>
-              <a:buFont typeface="Arial" pitchFamily="34" charset="0"/>
-              <a:buChar char="•"/>
-              <a:defRPr sz="2000" kern="1200">
-                <a:solidFill>
-                  <a:schemeClr val="tx1"/>
-                </a:solidFill>
-                <a:latin typeface="+mn-lt"/>
-                <a:ea typeface="+mn-ea"/>
-                <a:cs typeface="+mn-cs"/>
-              </a:defRPr>
-            </a:lvl7pPr>
-            <a:lvl8pPr marL="3429000" indent="-228600" algn="l" defTabSz="914400" rtl="0" eaLnBrk="1" latinLnBrk="0" hangingPunct="1">
-              <a:spcBef>
-                <a:spcPct val="20000"/>
-              </a:spcBef>
-              <a:buFont typeface="Arial" pitchFamily="34" charset="0"/>
-              <a:buChar char="•"/>
-              <a:defRPr sz="2000" kern="1200">
-                <a:solidFill>
-                  <a:schemeClr val="tx1"/>
-                </a:solidFill>
-                <a:latin typeface="+mn-lt"/>
-                <a:ea typeface="+mn-ea"/>
-                <a:cs typeface="+mn-cs"/>
-              </a:defRPr>
-            </a:lvl8pPr>
-            <a:lvl9pPr marL="3886200" indent="-228600" algn="l" defTabSz="914400" rtl="0" eaLnBrk="1" latinLnBrk="0" hangingPunct="1">
-              <a:spcBef>
-                <a:spcPct val="20000"/>
-              </a:spcBef>
-              <a:buFont typeface="Arial" pitchFamily="34" charset="0"/>
-              <a:buChar char="•"/>
-              <a:defRPr sz="2000" kern="1200">
-                <a:solidFill>
-                  <a:schemeClr val="tx1"/>
-                </a:solidFill>
-                <a:latin typeface="+mn-lt"/>
-                <a:ea typeface="+mn-ea"/>
-                <a:cs typeface="+mn-cs"/>
-              </a:defRPr>
-            </a:lvl9pPr>
-          </a:lstStyle>
-          <a:p>
-            <a:endParaRPr lang="en-US" sz="2400" dirty="0" smtClean="0">
-              <a:latin typeface="Segoe Light"/>
-              <a:cs typeface="Segoe Light"/>
-            </a:endParaRPr>
-          </a:p>
-        </p:txBody>
-      </p:sp>
-      <p:grpSp>
-        <p:nvGrpSpPr>
-          <p:cNvPr id="8" name="Group 7"/>
-          <p:cNvGrpSpPr/>
-          <p:nvPr/>
-        </p:nvGrpSpPr>
-        <p:grpSpPr>
-          <a:xfrm>
-            <a:off x="5069429" y="152083"/>
-            <a:ext cx="4372091" cy="6560479"/>
-            <a:chOff x="5069429" y="152083"/>
-            <a:chExt cx="4372091" cy="6560479"/>
-          </a:xfrm>
-        </p:grpSpPr>
-        <p:sp>
-          <p:nvSpPr>
-            <p:cNvPr id="5" name="TextBox 4"/>
-            <p:cNvSpPr txBox="1"/>
-            <p:nvPr/>
-          </p:nvSpPr>
-          <p:spPr>
-            <a:xfrm>
-              <a:off x="6422789" y="618676"/>
-              <a:ext cx="184666" cy="369332"/>
-            </a:xfrm>
-            <a:prstGeom prst="rect">
-              <a:avLst/>
-            </a:prstGeom>
-            <a:noFill/>
-          </p:spPr>
-          <p:txBody>
-            <a:bodyPr wrap="none" rtlCol="0">
-              <a:spAutoFit/>
-            </a:bodyPr>
-            <a:lstStyle/>
-            <a:p>
-              <a:endParaRPr lang="en-US" dirty="0"/>
-            </a:p>
-          </p:txBody>
-        </p:sp>
-        <p:sp>
-          <p:nvSpPr>
-            <p:cNvPr id="6" name="Rectangle 5"/>
-            <p:cNvSpPr/>
-            <p:nvPr/>
-          </p:nvSpPr>
-          <p:spPr>
-            <a:xfrm>
-              <a:off x="5069430" y="152083"/>
-              <a:ext cx="2827922" cy="384246"/>
-            </a:xfrm>
-            <a:prstGeom prst="rect">
-              <a:avLst/>
-            </a:prstGeom>
-            <a:solidFill>
-              <a:schemeClr val="bg1">
-                <a:lumMod val="65000"/>
-                <a:lumOff val="35000"/>
-              </a:schemeClr>
-            </a:solidFill>
-            <a:ln>
-              <a:noFill/>
-            </a:ln>
-          </p:spPr>
-          <p:style>
-            <a:lnRef idx="1">
-              <a:schemeClr val="accent1"/>
-            </a:lnRef>
-            <a:fillRef idx="3">
-              <a:schemeClr val="accent1"/>
-            </a:fillRef>
-            <a:effectRef idx="2">
-              <a:schemeClr val="accent1"/>
-            </a:effectRef>
-            <a:fontRef idx="minor">
-              <a:schemeClr val="lt1"/>
-            </a:fontRef>
-          </p:style>
-          <p:txBody>
-            <a:bodyPr rtlCol="0" anchor="ctr"/>
-            <a:lstStyle/>
-            <a:p>
-              <a:pPr algn="ctr"/>
-              <a:r>
-                <a:rPr lang="en-US" dirty="0">
-                  <a:latin typeface="Segoe Light"/>
-                  <a:cs typeface="Segoe Light"/>
-                </a:rPr>
-                <a:t>[AS0] </a:t>
-              </a:r>
-              <a:r>
-                <a:rPr lang="en-US" dirty="0" smtClean="0">
-                  <a:latin typeface="Segoe Light"/>
-                  <a:cs typeface="Segoe Light"/>
-                </a:rPr>
-                <a:t>172.20.10.1</a:t>
-              </a:r>
-              <a:endParaRPr lang="en-US" dirty="0">
-                <a:latin typeface="Segoe Light"/>
-                <a:cs typeface="Segoe Light"/>
-              </a:endParaRPr>
-            </a:p>
-          </p:txBody>
-        </p:sp>
-        <p:sp>
-          <p:nvSpPr>
-            <p:cNvPr id="28" name="Rectangle 27"/>
-            <p:cNvSpPr/>
-            <p:nvPr/>
-          </p:nvSpPr>
-          <p:spPr>
-            <a:xfrm>
-              <a:off x="5069429" y="1024641"/>
-              <a:ext cx="2827923" cy="384246"/>
-            </a:xfrm>
-            <a:prstGeom prst="rect">
-              <a:avLst/>
-            </a:prstGeom>
-            <a:solidFill>
-              <a:schemeClr val="bg1">
-                <a:lumMod val="65000"/>
-                <a:lumOff val="35000"/>
-              </a:schemeClr>
-            </a:solidFill>
-            <a:ln>
-              <a:noFill/>
-            </a:ln>
-          </p:spPr>
-          <p:style>
-            <a:lnRef idx="1">
-              <a:schemeClr val="accent1"/>
-            </a:lnRef>
-            <a:fillRef idx="3">
-              <a:schemeClr val="accent1"/>
-            </a:fillRef>
-            <a:effectRef idx="2">
-              <a:schemeClr val="accent1"/>
-            </a:effectRef>
-            <a:fontRef idx="minor">
-              <a:schemeClr val="lt1"/>
-            </a:fontRef>
-          </p:style>
-          <p:txBody>
-            <a:bodyPr rtlCol="0" anchor="ctr"/>
-            <a:lstStyle/>
-            <a:p>
-              <a:pPr algn="ctr"/>
-              <a:r>
-                <a:rPr lang="en-US" dirty="0" smtClean="0">
-                  <a:latin typeface="Segoe Light"/>
-                  <a:cs typeface="Segoe Light"/>
-                </a:rPr>
-                <a:t>[AS16509] 172.26.241.133</a:t>
-              </a:r>
-              <a:endParaRPr lang="en-US" dirty="0">
-                <a:latin typeface="Segoe Light"/>
-                <a:cs typeface="Segoe Light"/>
-              </a:endParaRPr>
-            </a:p>
-          </p:txBody>
-        </p:sp>
-        <p:sp>
-          <p:nvSpPr>
-            <p:cNvPr id="29" name="Rectangle 28"/>
-            <p:cNvSpPr/>
-            <p:nvPr/>
-          </p:nvSpPr>
-          <p:spPr>
-            <a:xfrm>
-              <a:off x="5069430" y="584944"/>
-              <a:ext cx="2827922" cy="384246"/>
-            </a:xfrm>
-            <a:prstGeom prst="rect">
-              <a:avLst/>
-            </a:prstGeom>
-            <a:solidFill>
-              <a:schemeClr val="bg1">
-                <a:lumMod val="65000"/>
-                <a:lumOff val="35000"/>
-              </a:schemeClr>
-            </a:solidFill>
-            <a:ln>
-              <a:noFill/>
-            </a:ln>
-          </p:spPr>
-          <p:style>
-            <a:lnRef idx="1">
-              <a:schemeClr val="accent1"/>
-            </a:lnRef>
-            <a:fillRef idx="3">
-              <a:schemeClr val="accent1"/>
-            </a:fillRef>
-            <a:effectRef idx="2">
-              <a:schemeClr val="accent1"/>
-            </a:effectRef>
-            <a:fontRef idx="minor">
-              <a:schemeClr val="lt1"/>
-            </a:fontRef>
-          </p:style>
-          <p:txBody>
-            <a:bodyPr rtlCol="0" anchor="ctr"/>
-            <a:lstStyle/>
-            <a:p>
-              <a:pPr algn="ctr"/>
-              <a:r>
-                <a:rPr lang="en-US" dirty="0" smtClean="0">
-                  <a:latin typeface="Segoe Light"/>
-                  <a:cs typeface="Segoe Light"/>
-                </a:rPr>
-                <a:t>[AS16509] 172.26.236.2</a:t>
-              </a:r>
-              <a:endParaRPr lang="en-US" dirty="0">
-                <a:latin typeface="Segoe Light"/>
-                <a:cs typeface="Segoe Light"/>
-              </a:endParaRPr>
-            </a:p>
-          </p:txBody>
-        </p:sp>
-        <p:sp>
-          <p:nvSpPr>
-            <p:cNvPr id="30" name="Rectangle 29"/>
-            <p:cNvSpPr/>
-            <p:nvPr/>
-          </p:nvSpPr>
-          <p:spPr>
-            <a:xfrm>
-              <a:off x="5069430" y="1462745"/>
-              <a:ext cx="2827923" cy="868599"/>
-            </a:xfrm>
-            <a:prstGeom prst="rect">
-              <a:avLst/>
-            </a:prstGeom>
-            <a:solidFill>
-              <a:schemeClr val="bg1">
-                <a:lumMod val="65000"/>
-                <a:lumOff val="35000"/>
-              </a:schemeClr>
-            </a:solidFill>
-            <a:ln>
-              <a:noFill/>
-            </a:ln>
-          </p:spPr>
-          <p:style>
-            <a:lnRef idx="1">
-              <a:schemeClr val="accent1"/>
-            </a:lnRef>
-            <a:fillRef idx="3">
-              <a:schemeClr val="accent1"/>
-            </a:fillRef>
-            <a:effectRef idx="2">
-              <a:schemeClr val="accent1"/>
-            </a:effectRef>
-            <a:fontRef idx="minor">
-              <a:schemeClr val="lt1"/>
-            </a:fontRef>
-          </p:style>
-          <p:txBody>
-            <a:bodyPr rtlCol="0" anchor="ctr"/>
-            <a:lstStyle/>
-            <a:p>
-              <a:pPr algn="ctr"/>
-              <a:r>
-                <a:rPr lang="en-US" dirty="0" smtClean="0">
-                  <a:latin typeface="Segoe Light"/>
-                  <a:cs typeface="Segoe Light"/>
-                </a:rPr>
-                <a:t>[AS0] 172.26.96.10/172.26.96.11</a:t>
-              </a:r>
-            </a:p>
-            <a:p>
-              <a:pPr algn="ctr"/>
-              <a:r>
-                <a:rPr lang="en-US" dirty="0">
-                  <a:latin typeface="Segoe Light"/>
-                  <a:cs typeface="Segoe Light"/>
-                </a:rPr>
-                <a:t>172.26.96.3/</a:t>
-              </a:r>
-              <a:r>
-                <a:rPr lang="en-US" dirty="0" smtClean="0">
-                  <a:latin typeface="Segoe Light"/>
-                  <a:cs typeface="Segoe Light"/>
-                </a:rPr>
-                <a:t>172.26.96.2</a:t>
-              </a:r>
-              <a:endParaRPr lang="en-US" dirty="0">
-                <a:latin typeface="Segoe Light"/>
-                <a:cs typeface="Segoe Light"/>
-              </a:endParaRPr>
-            </a:p>
-          </p:txBody>
-        </p:sp>
-        <p:sp>
-          <p:nvSpPr>
-            <p:cNvPr id="32" name="Rectangle 31"/>
-            <p:cNvSpPr/>
-            <p:nvPr/>
-          </p:nvSpPr>
-          <p:spPr>
-            <a:xfrm>
-              <a:off x="5069429" y="2389112"/>
-              <a:ext cx="2827923" cy="384246"/>
-            </a:xfrm>
-            <a:prstGeom prst="rect">
-              <a:avLst/>
-            </a:prstGeom>
-            <a:solidFill>
-              <a:schemeClr val="bg1">
-                <a:lumMod val="65000"/>
-                <a:lumOff val="35000"/>
-              </a:schemeClr>
-            </a:solidFill>
-            <a:ln>
-              <a:noFill/>
-            </a:ln>
-          </p:spPr>
-          <p:style>
-            <a:lnRef idx="1">
-              <a:schemeClr val="accent1"/>
-            </a:lnRef>
-            <a:fillRef idx="3">
-              <a:schemeClr val="accent1"/>
-            </a:fillRef>
-            <a:effectRef idx="2">
-              <a:schemeClr val="accent1"/>
-            </a:effectRef>
-            <a:fontRef idx="minor">
-              <a:schemeClr val="lt1"/>
-            </a:fontRef>
-          </p:style>
-          <p:txBody>
-            <a:bodyPr rtlCol="0" anchor="ctr"/>
-            <a:lstStyle/>
-            <a:p>
-              <a:pPr algn="ctr"/>
-              <a:r>
-                <a:rPr lang="en-US" dirty="0" smtClean="0">
-                  <a:latin typeface="Segoe Light"/>
-                  <a:cs typeface="Segoe Light"/>
-                </a:rPr>
-                <a:t>[AS0] 172.26.96.193</a:t>
-              </a:r>
-              <a:endParaRPr lang="en-US" dirty="0">
-                <a:latin typeface="Segoe Light"/>
-                <a:cs typeface="Segoe Light"/>
-              </a:endParaRPr>
-            </a:p>
-          </p:txBody>
-        </p:sp>
-        <p:sp>
-          <p:nvSpPr>
-            <p:cNvPr id="33" name="Rectangle 32"/>
-            <p:cNvSpPr/>
-            <p:nvPr/>
-          </p:nvSpPr>
-          <p:spPr>
-            <a:xfrm>
-              <a:off x="5069430" y="2836355"/>
-              <a:ext cx="2827923" cy="384246"/>
-            </a:xfrm>
-            <a:prstGeom prst="rect">
-              <a:avLst/>
-            </a:prstGeom>
-            <a:solidFill>
-              <a:schemeClr val="bg1">
-                <a:lumMod val="65000"/>
-                <a:lumOff val="35000"/>
-              </a:schemeClr>
-            </a:solidFill>
-            <a:ln>
-              <a:noFill/>
-            </a:ln>
-          </p:spPr>
-          <p:style>
-            <a:lnRef idx="1">
-              <a:schemeClr val="accent1"/>
-            </a:lnRef>
-            <a:fillRef idx="3">
-              <a:schemeClr val="accent1"/>
-            </a:fillRef>
-            <a:effectRef idx="2">
-              <a:schemeClr val="accent1"/>
-            </a:effectRef>
-            <a:fontRef idx="minor">
-              <a:schemeClr val="lt1"/>
-            </a:fontRef>
-          </p:style>
-          <p:txBody>
-            <a:bodyPr rtlCol="0" anchor="ctr"/>
-            <a:lstStyle/>
-            <a:p>
-              <a:pPr algn="ctr"/>
-              <a:r>
-                <a:rPr lang="en-US" dirty="0" smtClean="0">
-                  <a:latin typeface="Segoe Light"/>
-                  <a:cs typeface="Segoe Light"/>
-                </a:rPr>
-                <a:t>[AS0] 172.16.121.113</a:t>
-              </a:r>
-              <a:endParaRPr lang="en-US" dirty="0">
-                <a:latin typeface="Segoe Light"/>
-                <a:cs typeface="Segoe Light"/>
-              </a:endParaRPr>
-            </a:p>
-          </p:txBody>
-        </p:sp>
-        <p:sp>
-          <p:nvSpPr>
-            <p:cNvPr id="34" name="Rectangle 33"/>
-            <p:cNvSpPr/>
-            <p:nvPr/>
-          </p:nvSpPr>
-          <p:spPr>
-            <a:xfrm>
-              <a:off x="5069430" y="3286342"/>
-              <a:ext cx="2827923" cy="384246"/>
-            </a:xfrm>
-            <a:prstGeom prst="rect">
-              <a:avLst/>
-            </a:prstGeom>
-            <a:solidFill>
-              <a:schemeClr val="bg1">
-                <a:lumMod val="65000"/>
-                <a:lumOff val="35000"/>
-              </a:schemeClr>
-            </a:solidFill>
-            <a:ln>
-              <a:noFill/>
-            </a:ln>
-          </p:spPr>
-          <p:style>
-            <a:lnRef idx="1">
-              <a:schemeClr val="accent1"/>
-            </a:lnRef>
-            <a:fillRef idx="3">
-              <a:schemeClr val="accent1"/>
-            </a:fillRef>
-            <a:effectRef idx="2">
-              <a:schemeClr val="accent1"/>
-            </a:effectRef>
-            <a:fontRef idx="minor">
-              <a:schemeClr val="lt1"/>
-            </a:fontRef>
-          </p:style>
-          <p:txBody>
-            <a:bodyPr rtlCol="0" anchor="ctr"/>
-            <a:lstStyle/>
-            <a:p>
-              <a:pPr algn="ctr"/>
-              <a:r>
-                <a:rPr lang="en-US" dirty="0" smtClean="0">
-                  <a:latin typeface="Segoe Light"/>
-                  <a:cs typeface="Segoe Light"/>
-                </a:rPr>
-                <a:t>[AS7018] 12.249.2.49</a:t>
-              </a:r>
-              <a:endParaRPr lang="en-US" dirty="0">
-                <a:latin typeface="Segoe Light"/>
-                <a:cs typeface="Segoe Light"/>
-              </a:endParaRPr>
-            </a:p>
-          </p:txBody>
-        </p:sp>
-        <p:sp>
-          <p:nvSpPr>
-            <p:cNvPr id="35" name="Rectangle 34"/>
-            <p:cNvSpPr/>
-            <p:nvPr/>
-          </p:nvSpPr>
-          <p:spPr>
-            <a:xfrm>
-              <a:off x="5069430" y="3735576"/>
-              <a:ext cx="2827923" cy="384246"/>
-            </a:xfrm>
-            <a:prstGeom prst="rect">
-              <a:avLst/>
-            </a:prstGeom>
-            <a:solidFill>
-              <a:schemeClr val="bg1">
-                <a:lumMod val="65000"/>
-                <a:lumOff val="35000"/>
-              </a:schemeClr>
-            </a:solidFill>
-            <a:ln>
-              <a:noFill/>
-            </a:ln>
-          </p:spPr>
-          <p:style>
-            <a:lnRef idx="1">
-              <a:schemeClr val="accent1"/>
-            </a:lnRef>
-            <a:fillRef idx="3">
-              <a:schemeClr val="accent1"/>
-            </a:fillRef>
-            <a:effectRef idx="2">
-              <a:schemeClr val="accent1"/>
-            </a:effectRef>
-            <a:fontRef idx="minor">
-              <a:schemeClr val="lt1"/>
-            </a:fontRef>
-          </p:style>
-          <p:txBody>
-            <a:bodyPr rtlCol="0" anchor="ctr"/>
-            <a:lstStyle/>
-            <a:p>
-              <a:pPr algn="ctr"/>
-              <a:r>
-                <a:rPr lang="en-US" dirty="0">
-                  <a:latin typeface="Segoe Light"/>
-                  <a:cs typeface="Segoe Light"/>
-                </a:rPr>
-                <a:t>[AS7018] </a:t>
-              </a:r>
-              <a:r>
-                <a:rPr lang="en-US" dirty="0" smtClean="0">
-                  <a:latin typeface="Segoe Light"/>
-                  <a:cs typeface="Segoe Light"/>
-                </a:rPr>
-                <a:t>12.83.180.82</a:t>
-              </a:r>
-              <a:endParaRPr lang="en-US" dirty="0">
-                <a:latin typeface="Segoe Light"/>
-                <a:cs typeface="Segoe Light"/>
-              </a:endParaRPr>
-            </a:p>
-          </p:txBody>
-        </p:sp>
-        <p:sp>
-          <p:nvSpPr>
-            <p:cNvPr id="36" name="Rectangle 35"/>
-            <p:cNvSpPr/>
-            <p:nvPr/>
-          </p:nvSpPr>
-          <p:spPr>
-            <a:xfrm>
-              <a:off x="5069429" y="4169976"/>
-              <a:ext cx="2827923" cy="850358"/>
-            </a:xfrm>
-            <a:prstGeom prst="rect">
-              <a:avLst/>
-            </a:prstGeom>
-            <a:solidFill>
-              <a:schemeClr val="bg1">
-                <a:lumMod val="65000"/>
-                <a:lumOff val="35000"/>
-              </a:schemeClr>
-            </a:solidFill>
-            <a:ln>
-              <a:noFill/>
-            </a:ln>
-          </p:spPr>
-          <p:style>
-            <a:lnRef idx="1">
-              <a:schemeClr val="accent1"/>
-            </a:lnRef>
-            <a:fillRef idx="3">
-              <a:schemeClr val="accent1"/>
-            </a:fillRef>
-            <a:effectRef idx="2">
-              <a:schemeClr val="accent1"/>
-            </a:effectRef>
-            <a:fontRef idx="minor">
-              <a:schemeClr val="lt1"/>
-            </a:fontRef>
-          </p:style>
-          <p:txBody>
-            <a:bodyPr rtlCol="0" anchor="ctr"/>
-            <a:lstStyle/>
-            <a:p>
-              <a:pPr algn="ctr"/>
-              <a:r>
-                <a:rPr lang="en-US" dirty="0">
-                  <a:latin typeface="Segoe Light"/>
-                  <a:cs typeface="Segoe Light"/>
-                </a:rPr>
-                <a:t>[AS7018</a:t>
-              </a:r>
-              <a:r>
-                <a:rPr lang="en-US" dirty="0" smtClean="0">
-                  <a:latin typeface="Segoe Light"/>
-                  <a:cs typeface="Segoe Light"/>
-                </a:rPr>
-                <a:t>]</a:t>
-              </a:r>
-            </a:p>
-            <a:p>
-              <a:pPr algn="ctr"/>
-              <a:r>
-                <a:rPr lang="en-US" dirty="0">
-                  <a:latin typeface="Segoe Light"/>
-                  <a:cs typeface="Segoe Light"/>
-                </a:rPr>
-                <a:t>12.122.200.9/12.122.114.5</a:t>
-              </a:r>
-              <a:endParaRPr lang="en-US" dirty="0" smtClean="0">
-                <a:latin typeface="Segoe Light"/>
-                <a:cs typeface="Segoe Light"/>
-              </a:endParaRPr>
-            </a:p>
-            <a:p>
-              <a:pPr algn="ctr"/>
-              <a:r>
-                <a:rPr lang="en-US" dirty="0" smtClean="0">
-                  <a:latin typeface="Segoe Light"/>
-                  <a:cs typeface="Segoe Light"/>
-                </a:rPr>
-                <a:t>12.122.1.118/12.122.8.79…</a:t>
-              </a:r>
-              <a:endParaRPr lang="en-US" dirty="0">
-                <a:latin typeface="Segoe Light"/>
-                <a:cs typeface="Segoe Light"/>
-              </a:endParaRPr>
-            </a:p>
-          </p:txBody>
-        </p:sp>
-        <p:sp>
-          <p:nvSpPr>
-            <p:cNvPr id="37" name="Rectangle 36"/>
-            <p:cNvSpPr/>
-            <p:nvPr/>
-          </p:nvSpPr>
-          <p:spPr>
-            <a:xfrm>
-              <a:off x="5069430" y="5077542"/>
-              <a:ext cx="2827923" cy="1158303"/>
-            </a:xfrm>
-            <a:prstGeom prst="rect">
-              <a:avLst/>
-            </a:prstGeom>
-            <a:solidFill>
-              <a:schemeClr val="bg1">
-                <a:lumMod val="65000"/>
-                <a:lumOff val="35000"/>
-              </a:schemeClr>
-            </a:solidFill>
-            <a:ln>
-              <a:noFill/>
-            </a:ln>
-          </p:spPr>
-          <p:style>
-            <a:lnRef idx="1">
-              <a:schemeClr val="accent1"/>
-            </a:lnRef>
-            <a:fillRef idx="3">
-              <a:schemeClr val="accent1"/>
-            </a:fillRef>
-            <a:effectRef idx="2">
-              <a:schemeClr val="accent1"/>
-            </a:effectRef>
-            <a:fontRef idx="minor">
-              <a:schemeClr val="lt1"/>
-            </a:fontRef>
-          </p:style>
-          <p:txBody>
-            <a:bodyPr rtlCol="0" anchor="ctr"/>
-            <a:lstStyle/>
-            <a:p>
-              <a:pPr algn="ctr"/>
-              <a:r>
-                <a:rPr lang="en-US" dirty="0">
-                  <a:latin typeface="Segoe Light"/>
-                  <a:cs typeface="Segoe Light"/>
-                </a:rPr>
-                <a:t>[AS7018</a:t>
-              </a:r>
-              <a:r>
-                <a:rPr lang="en-US" dirty="0" smtClean="0">
-                  <a:latin typeface="Segoe Light"/>
-                  <a:cs typeface="Segoe Light"/>
-                </a:rPr>
-                <a:t>]</a:t>
-              </a:r>
-            </a:p>
-            <a:p>
-              <a:pPr algn="ctr"/>
-              <a:r>
-                <a:rPr lang="en-US" dirty="0">
-                  <a:latin typeface="Segoe Light"/>
-                  <a:cs typeface="Segoe Light"/>
-                </a:rPr>
-                <a:t>12.122.114.21/</a:t>
-              </a:r>
-              <a:r>
-                <a:rPr lang="en-US" dirty="0" smtClean="0">
-                  <a:latin typeface="Segoe Light"/>
-                  <a:cs typeface="Segoe Light"/>
-                </a:rPr>
-                <a:t>12.123.30.5 </a:t>
-              </a:r>
-              <a:endParaRPr lang="en-US" dirty="0">
-                <a:latin typeface="Segoe Light"/>
-                <a:cs typeface="Segoe Light"/>
-              </a:endParaRPr>
-            </a:p>
-            <a:p>
-              <a:pPr algn="ctr"/>
-              <a:r>
-                <a:rPr lang="en-US" dirty="0" smtClean="0">
-                  <a:latin typeface="Segoe Light"/>
-                  <a:cs typeface="Segoe Light"/>
-                </a:rPr>
-                <a:t>[AS0]</a:t>
-              </a:r>
-            </a:p>
-            <a:p>
-              <a:pPr algn="ctr"/>
-              <a:r>
-                <a:rPr lang="en-US" dirty="0" smtClean="0">
-                  <a:latin typeface="Segoe Light"/>
-                  <a:cs typeface="Segoe Light"/>
-                </a:rPr>
-                <a:t>192.205.33.46/…</a:t>
-              </a:r>
-              <a:endParaRPr lang="en-US" dirty="0">
-                <a:latin typeface="Segoe Light"/>
-                <a:cs typeface="Segoe Light"/>
-              </a:endParaRPr>
-            </a:p>
-          </p:txBody>
-        </p:sp>
-        <p:sp>
-          <p:nvSpPr>
-            <p:cNvPr id="43" name="TextBox 42"/>
-            <p:cNvSpPr txBox="1"/>
-            <p:nvPr/>
-          </p:nvSpPr>
-          <p:spPr>
-            <a:xfrm>
-              <a:off x="9373334" y="618676"/>
-              <a:ext cx="68186" cy="369332"/>
-            </a:xfrm>
-            <a:prstGeom prst="rect">
-              <a:avLst/>
-            </a:prstGeom>
-            <a:noFill/>
-          </p:spPr>
-          <p:txBody>
-            <a:bodyPr wrap="square" rtlCol="0">
-              <a:spAutoFit/>
-            </a:bodyPr>
-            <a:lstStyle/>
-            <a:p>
-              <a:endParaRPr lang="en-US" dirty="0"/>
-            </a:p>
-          </p:txBody>
-        </p:sp>
-        <p:sp>
-          <p:nvSpPr>
-            <p:cNvPr id="44" name="Rectangle 43"/>
-            <p:cNvSpPr/>
-            <p:nvPr/>
-          </p:nvSpPr>
-          <p:spPr>
-            <a:xfrm>
-              <a:off x="8019974" y="152083"/>
-              <a:ext cx="1044185" cy="384246"/>
-            </a:xfrm>
-            <a:prstGeom prst="rect">
-              <a:avLst/>
-            </a:prstGeom>
-            <a:solidFill>
-              <a:schemeClr val="bg1">
-                <a:lumMod val="65000"/>
-                <a:lumOff val="35000"/>
-              </a:schemeClr>
-            </a:solidFill>
-            <a:ln>
-              <a:noFill/>
-            </a:ln>
-          </p:spPr>
-          <p:style>
-            <a:lnRef idx="1">
-              <a:schemeClr val="accent1"/>
-            </a:lnRef>
-            <a:fillRef idx="3">
-              <a:schemeClr val="accent1"/>
-            </a:fillRef>
-            <a:effectRef idx="2">
-              <a:schemeClr val="accent1"/>
-            </a:effectRef>
-            <a:fontRef idx="minor">
-              <a:schemeClr val="lt1"/>
-            </a:fontRef>
-          </p:style>
-          <p:txBody>
-            <a:bodyPr rtlCol="0" anchor="ctr"/>
-            <a:lstStyle/>
-            <a:p>
-              <a:pPr algn="ctr"/>
-              <a:r>
-                <a:rPr lang="en-US" dirty="0" smtClean="0">
-                  <a:latin typeface="Segoe Light"/>
-                  <a:cs typeface="Segoe Light"/>
-                </a:rPr>
-                <a:t>~0.7 </a:t>
-              </a:r>
-              <a:r>
-                <a:rPr lang="en-US" dirty="0" err="1" smtClean="0">
-                  <a:latin typeface="Segoe Light"/>
-                  <a:cs typeface="Segoe Light"/>
-                </a:rPr>
-                <a:t>ms</a:t>
-              </a:r>
-              <a:endParaRPr lang="en-US" dirty="0">
-                <a:latin typeface="Segoe Light"/>
-                <a:cs typeface="Segoe Light"/>
-              </a:endParaRPr>
-            </a:p>
-          </p:txBody>
-        </p:sp>
-        <p:sp>
-          <p:nvSpPr>
-            <p:cNvPr id="45" name="Rectangle 44"/>
-            <p:cNvSpPr/>
-            <p:nvPr/>
-          </p:nvSpPr>
-          <p:spPr>
-            <a:xfrm>
-              <a:off x="8019974" y="1024641"/>
-              <a:ext cx="1044186" cy="384246"/>
-            </a:xfrm>
-            <a:prstGeom prst="rect">
-              <a:avLst/>
-            </a:prstGeom>
-            <a:solidFill>
-              <a:schemeClr val="bg1">
-                <a:lumMod val="65000"/>
-                <a:lumOff val="35000"/>
-              </a:schemeClr>
-            </a:solidFill>
-            <a:ln>
-              <a:noFill/>
-            </a:ln>
-          </p:spPr>
-          <p:style>
-            <a:lnRef idx="1">
-              <a:schemeClr val="accent1"/>
-            </a:lnRef>
-            <a:fillRef idx="3">
-              <a:schemeClr val="accent1"/>
-            </a:fillRef>
-            <a:effectRef idx="2">
-              <a:schemeClr val="accent1"/>
-            </a:effectRef>
-            <a:fontRef idx="minor">
-              <a:schemeClr val="lt1"/>
-            </a:fontRef>
-          </p:style>
-          <p:txBody>
-            <a:bodyPr rtlCol="0" anchor="ctr"/>
-            <a:lstStyle/>
-            <a:p>
-              <a:pPr algn="ctr"/>
-              <a:r>
-                <a:rPr lang="en-US" dirty="0" smtClean="0">
-                  <a:latin typeface="Segoe Light"/>
-                  <a:cs typeface="Segoe Light"/>
-                </a:rPr>
-                <a:t>~35 </a:t>
-              </a:r>
-              <a:r>
-                <a:rPr lang="en-US" dirty="0" err="1" smtClean="0">
-                  <a:latin typeface="Segoe Light"/>
-                  <a:cs typeface="Segoe Light"/>
-                </a:rPr>
-                <a:t>ms</a:t>
-              </a:r>
-              <a:endParaRPr lang="en-US" dirty="0">
-                <a:latin typeface="Segoe Light"/>
-                <a:cs typeface="Segoe Light"/>
-              </a:endParaRPr>
-            </a:p>
-          </p:txBody>
-        </p:sp>
-        <p:sp>
-          <p:nvSpPr>
-            <p:cNvPr id="46" name="Rectangle 45"/>
-            <p:cNvSpPr/>
-            <p:nvPr/>
-          </p:nvSpPr>
-          <p:spPr>
-            <a:xfrm>
-              <a:off x="8019974" y="584944"/>
-              <a:ext cx="1044185" cy="384246"/>
-            </a:xfrm>
-            <a:prstGeom prst="rect">
-              <a:avLst/>
-            </a:prstGeom>
-            <a:solidFill>
-              <a:schemeClr val="bg1">
-                <a:lumMod val="65000"/>
-                <a:lumOff val="35000"/>
-              </a:schemeClr>
-            </a:solidFill>
-            <a:ln>
-              <a:noFill/>
-            </a:ln>
-          </p:spPr>
-          <p:style>
-            <a:lnRef idx="1">
-              <a:schemeClr val="accent1"/>
-            </a:lnRef>
-            <a:fillRef idx="3">
-              <a:schemeClr val="accent1"/>
-            </a:fillRef>
-            <a:effectRef idx="2">
-              <a:schemeClr val="accent1"/>
-            </a:effectRef>
-            <a:fontRef idx="minor">
-              <a:schemeClr val="lt1"/>
-            </a:fontRef>
-          </p:style>
-          <p:txBody>
-            <a:bodyPr rtlCol="0" anchor="ctr"/>
-            <a:lstStyle/>
-            <a:p>
-              <a:pPr algn="ctr"/>
-              <a:r>
-                <a:rPr lang="en-US" dirty="0" smtClean="0">
-                  <a:latin typeface="Segoe Light"/>
-                  <a:cs typeface="Segoe Light"/>
-                </a:rPr>
-                <a:t>~35 </a:t>
-              </a:r>
-              <a:r>
-                <a:rPr lang="en-US" dirty="0" err="1" smtClean="0">
-                  <a:latin typeface="Segoe Light"/>
-                  <a:cs typeface="Segoe Light"/>
-                </a:rPr>
-                <a:t>ms</a:t>
-              </a:r>
-              <a:endParaRPr lang="en-US" dirty="0">
-                <a:latin typeface="Segoe Light"/>
-                <a:cs typeface="Segoe Light"/>
-              </a:endParaRPr>
-            </a:p>
-          </p:txBody>
-        </p:sp>
-        <p:sp>
-          <p:nvSpPr>
-            <p:cNvPr id="47" name="Rectangle 46"/>
-            <p:cNvSpPr/>
-            <p:nvPr/>
-          </p:nvSpPr>
-          <p:spPr>
-            <a:xfrm>
-              <a:off x="8019975" y="1462745"/>
-              <a:ext cx="1044186" cy="868599"/>
-            </a:xfrm>
-            <a:prstGeom prst="rect">
-              <a:avLst/>
-            </a:prstGeom>
-            <a:solidFill>
-              <a:schemeClr val="bg1">
-                <a:lumMod val="65000"/>
-                <a:lumOff val="35000"/>
-              </a:schemeClr>
-            </a:solidFill>
-            <a:ln>
-              <a:noFill/>
-            </a:ln>
-          </p:spPr>
-          <p:style>
-            <a:lnRef idx="1">
-              <a:schemeClr val="accent1"/>
-            </a:lnRef>
-            <a:fillRef idx="3">
-              <a:schemeClr val="accent1"/>
-            </a:fillRef>
-            <a:effectRef idx="2">
-              <a:schemeClr val="accent1"/>
-            </a:effectRef>
-            <a:fontRef idx="minor">
-              <a:schemeClr val="lt1"/>
-            </a:fontRef>
-          </p:style>
-          <p:txBody>
-            <a:bodyPr rtlCol="0" anchor="ctr"/>
-            <a:lstStyle/>
-            <a:p>
-              <a:pPr algn="ctr"/>
-              <a:r>
-                <a:rPr lang="en-US" dirty="0" smtClean="0">
-                  <a:latin typeface="Segoe Light"/>
-                  <a:cs typeface="Segoe Light"/>
-                </a:rPr>
-                <a:t>~35 </a:t>
-              </a:r>
-              <a:r>
-                <a:rPr lang="en-US" dirty="0" err="1" smtClean="0">
-                  <a:latin typeface="Segoe Light"/>
-                  <a:cs typeface="Segoe Light"/>
-                </a:rPr>
-                <a:t>ms</a:t>
-              </a:r>
-              <a:endParaRPr lang="en-US" dirty="0">
-                <a:latin typeface="Segoe Light"/>
-                <a:cs typeface="Segoe Light"/>
-              </a:endParaRPr>
-            </a:p>
-          </p:txBody>
-        </p:sp>
-        <p:sp>
-          <p:nvSpPr>
-            <p:cNvPr id="48" name="Rectangle 47"/>
-            <p:cNvSpPr/>
-            <p:nvPr/>
-          </p:nvSpPr>
-          <p:spPr>
-            <a:xfrm>
-              <a:off x="8019974" y="2389112"/>
-              <a:ext cx="1044186" cy="384246"/>
-            </a:xfrm>
-            <a:prstGeom prst="rect">
-              <a:avLst/>
-            </a:prstGeom>
-            <a:solidFill>
-              <a:schemeClr val="bg1">
-                <a:lumMod val="65000"/>
-                <a:lumOff val="35000"/>
-              </a:schemeClr>
-            </a:solidFill>
-            <a:ln>
-              <a:noFill/>
-            </a:ln>
-          </p:spPr>
-          <p:style>
-            <a:lnRef idx="1">
-              <a:schemeClr val="accent1"/>
-            </a:lnRef>
-            <a:fillRef idx="3">
-              <a:schemeClr val="accent1"/>
-            </a:fillRef>
-            <a:effectRef idx="2">
-              <a:schemeClr val="accent1"/>
-            </a:effectRef>
-            <a:fontRef idx="minor">
-              <a:schemeClr val="lt1"/>
-            </a:fontRef>
-          </p:style>
-          <p:txBody>
-            <a:bodyPr rtlCol="0" anchor="ctr"/>
-            <a:lstStyle/>
-            <a:p>
-              <a:pPr algn="ctr"/>
-              <a:r>
-                <a:rPr lang="en-US" dirty="0" smtClean="0">
-                  <a:latin typeface="Segoe Light"/>
-                  <a:cs typeface="Segoe Light"/>
-                </a:rPr>
-                <a:t>~35 </a:t>
-              </a:r>
-              <a:r>
-                <a:rPr lang="en-US" dirty="0" err="1" smtClean="0">
-                  <a:latin typeface="Segoe Light"/>
-                  <a:cs typeface="Segoe Light"/>
-                </a:rPr>
-                <a:t>ms</a:t>
-              </a:r>
-              <a:endParaRPr lang="en-US" dirty="0">
-                <a:latin typeface="Segoe Light"/>
-                <a:cs typeface="Segoe Light"/>
-              </a:endParaRPr>
-            </a:p>
-          </p:txBody>
-        </p:sp>
-        <p:sp>
-          <p:nvSpPr>
-            <p:cNvPr id="49" name="Rectangle 48"/>
-            <p:cNvSpPr/>
-            <p:nvPr/>
-          </p:nvSpPr>
-          <p:spPr>
-            <a:xfrm>
-              <a:off x="8019975" y="2836355"/>
-              <a:ext cx="1044186" cy="384246"/>
-            </a:xfrm>
-            <a:prstGeom prst="rect">
-              <a:avLst/>
-            </a:prstGeom>
-            <a:solidFill>
-              <a:schemeClr val="bg1">
-                <a:lumMod val="65000"/>
-                <a:lumOff val="35000"/>
-              </a:schemeClr>
-            </a:solidFill>
-            <a:ln>
-              <a:noFill/>
-            </a:ln>
-          </p:spPr>
-          <p:style>
-            <a:lnRef idx="1">
-              <a:schemeClr val="accent1"/>
-            </a:lnRef>
-            <a:fillRef idx="3">
-              <a:schemeClr val="accent1"/>
-            </a:fillRef>
-            <a:effectRef idx="2">
-              <a:schemeClr val="accent1"/>
-            </a:effectRef>
-            <a:fontRef idx="minor">
-              <a:schemeClr val="lt1"/>
-            </a:fontRef>
-          </p:style>
-          <p:txBody>
-            <a:bodyPr rtlCol="0" anchor="ctr"/>
-            <a:lstStyle/>
-            <a:p>
-              <a:pPr algn="ctr"/>
-              <a:r>
-                <a:rPr lang="en-US" dirty="0" smtClean="0">
-                  <a:latin typeface="Segoe Light"/>
-                  <a:cs typeface="Segoe Light"/>
-                </a:rPr>
-                <a:t>~50 </a:t>
-              </a:r>
-              <a:r>
-                <a:rPr lang="en-US" dirty="0" err="1" smtClean="0">
-                  <a:latin typeface="Segoe Light"/>
-                  <a:cs typeface="Segoe Light"/>
-                </a:rPr>
-                <a:t>ms</a:t>
-              </a:r>
-              <a:endParaRPr lang="en-US" dirty="0">
-                <a:latin typeface="Segoe Light"/>
-                <a:cs typeface="Segoe Light"/>
-              </a:endParaRPr>
-            </a:p>
-          </p:txBody>
-        </p:sp>
-        <p:sp>
-          <p:nvSpPr>
-            <p:cNvPr id="50" name="Rectangle 49"/>
-            <p:cNvSpPr/>
-            <p:nvPr/>
-          </p:nvSpPr>
-          <p:spPr>
-            <a:xfrm>
-              <a:off x="8019975" y="3286342"/>
-              <a:ext cx="1044186" cy="384246"/>
-            </a:xfrm>
-            <a:prstGeom prst="rect">
-              <a:avLst/>
-            </a:prstGeom>
-            <a:solidFill>
-              <a:schemeClr val="bg1">
-                <a:lumMod val="65000"/>
-                <a:lumOff val="35000"/>
-              </a:schemeClr>
-            </a:solidFill>
-            <a:ln>
-              <a:noFill/>
-            </a:ln>
-          </p:spPr>
-          <p:style>
-            <a:lnRef idx="1">
-              <a:schemeClr val="accent1"/>
-            </a:lnRef>
-            <a:fillRef idx="3">
-              <a:schemeClr val="accent1"/>
-            </a:fillRef>
-            <a:effectRef idx="2">
-              <a:schemeClr val="accent1"/>
-            </a:effectRef>
-            <a:fontRef idx="minor">
-              <a:schemeClr val="lt1"/>
-            </a:fontRef>
-          </p:style>
-          <p:txBody>
-            <a:bodyPr rtlCol="0" anchor="ctr"/>
-            <a:lstStyle/>
-            <a:p>
-              <a:pPr algn="ctr"/>
-              <a:r>
-                <a:rPr lang="en-US" dirty="0" smtClean="0">
-                  <a:latin typeface="Segoe Light"/>
-                  <a:cs typeface="Segoe Light"/>
-                </a:rPr>
-                <a:t>~60 </a:t>
-              </a:r>
-              <a:r>
-                <a:rPr lang="en-US" dirty="0" err="1" smtClean="0">
-                  <a:latin typeface="Segoe Light"/>
-                  <a:cs typeface="Segoe Light"/>
-                </a:rPr>
-                <a:t>ms</a:t>
-              </a:r>
-              <a:endParaRPr lang="en-US" dirty="0">
-                <a:latin typeface="Segoe Light"/>
-                <a:cs typeface="Segoe Light"/>
-              </a:endParaRPr>
-            </a:p>
-          </p:txBody>
-        </p:sp>
-        <p:sp>
-          <p:nvSpPr>
-            <p:cNvPr id="51" name="Rectangle 50"/>
-            <p:cNvSpPr/>
-            <p:nvPr/>
-          </p:nvSpPr>
-          <p:spPr>
-            <a:xfrm>
-              <a:off x="8019975" y="3735576"/>
-              <a:ext cx="1044186" cy="384246"/>
-            </a:xfrm>
-            <a:prstGeom prst="rect">
-              <a:avLst/>
-            </a:prstGeom>
-            <a:solidFill>
-              <a:schemeClr val="bg1">
-                <a:lumMod val="65000"/>
-                <a:lumOff val="35000"/>
-              </a:schemeClr>
-            </a:solidFill>
-            <a:ln>
-              <a:noFill/>
-            </a:ln>
-          </p:spPr>
-          <p:style>
-            <a:lnRef idx="1">
-              <a:schemeClr val="accent1"/>
-            </a:lnRef>
-            <a:fillRef idx="3">
-              <a:schemeClr val="accent1"/>
-            </a:fillRef>
-            <a:effectRef idx="2">
-              <a:schemeClr val="accent1"/>
-            </a:effectRef>
-            <a:fontRef idx="minor">
-              <a:schemeClr val="lt1"/>
-            </a:fontRef>
-          </p:style>
-          <p:txBody>
-            <a:bodyPr rtlCol="0" anchor="ctr"/>
-            <a:lstStyle/>
-            <a:p>
-              <a:pPr algn="ctr"/>
-              <a:r>
-                <a:rPr lang="en-US" dirty="0" smtClean="0">
-                  <a:latin typeface="Segoe Light"/>
-                  <a:cs typeface="Segoe Light"/>
-                </a:rPr>
-                <a:t>~50 </a:t>
-              </a:r>
-              <a:r>
-                <a:rPr lang="en-US" dirty="0" err="1" smtClean="0">
-                  <a:latin typeface="Segoe Light"/>
-                  <a:cs typeface="Segoe Light"/>
-                </a:rPr>
-                <a:t>ms</a:t>
-              </a:r>
-              <a:endParaRPr lang="en-US" dirty="0">
-                <a:latin typeface="Segoe Light"/>
-                <a:cs typeface="Segoe Light"/>
-              </a:endParaRPr>
-            </a:p>
-          </p:txBody>
-        </p:sp>
-        <p:sp>
-          <p:nvSpPr>
-            <p:cNvPr id="52" name="Rectangle 51"/>
-            <p:cNvSpPr/>
-            <p:nvPr/>
-          </p:nvSpPr>
-          <p:spPr>
-            <a:xfrm>
-              <a:off x="8019974" y="4169976"/>
-              <a:ext cx="1044186" cy="850358"/>
-            </a:xfrm>
-            <a:prstGeom prst="rect">
-              <a:avLst/>
-            </a:prstGeom>
-            <a:solidFill>
-              <a:schemeClr val="bg1">
-                <a:lumMod val="65000"/>
-                <a:lumOff val="35000"/>
-              </a:schemeClr>
-            </a:solidFill>
-            <a:ln>
-              <a:noFill/>
-            </a:ln>
-          </p:spPr>
-          <p:style>
-            <a:lnRef idx="1">
-              <a:schemeClr val="accent1"/>
-            </a:lnRef>
-            <a:fillRef idx="3">
-              <a:schemeClr val="accent1"/>
-            </a:fillRef>
-            <a:effectRef idx="2">
-              <a:schemeClr val="accent1"/>
-            </a:effectRef>
-            <a:fontRef idx="minor">
-              <a:schemeClr val="lt1"/>
-            </a:fontRef>
-          </p:style>
-          <p:txBody>
-            <a:bodyPr rtlCol="0" anchor="ctr"/>
-            <a:lstStyle/>
-            <a:p>
-              <a:pPr algn="ctr"/>
-              <a:r>
-                <a:rPr lang="en-US" dirty="0">
-                  <a:latin typeface="Segoe Light"/>
-                  <a:cs typeface="Segoe Light"/>
-                </a:rPr>
-                <a:t>40 </a:t>
-              </a:r>
-              <a:r>
-                <a:rPr lang="en-US" dirty="0" err="1">
-                  <a:latin typeface="Segoe Light"/>
-                  <a:cs typeface="Segoe Light"/>
-                </a:rPr>
-                <a:t>ms</a:t>
-              </a:r>
-              <a:r>
-                <a:rPr lang="en-US" dirty="0">
-                  <a:latin typeface="Segoe Light"/>
-                  <a:cs typeface="Segoe Light"/>
-                </a:rPr>
-                <a:t> -</a:t>
-              </a:r>
-            </a:p>
-            <a:p>
-              <a:pPr algn="ctr"/>
-              <a:r>
-                <a:rPr lang="en-US" dirty="0">
-                  <a:latin typeface="Segoe Light"/>
-                  <a:cs typeface="Segoe Light"/>
-                </a:rPr>
-                <a:t>100 </a:t>
-              </a:r>
-              <a:r>
-                <a:rPr lang="en-US" dirty="0" err="1">
-                  <a:latin typeface="Segoe Light"/>
-                  <a:cs typeface="Segoe Light"/>
-                </a:rPr>
-                <a:t>ms</a:t>
-              </a:r>
-              <a:endParaRPr lang="en-US" dirty="0">
-                <a:latin typeface="Segoe Light"/>
-                <a:cs typeface="Segoe Light"/>
-              </a:endParaRPr>
-            </a:p>
-          </p:txBody>
-        </p:sp>
-        <p:sp>
-          <p:nvSpPr>
-            <p:cNvPr id="53" name="Rectangle 52"/>
-            <p:cNvSpPr/>
-            <p:nvPr/>
-          </p:nvSpPr>
-          <p:spPr>
-            <a:xfrm>
-              <a:off x="8019975" y="5077542"/>
-              <a:ext cx="1044186" cy="1158303"/>
-            </a:xfrm>
-            <a:prstGeom prst="rect">
-              <a:avLst/>
-            </a:prstGeom>
-            <a:solidFill>
-              <a:schemeClr val="bg1">
-                <a:lumMod val="65000"/>
-                <a:lumOff val="35000"/>
-              </a:schemeClr>
-            </a:solidFill>
-            <a:ln>
-              <a:noFill/>
-            </a:ln>
-          </p:spPr>
-          <p:style>
-            <a:lnRef idx="1">
-              <a:schemeClr val="accent1"/>
-            </a:lnRef>
-            <a:fillRef idx="3">
-              <a:schemeClr val="accent1"/>
-            </a:fillRef>
-            <a:effectRef idx="2">
-              <a:schemeClr val="accent1"/>
-            </a:effectRef>
-            <a:fontRef idx="minor">
-              <a:schemeClr val="lt1"/>
-            </a:fontRef>
-          </p:style>
-          <p:txBody>
-            <a:bodyPr rtlCol="0" anchor="ctr"/>
-            <a:lstStyle/>
-            <a:p>
-              <a:pPr algn="ctr"/>
-              <a:r>
-                <a:rPr lang="en-US" dirty="0" smtClean="0">
-                  <a:latin typeface="Segoe Light"/>
-                  <a:cs typeface="Segoe Light"/>
-                </a:rPr>
-                <a:t>40 </a:t>
-              </a:r>
-              <a:r>
-                <a:rPr lang="en-US" dirty="0" err="1" smtClean="0">
-                  <a:latin typeface="Segoe Light"/>
-                  <a:cs typeface="Segoe Light"/>
-                </a:rPr>
-                <a:t>ms</a:t>
-              </a:r>
-              <a:r>
-                <a:rPr lang="en-US" dirty="0" smtClean="0">
-                  <a:latin typeface="Segoe Light"/>
-                  <a:cs typeface="Segoe Light"/>
-                </a:rPr>
-                <a:t> -</a:t>
-              </a:r>
-            </a:p>
-            <a:p>
-              <a:pPr algn="ctr"/>
-              <a:r>
-                <a:rPr lang="en-US" dirty="0" smtClean="0">
-                  <a:latin typeface="Segoe Light"/>
-                  <a:cs typeface="Segoe Light"/>
-                </a:rPr>
-                <a:t>100 </a:t>
-              </a:r>
-              <a:r>
-                <a:rPr lang="en-US" dirty="0" err="1" smtClean="0">
-                  <a:latin typeface="Segoe Light"/>
-                  <a:cs typeface="Segoe Light"/>
-                </a:rPr>
-                <a:t>ms</a:t>
-              </a:r>
-              <a:endParaRPr lang="en-US" dirty="0">
-                <a:latin typeface="Segoe Light"/>
-                <a:cs typeface="Segoe Light"/>
-              </a:endParaRPr>
-            </a:p>
-          </p:txBody>
-        </p:sp>
-        <p:sp>
-          <p:nvSpPr>
-            <p:cNvPr id="55" name="Rectangle 54"/>
-            <p:cNvSpPr/>
-            <p:nvPr/>
-          </p:nvSpPr>
-          <p:spPr>
-            <a:xfrm>
-              <a:off x="5069430" y="6305292"/>
-              <a:ext cx="3994729" cy="407270"/>
-            </a:xfrm>
-            <a:prstGeom prst="rect">
-              <a:avLst/>
-            </a:prstGeom>
-            <a:solidFill>
-              <a:schemeClr val="bg1">
-                <a:lumMod val="65000"/>
-                <a:lumOff val="35000"/>
-              </a:schemeClr>
-            </a:solidFill>
-            <a:ln>
-              <a:noFill/>
-            </a:ln>
-          </p:spPr>
-          <p:style>
-            <a:lnRef idx="1">
-              <a:schemeClr val="accent1"/>
-            </a:lnRef>
-            <a:fillRef idx="3">
-              <a:schemeClr val="accent1"/>
-            </a:fillRef>
-            <a:effectRef idx="2">
-              <a:schemeClr val="accent1"/>
-            </a:effectRef>
-            <a:fontRef idx="minor">
-              <a:schemeClr val="lt1"/>
-            </a:fontRef>
-          </p:style>
-          <p:txBody>
-            <a:bodyPr rtlCol="0" anchor="ctr"/>
-            <a:lstStyle/>
-            <a:p>
-              <a:pPr algn="ctr"/>
-              <a:r>
-                <a:rPr lang="en-US" dirty="0" smtClean="0">
-                  <a:latin typeface="Segoe Light"/>
-                  <a:cs typeface="Segoe Light"/>
-                </a:rPr>
-                <a:t>Possibly Internet….  50 </a:t>
-              </a:r>
-              <a:r>
-                <a:rPr lang="en-US" dirty="0" err="1" smtClean="0">
-                  <a:latin typeface="Segoe Light"/>
-                  <a:cs typeface="Segoe Light"/>
-                </a:rPr>
-                <a:t>ms</a:t>
-              </a:r>
-              <a:r>
-                <a:rPr lang="en-US" dirty="0" smtClean="0">
-                  <a:latin typeface="Segoe Light"/>
-                  <a:cs typeface="Segoe Light"/>
-                </a:rPr>
-                <a:t> – 200 </a:t>
-              </a:r>
-              <a:r>
-                <a:rPr lang="en-US" dirty="0" err="1" smtClean="0">
-                  <a:latin typeface="Segoe Light"/>
-                  <a:cs typeface="Segoe Light"/>
-                </a:rPr>
-                <a:t>ms</a:t>
-              </a:r>
-              <a:endParaRPr lang="en-US" dirty="0">
-                <a:latin typeface="Segoe Light"/>
-                <a:cs typeface="Segoe Light"/>
-              </a:endParaRPr>
-            </a:p>
-          </p:txBody>
-        </p:sp>
-      </p:grpSp>
-      <p:pic>
-        <p:nvPicPr>
-          <p:cNvPr id="7" name="Picture 6" descr="barplot.png"/>
-          <p:cNvPicPr>
-            <a:picLocks noChangeAspect="1"/>
-          </p:cNvPicPr>
-          <p:nvPr/>
-        </p:nvPicPr>
-        <p:blipFill>
-          <a:blip r:embed="rId3">
-            <a:extLst>
-              <a:ext uri="{28A0092B-C50C-407E-A947-70E740481C1C}">
-                <a14:useLocalDpi xmlns:a14="http://schemas.microsoft.com/office/drawing/2010/main" val="0"/>
-              </a:ext>
-            </a:extLst>
-          </a:blip>
-          <a:stretch>
-            <a:fillRect/>
-          </a:stretch>
-        </p:blipFill>
-        <p:spPr>
-          <a:xfrm>
-            <a:off x="457200" y="3512676"/>
-            <a:ext cx="4196564" cy="3139929"/>
-          </a:xfrm>
-          <a:prstGeom prst="rect">
-            <a:avLst/>
-          </a:prstGeom>
-        </p:spPr>
-      </p:pic>
     </p:spTree>
     <p:extLst>
       <p:ext uri="{BB962C8B-B14F-4D97-AF65-F5344CB8AC3E}">
-        <p14:creationId xmlns:p14="http://schemas.microsoft.com/office/powerpoint/2010/main" val="2674779977"/>
+        <p14:creationId xmlns:p14="http://schemas.microsoft.com/office/powerpoint/2010/main" val="1197110358"/>
       </p:ext>
     </p:extLst>
   </p:cSld>
@@ -9351,120 +10054,7 @@
   <p:timing>
     <p:tnLst>
       <p:par>
-        <p:cTn xmlns:p14="http://schemas.microsoft.com/office/powerpoint/2010/main" id="1" dur="indefinite" restart="never" nodeType="tmRoot">
-          <p:childTnLst>
-            <p:seq concurrent="1" nextAc="seek">
-              <p:cTn id="2" dur="indefinite" nodeType="mainSeq">
-                <p:childTnLst>
-                  <p:par>
-                    <p:cTn id="3" fill="hold">
-                      <p:stCondLst>
-                        <p:cond delay="indefinite"/>
-                      </p:stCondLst>
-                      <p:childTnLst>
-                        <p:par>
-                          <p:cTn id="4" fill="hold">
-                            <p:stCondLst>
-                              <p:cond delay="0"/>
-                            </p:stCondLst>
-                            <p:childTnLst>
-                              <p:par>
-                                <p:cTn id="5" presetID="1" presetClass="entr" presetSubtype="0" fill="hold" nodeType="clickEffect">
-                                  <p:stCondLst>
-                                    <p:cond delay="0"/>
-                                  </p:stCondLst>
-                                  <p:childTnLst>
-                                    <p:set>
-                                      <p:cBhvr>
-                                        <p:cTn id="6" dur="1" fill="hold">
-                                          <p:stCondLst>
-                                            <p:cond delay="0"/>
-                                          </p:stCondLst>
-                                        </p:cTn>
-                                        <p:tgtEl>
-                                          <p:spTgt spid="8"/>
-                                        </p:tgtEl>
-                                        <p:attrNameLst>
-                                          <p:attrName>style.visibility</p:attrName>
-                                        </p:attrNameLst>
-                                      </p:cBhvr>
-                                      <p:to>
-                                        <p:strVal val="visible"/>
-                                      </p:to>
-                                    </p:set>
-                                  </p:childTnLst>
-                                </p:cTn>
-                              </p:par>
-                            </p:childTnLst>
-                          </p:cTn>
-                        </p:par>
-                      </p:childTnLst>
-                    </p:cTn>
-                  </p:par>
-                  <p:par>
-                    <p:cTn id="7" fill="hold">
-                      <p:stCondLst>
-                        <p:cond delay="indefinite"/>
-                      </p:stCondLst>
-                      <p:childTnLst>
-                        <p:par>
-                          <p:cTn id="8" fill="hold">
-                            <p:stCondLst>
-                              <p:cond delay="0"/>
-                            </p:stCondLst>
-                            <p:childTnLst>
-                              <p:par>
-                                <p:cTn id="9" presetID="1" presetClass="entr" presetSubtype="0" fill="hold" nodeType="clickEffect">
-                                  <p:stCondLst>
-                                    <p:cond delay="0"/>
-                                  </p:stCondLst>
-                                  <p:childTnLst>
-                                    <p:set>
-                                      <p:cBhvr>
-                                        <p:cTn id="10" dur="1" fill="hold">
-                                          <p:stCondLst>
-                                            <p:cond delay="0"/>
-                                          </p:stCondLst>
-                                        </p:cTn>
-                                        <p:tgtEl>
-                                          <p:spTgt spid="7"/>
-                                        </p:tgtEl>
-                                        <p:attrNameLst>
-                                          <p:attrName>style.visibility</p:attrName>
-                                        </p:attrNameLst>
-                                      </p:cBhvr>
-                                      <p:to>
-                                        <p:strVal val="visible"/>
-                                      </p:to>
-                                    </p:set>
-                                  </p:childTnLst>
-                                </p:cTn>
-                              </p:par>
-                            </p:childTnLst>
-                          </p:cTn>
-                        </p:par>
-                      </p:childTnLst>
-                    </p:cTn>
-                  </p:par>
-                </p:childTnLst>
-              </p:cTn>
-              <p:prevCondLst>
-                <p:cond evt="onPrev" delay="0">
-                  <p:tgtEl>
-                    <p:sldTgt/>
-                  </p:tgtEl>
-                </p:cond>
-              </p:prevCondLst>
-              <p:nextCondLst>
-                <p:cond evt="onNext" delay="0">
-                  <p:tgtEl>
-                    <p:sldTgt/>
-                  </p:tgtEl>
-                </p:cond>
-              </p:nextCondLst>
-            </p:seq>
-          </p:childTnLst>
-        </p:cTn>
+        <p:cTn xmlns:p14="http://schemas.microsoft.com/office/powerpoint/2010/main" id="1" dur="indefinite" restart="never" nodeType="tmRoot"/>
       </p:par>
     </p:tnLst>
   </p:timing>
@@ -9500,8 +10090,8 @@
         </p:nvSpPr>
         <p:spPr>
           <a:xfrm>
-            <a:off x="457200" y="2588731"/>
-            <a:ext cx="8164722" cy="1843860"/>
+            <a:off x="457200" y="1228193"/>
+            <a:ext cx="8229600" cy="5122129"/>
           </a:xfrm>
         </p:spPr>
         <p:txBody>
@@ -9510,212 +10100,6 @@
           </a:bodyPr>
           <a:lstStyle/>
           <a:p>
-            <a:pPr marL="0" indent="0" algn="ctr">
-              <a:buNone/>
-            </a:pPr>
-            <a:r>
-              <a:rPr lang="en-US" dirty="0" smtClean="0">
-                <a:latin typeface="Segoe Light"/>
-                <a:cs typeface="Segoe Light"/>
-              </a:rPr>
-              <a:t>Question</a:t>
-            </a:r>
-            <a:r>
-              <a:rPr lang="en-US" altLang="zh-CN" dirty="0" smtClean="0">
-                <a:latin typeface="Segoe Light"/>
-                <a:cs typeface="Segoe Light"/>
-              </a:rPr>
-              <a:t>s</a:t>
-            </a:r>
-            <a:r>
-              <a:rPr lang="en-US" dirty="0" smtClean="0">
-                <a:latin typeface="Segoe Light"/>
-                <a:cs typeface="Segoe Light"/>
-              </a:rPr>
-              <a:t> &amp; Feedback?</a:t>
-            </a:r>
-            <a:endParaRPr lang="en-US" sz="5500" dirty="0" smtClean="0">
-              <a:latin typeface="Segoe Light"/>
-              <a:cs typeface="Segoe Light"/>
-            </a:endParaRPr>
-          </a:p>
-          <a:p>
-            <a:pPr marL="0" indent="0" algn="ctr">
-              <a:buNone/>
-            </a:pPr>
-            <a:r>
-              <a:rPr lang="en-US" sz="6700" dirty="0" smtClean="0">
-                <a:latin typeface="Segoe Light"/>
-                <a:cs typeface="Segoe Light"/>
-              </a:rPr>
-              <a:t>Thank you!</a:t>
-            </a:r>
-            <a:endParaRPr lang="en-US" sz="6700" dirty="0">
-              <a:latin typeface="Segoe Light"/>
-              <a:cs typeface="Segoe Light"/>
-            </a:endParaRPr>
-          </a:p>
-        </p:txBody>
-      </p:sp>
-      <p:sp>
-        <p:nvSpPr>
-          <p:cNvPr id="4" name="Content Placeholder 2"/>
-          <p:cNvSpPr txBox="1">
-            <a:spLocks/>
-          </p:cNvSpPr>
-          <p:nvPr/>
-        </p:nvSpPr>
-        <p:spPr>
-          <a:xfrm>
-            <a:off x="609600" y="1380593"/>
-            <a:ext cx="8229600" cy="5122129"/>
-          </a:xfrm>
-          <a:prstGeom prst="rect">
-            <a:avLst/>
-          </a:prstGeom>
-        </p:spPr>
-        <p:txBody>
-          <a:bodyPr vert="horz" lIns="91440" tIns="45720" rIns="91440" bIns="45720" rtlCol="0">
-            <a:normAutofit/>
-          </a:bodyPr>
-          <a:lstStyle>
-            <a:lvl1pPr marL="342900" indent="-342900" algn="l" defTabSz="914400" rtl="0" eaLnBrk="1" latinLnBrk="0" hangingPunct="1">
-              <a:spcBef>
-                <a:spcPct val="20000"/>
-              </a:spcBef>
-              <a:buFont typeface="Arial" pitchFamily="34" charset="0"/>
-              <a:buChar char="•"/>
-              <a:defRPr sz="3200" kern="1200">
-                <a:solidFill>
-                  <a:schemeClr val="tx1"/>
-                </a:solidFill>
-                <a:latin typeface="+mn-lt"/>
-                <a:ea typeface="+mn-ea"/>
-                <a:cs typeface="+mn-cs"/>
-              </a:defRPr>
-            </a:lvl1pPr>
-            <a:lvl2pPr marL="742950" indent="-285750" algn="l" defTabSz="914400" rtl="0" eaLnBrk="1" latinLnBrk="0" hangingPunct="1">
-              <a:spcBef>
-                <a:spcPct val="20000"/>
-              </a:spcBef>
-              <a:buFont typeface="Arial" pitchFamily="34" charset="0"/>
-              <a:buChar char="–"/>
-              <a:defRPr sz="2800" kern="1200">
-                <a:solidFill>
-                  <a:schemeClr val="tx1"/>
-                </a:solidFill>
-                <a:latin typeface="+mn-lt"/>
-                <a:ea typeface="+mn-ea"/>
-                <a:cs typeface="+mn-cs"/>
-              </a:defRPr>
-            </a:lvl2pPr>
-            <a:lvl3pPr marL="1143000" indent="-228600" algn="l" defTabSz="914400" rtl="0" eaLnBrk="1" latinLnBrk="0" hangingPunct="1">
-              <a:spcBef>
-                <a:spcPct val="20000"/>
-              </a:spcBef>
-              <a:buFont typeface="Arial" pitchFamily="34" charset="0"/>
-              <a:buChar char="•"/>
-              <a:defRPr sz="2400" kern="1200">
-                <a:solidFill>
-                  <a:schemeClr val="tx1"/>
-                </a:solidFill>
-                <a:latin typeface="+mn-lt"/>
-                <a:ea typeface="+mn-ea"/>
-                <a:cs typeface="+mn-cs"/>
-              </a:defRPr>
-            </a:lvl3pPr>
-            <a:lvl4pPr marL="1600200" indent="-228600" algn="l" defTabSz="914400" rtl="0" eaLnBrk="1" latinLnBrk="0" hangingPunct="1">
-              <a:spcBef>
-                <a:spcPct val="20000"/>
-              </a:spcBef>
-              <a:buFont typeface="Arial" pitchFamily="34" charset="0"/>
-              <a:buChar char="–"/>
-              <a:defRPr sz="2000" kern="1200">
-                <a:solidFill>
-                  <a:schemeClr val="tx1"/>
-                </a:solidFill>
-                <a:latin typeface="+mn-lt"/>
-                <a:ea typeface="+mn-ea"/>
-                <a:cs typeface="+mn-cs"/>
-              </a:defRPr>
-            </a:lvl4pPr>
-            <a:lvl5pPr marL="2057400" indent="-228600" algn="l" defTabSz="914400" rtl="0" eaLnBrk="1" latinLnBrk="0" hangingPunct="1">
-              <a:spcBef>
-                <a:spcPct val="20000"/>
-              </a:spcBef>
-              <a:buFont typeface="Arial" pitchFamily="34" charset="0"/>
-              <a:buChar char="»"/>
-              <a:defRPr sz="2000" kern="1200">
-                <a:solidFill>
-                  <a:schemeClr val="tx1"/>
-                </a:solidFill>
-                <a:latin typeface="+mn-lt"/>
-                <a:ea typeface="+mn-ea"/>
-                <a:cs typeface="+mn-cs"/>
-              </a:defRPr>
-            </a:lvl5pPr>
-            <a:lvl6pPr marL="2514600" indent="-228600" algn="l" defTabSz="914400" rtl="0" eaLnBrk="1" latinLnBrk="0" hangingPunct="1">
-              <a:spcBef>
-                <a:spcPct val="20000"/>
-              </a:spcBef>
-              <a:buFont typeface="Arial" pitchFamily="34" charset="0"/>
-              <a:buChar char="•"/>
-              <a:defRPr sz="2000" kern="1200">
-                <a:solidFill>
-                  <a:schemeClr val="tx1"/>
-                </a:solidFill>
-                <a:latin typeface="+mn-lt"/>
-                <a:ea typeface="+mn-ea"/>
-                <a:cs typeface="+mn-cs"/>
-              </a:defRPr>
-            </a:lvl6pPr>
-            <a:lvl7pPr marL="2971800" indent="-228600" algn="l" defTabSz="914400" rtl="0" eaLnBrk="1" latinLnBrk="0" hangingPunct="1">
-              <a:spcBef>
-                <a:spcPct val="20000"/>
-              </a:spcBef>
-              <a:buFont typeface="Arial" pitchFamily="34" charset="0"/>
-              <a:buChar char="•"/>
-              <a:defRPr sz="2000" kern="1200">
-                <a:solidFill>
-                  <a:schemeClr val="tx1"/>
-                </a:solidFill>
-                <a:latin typeface="+mn-lt"/>
-                <a:ea typeface="+mn-ea"/>
-                <a:cs typeface="+mn-cs"/>
-              </a:defRPr>
-            </a:lvl7pPr>
-            <a:lvl8pPr marL="3429000" indent="-228600" algn="l" defTabSz="914400" rtl="0" eaLnBrk="1" latinLnBrk="0" hangingPunct="1">
-              <a:spcBef>
-                <a:spcPct val="20000"/>
-              </a:spcBef>
-              <a:buFont typeface="Arial" pitchFamily="34" charset="0"/>
-              <a:buChar char="•"/>
-              <a:defRPr sz="2000" kern="1200">
-                <a:solidFill>
-                  <a:schemeClr val="tx1"/>
-                </a:solidFill>
-                <a:latin typeface="+mn-lt"/>
-                <a:ea typeface="+mn-ea"/>
-                <a:cs typeface="+mn-cs"/>
-              </a:defRPr>
-            </a:lvl8pPr>
-            <a:lvl9pPr marL="3886200" indent="-228600" algn="l" defTabSz="914400" rtl="0" eaLnBrk="1" latinLnBrk="0" hangingPunct="1">
-              <a:spcBef>
-                <a:spcPct val="20000"/>
-              </a:spcBef>
-              <a:buFont typeface="Arial" pitchFamily="34" charset="0"/>
-              <a:buChar char="•"/>
-              <a:defRPr sz="2000" kern="1200">
-                <a:solidFill>
-                  <a:schemeClr val="tx1"/>
-                </a:solidFill>
-                <a:latin typeface="+mn-lt"/>
-                <a:ea typeface="+mn-ea"/>
-                <a:cs typeface="+mn-cs"/>
-              </a:defRPr>
-            </a:lvl9pPr>
-          </a:lstStyle>
-          <a:p>
             <a:endParaRPr lang="en-US" sz="2400" dirty="0" smtClean="0">
               <a:latin typeface="Segoe Light"/>
               <a:cs typeface="Segoe Light"/>
@@ -9723,10 +10107,47 @@
           </a:p>
         </p:txBody>
       </p:sp>
+      <p:sp>
+        <p:nvSpPr>
+          <p:cNvPr id="5" name="Title 1"/>
+          <p:cNvSpPr>
+            <a:spLocks noGrp="1"/>
+          </p:cNvSpPr>
+          <p:nvPr>
+            <p:ph type="title"/>
+          </p:nvPr>
+        </p:nvSpPr>
+        <p:spPr>
+          <a:xfrm>
+            <a:off x="457200" y="274638"/>
+            <a:ext cx="8229600" cy="744205"/>
+          </a:xfrm>
+        </p:spPr>
+        <p:txBody>
+          <a:bodyPr>
+            <a:normAutofit fontScale="90000"/>
+          </a:bodyPr>
+          <a:lstStyle/>
+          <a:p>
+            <a:pPr algn="l"/>
+            <a:r>
+              <a:rPr lang="en-US" dirty="0" smtClean="0">
+                <a:latin typeface="Segoe Light"/>
+                <a:cs typeface="Segoe Light"/>
+              </a:rPr>
+              <a:t>Turbo King - Data</a:t>
+            </a:r>
+            <a:endParaRPr lang="en-US" dirty="0">
+              <a:latin typeface="Segoe Light"/>
+              <a:cs typeface="Segoe Light"/>
+            </a:endParaRPr>
+          </a:p>
+        </p:txBody>
+      </p:sp>
     </p:spTree>
     <p:extLst>
       <p:ext uri="{BB962C8B-B14F-4D97-AF65-F5344CB8AC3E}">
-        <p14:creationId xmlns:p14="http://schemas.microsoft.com/office/powerpoint/2010/main" val="3997919413"/>
+        <p14:creationId xmlns:p14="http://schemas.microsoft.com/office/powerpoint/2010/main" val="581556730"/>
       </p:ext>
     </p:extLst>
   </p:cSld>

--- a/doc/Final/Final.pptx
+++ b/doc/Final/Final.pptx
@@ -5,7 +5,7 @@
     <p:sldMasterId id="2147483673" r:id="rId1"/>
   </p:sldMasterIdLst>
   <p:notesMasterIdLst>
-    <p:notesMasterId r:id="rId13"/>
+    <p:notesMasterId r:id="rId18"/>
   </p:notesMasterIdLst>
   <p:sldIdLst>
     <p:sldId id="256" r:id="rId2"/>
@@ -16,9 +16,14 @@
     <p:sldId id="260" r:id="rId7"/>
     <p:sldId id="263" r:id="rId8"/>
     <p:sldId id="264" r:id="rId9"/>
-    <p:sldId id="268" r:id="rId10"/>
-    <p:sldId id="265" r:id="rId11"/>
-    <p:sldId id="266" r:id="rId12"/>
+    <p:sldId id="269" r:id="rId10"/>
+    <p:sldId id="270" r:id="rId11"/>
+    <p:sldId id="271" r:id="rId12"/>
+    <p:sldId id="268" r:id="rId13"/>
+    <p:sldId id="272" r:id="rId14"/>
+    <p:sldId id="273" r:id="rId15"/>
+    <p:sldId id="265" r:id="rId16"/>
+    <p:sldId id="266" r:id="rId17"/>
   </p:sldIdLst>
   <p:sldSz cx="9144000" cy="6858000" type="screen4x3"/>
   <p:notesSz cx="6858000" cy="9144000"/>
@@ -202,7 +207,7 @@
           <a:p>
             <a:fld id="{A6609C19-3333-F748-BFA8-3DC416911B5B}" type="datetimeFigureOut">
               <a:rPr lang="en-US" smtClean="0"/>
-              <a:t>4/26/13</a:t>
+              <a:t>4/27/13</a:t>
             </a:fld>
             <a:endParaRPr lang="en-US"/>
           </a:p>
@@ -609,7 +614,18 @@
           <a:bodyPr/>
           <a:lstStyle/>
           <a:p>
-            <a:endParaRPr lang="en-US" dirty="0" smtClean="0"/>
+            <a:r>
+              <a:rPr lang="en-US" sz="1200" kern="1200" dirty="0" smtClean="0">
+                <a:solidFill>
+                  <a:schemeClr val="tx1"/>
+                </a:solidFill>
+                <a:latin typeface="+mn-lt"/>
+                <a:ea typeface="+mn-ea"/>
+                <a:cs typeface="+mn-cs"/>
+              </a:rPr>
+              <a:t>Slide #2: Motivate your project by describing why its solution is important. Who would care if you are successful and why?</a:t>
+            </a:r>
+            <a:endParaRPr lang="en-US" dirty="0"/>
           </a:p>
         </p:txBody>
       </p:sp>
@@ -631,6 +647,468 @@
             <a:fld id="{437C7616-B134-0047-ABFF-A95E6FAEFE2A}" type="slidenum">
               <a:rPr lang="en-US" smtClean="0"/>
               <a:t>11</a:t>
+            </a:fld>
+            <a:endParaRPr lang="en-US"/>
+          </a:p>
+        </p:txBody>
+      </p:sp>
+    </p:spTree>
+    <p:extLst>
+      <p:ext uri="{BB962C8B-B14F-4D97-AF65-F5344CB8AC3E}">
+        <p14:creationId xmlns:p14="http://schemas.microsoft.com/office/powerpoint/2010/main" val="274700957"/>
+      </p:ext>
+    </p:extLst>
+  </p:cSld>
+  <p:clrMapOvr>
+    <a:masterClrMapping/>
+  </p:clrMapOvr>
+</p:notes>
+</file>
+
+<file path=ppt/notesSlides/notesSlide11.xml><?xml version="1.0" encoding="utf-8"?>
+<p:notes xmlns:a="http://schemas.openxmlformats.org/drawingml/2006/main" xmlns:r="http://schemas.openxmlformats.org/officeDocument/2006/relationships" xmlns:p="http://schemas.openxmlformats.org/presentationml/2006/main">
+  <p:cSld>
+    <p:spTree>
+      <p:nvGrpSpPr>
+        <p:cNvPr id="1" name=""/>
+        <p:cNvGrpSpPr/>
+        <p:nvPr/>
+      </p:nvGrpSpPr>
+      <p:grpSpPr>
+        <a:xfrm>
+          <a:off x="0" y="0"/>
+          <a:ext cx="0" cy="0"/>
+          <a:chOff x="0" y="0"/>
+          <a:chExt cx="0" cy="0"/>
+        </a:xfrm>
+      </p:grpSpPr>
+      <p:sp>
+        <p:nvSpPr>
+          <p:cNvPr id="2" name="Slide Image Placeholder 1"/>
+          <p:cNvSpPr>
+            <a:spLocks noGrp="1" noRot="1" noChangeAspect="1"/>
+          </p:cNvSpPr>
+          <p:nvPr>
+            <p:ph type="sldImg"/>
+          </p:nvPr>
+        </p:nvSpPr>
+        <p:spPr/>
+      </p:sp>
+      <p:sp>
+        <p:nvSpPr>
+          <p:cNvPr id="3" name="Notes Placeholder 2"/>
+          <p:cNvSpPr>
+            <a:spLocks noGrp="1"/>
+          </p:cNvSpPr>
+          <p:nvPr>
+            <p:ph type="body" idx="1"/>
+          </p:nvPr>
+        </p:nvSpPr>
+        <p:spPr/>
+        <p:txBody>
+          <a:bodyPr/>
+          <a:lstStyle/>
+          <a:p>
+            <a:r>
+              <a:rPr lang="en-US" sz="1200" kern="1200" dirty="0" smtClean="0">
+                <a:solidFill>
+                  <a:schemeClr val="tx1"/>
+                </a:solidFill>
+                <a:latin typeface="+mn-lt"/>
+                <a:ea typeface="+mn-ea"/>
+                <a:cs typeface="+mn-cs"/>
+              </a:rPr>
+              <a:t>Slide #2: Motivate your project by describing why its solution is important. Who would care if you are successful and why?</a:t>
+            </a:r>
+            <a:endParaRPr lang="en-US" dirty="0"/>
+          </a:p>
+        </p:txBody>
+      </p:sp>
+      <p:sp>
+        <p:nvSpPr>
+          <p:cNvPr id="4" name="Slide Number Placeholder 3"/>
+          <p:cNvSpPr>
+            <a:spLocks noGrp="1"/>
+          </p:cNvSpPr>
+          <p:nvPr>
+            <p:ph type="sldNum" sz="quarter" idx="10"/>
+          </p:nvPr>
+        </p:nvSpPr>
+        <p:spPr/>
+        <p:txBody>
+          <a:bodyPr/>
+          <a:lstStyle/>
+          <a:p>
+            <a:fld id="{437C7616-B134-0047-ABFF-A95E6FAEFE2A}" type="slidenum">
+              <a:rPr lang="en-US" smtClean="0"/>
+              <a:t>12</a:t>
+            </a:fld>
+            <a:endParaRPr lang="en-US"/>
+          </a:p>
+        </p:txBody>
+      </p:sp>
+    </p:spTree>
+    <p:extLst>
+      <p:ext uri="{BB962C8B-B14F-4D97-AF65-F5344CB8AC3E}">
+        <p14:creationId xmlns:p14="http://schemas.microsoft.com/office/powerpoint/2010/main" val="274700957"/>
+      </p:ext>
+    </p:extLst>
+  </p:cSld>
+  <p:clrMapOvr>
+    <a:masterClrMapping/>
+  </p:clrMapOvr>
+</p:notes>
+</file>
+
+<file path=ppt/notesSlides/notesSlide12.xml><?xml version="1.0" encoding="utf-8"?>
+<p:notes xmlns:a="http://schemas.openxmlformats.org/drawingml/2006/main" xmlns:r="http://schemas.openxmlformats.org/officeDocument/2006/relationships" xmlns:p="http://schemas.openxmlformats.org/presentationml/2006/main">
+  <p:cSld>
+    <p:spTree>
+      <p:nvGrpSpPr>
+        <p:cNvPr id="1" name=""/>
+        <p:cNvGrpSpPr/>
+        <p:nvPr/>
+      </p:nvGrpSpPr>
+      <p:grpSpPr>
+        <a:xfrm>
+          <a:off x="0" y="0"/>
+          <a:ext cx="0" cy="0"/>
+          <a:chOff x="0" y="0"/>
+          <a:chExt cx="0" cy="0"/>
+        </a:xfrm>
+      </p:grpSpPr>
+      <p:sp>
+        <p:nvSpPr>
+          <p:cNvPr id="2" name="Slide Image Placeholder 1"/>
+          <p:cNvSpPr>
+            <a:spLocks noGrp="1" noRot="1" noChangeAspect="1"/>
+          </p:cNvSpPr>
+          <p:nvPr>
+            <p:ph type="sldImg"/>
+          </p:nvPr>
+        </p:nvSpPr>
+        <p:spPr/>
+      </p:sp>
+      <p:sp>
+        <p:nvSpPr>
+          <p:cNvPr id="3" name="Notes Placeholder 2"/>
+          <p:cNvSpPr>
+            <a:spLocks noGrp="1"/>
+          </p:cNvSpPr>
+          <p:nvPr>
+            <p:ph type="body" idx="1"/>
+          </p:nvPr>
+        </p:nvSpPr>
+        <p:spPr/>
+        <p:txBody>
+          <a:bodyPr/>
+          <a:lstStyle/>
+          <a:p>
+            <a:r>
+              <a:rPr lang="en-US" sz="1200" kern="1200" dirty="0" smtClean="0">
+                <a:solidFill>
+                  <a:schemeClr val="tx1"/>
+                </a:solidFill>
+                <a:latin typeface="+mn-lt"/>
+                <a:ea typeface="+mn-ea"/>
+                <a:cs typeface="+mn-cs"/>
+              </a:rPr>
+              <a:t>Slide #2: Motivate your project by describing why its solution is important. Who would care if you are successful and why?</a:t>
+            </a:r>
+            <a:endParaRPr lang="en-US" dirty="0"/>
+          </a:p>
+        </p:txBody>
+      </p:sp>
+      <p:sp>
+        <p:nvSpPr>
+          <p:cNvPr id="4" name="Slide Number Placeholder 3"/>
+          <p:cNvSpPr>
+            <a:spLocks noGrp="1"/>
+          </p:cNvSpPr>
+          <p:nvPr>
+            <p:ph type="sldNum" sz="quarter" idx="10"/>
+          </p:nvPr>
+        </p:nvSpPr>
+        <p:spPr/>
+        <p:txBody>
+          <a:bodyPr/>
+          <a:lstStyle/>
+          <a:p>
+            <a:fld id="{437C7616-B134-0047-ABFF-A95E6FAEFE2A}" type="slidenum">
+              <a:rPr lang="en-US" smtClean="0"/>
+              <a:t>13</a:t>
+            </a:fld>
+            <a:endParaRPr lang="en-US"/>
+          </a:p>
+        </p:txBody>
+      </p:sp>
+    </p:spTree>
+    <p:extLst>
+      <p:ext uri="{BB962C8B-B14F-4D97-AF65-F5344CB8AC3E}">
+        <p14:creationId xmlns:p14="http://schemas.microsoft.com/office/powerpoint/2010/main" val="274700957"/>
+      </p:ext>
+    </p:extLst>
+  </p:cSld>
+  <p:clrMapOvr>
+    <a:masterClrMapping/>
+  </p:clrMapOvr>
+</p:notes>
+</file>
+
+<file path=ppt/notesSlides/notesSlide13.xml><?xml version="1.0" encoding="utf-8"?>
+<p:notes xmlns:a="http://schemas.openxmlformats.org/drawingml/2006/main" xmlns:r="http://schemas.openxmlformats.org/officeDocument/2006/relationships" xmlns:p="http://schemas.openxmlformats.org/presentationml/2006/main">
+  <p:cSld>
+    <p:spTree>
+      <p:nvGrpSpPr>
+        <p:cNvPr id="1" name=""/>
+        <p:cNvGrpSpPr/>
+        <p:nvPr/>
+      </p:nvGrpSpPr>
+      <p:grpSpPr>
+        <a:xfrm>
+          <a:off x="0" y="0"/>
+          <a:ext cx="0" cy="0"/>
+          <a:chOff x="0" y="0"/>
+          <a:chExt cx="0" cy="0"/>
+        </a:xfrm>
+      </p:grpSpPr>
+      <p:sp>
+        <p:nvSpPr>
+          <p:cNvPr id="2" name="Slide Image Placeholder 1"/>
+          <p:cNvSpPr>
+            <a:spLocks noGrp="1" noRot="1" noChangeAspect="1"/>
+          </p:cNvSpPr>
+          <p:nvPr>
+            <p:ph type="sldImg"/>
+          </p:nvPr>
+        </p:nvSpPr>
+        <p:spPr/>
+      </p:sp>
+      <p:sp>
+        <p:nvSpPr>
+          <p:cNvPr id="3" name="Notes Placeholder 2"/>
+          <p:cNvSpPr>
+            <a:spLocks noGrp="1"/>
+          </p:cNvSpPr>
+          <p:nvPr>
+            <p:ph type="body" idx="1"/>
+          </p:nvPr>
+        </p:nvSpPr>
+        <p:spPr/>
+        <p:txBody>
+          <a:bodyPr/>
+          <a:lstStyle/>
+          <a:p>
+            <a:r>
+              <a:rPr lang="en-US" sz="1200" kern="1200" dirty="0" smtClean="0">
+                <a:solidFill>
+                  <a:schemeClr val="tx1"/>
+                </a:solidFill>
+                <a:latin typeface="+mn-lt"/>
+                <a:ea typeface="+mn-ea"/>
+                <a:cs typeface="+mn-cs"/>
+              </a:rPr>
+              <a:t>Slide #2: Motivate your project by describing why its solution is important. Who would care if you are successful and why?</a:t>
+            </a:r>
+            <a:endParaRPr lang="en-US" dirty="0"/>
+          </a:p>
+        </p:txBody>
+      </p:sp>
+      <p:sp>
+        <p:nvSpPr>
+          <p:cNvPr id="4" name="Slide Number Placeholder 3"/>
+          <p:cNvSpPr>
+            <a:spLocks noGrp="1"/>
+          </p:cNvSpPr>
+          <p:nvPr>
+            <p:ph type="sldNum" sz="quarter" idx="10"/>
+          </p:nvPr>
+        </p:nvSpPr>
+        <p:spPr/>
+        <p:txBody>
+          <a:bodyPr/>
+          <a:lstStyle/>
+          <a:p>
+            <a:fld id="{437C7616-B134-0047-ABFF-A95E6FAEFE2A}" type="slidenum">
+              <a:rPr lang="en-US" smtClean="0"/>
+              <a:t>14</a:t>
+            </a:fld>
+            <a:endParaRPr lang="en-US"/>
+          </a:p>
+        </p:txBody>
+      </p:sp>
+    </p:spTree>
+    <p:extLst>
+      <p:ext uri="{BB962C8B-B14F-4D97-AF65-F5344CB8AC3E}">
+        <p14:creationId xmlns:p14="http://schemas.microsoft.com/office/powerpoint/2010/main" val="274700957"/>
+      </p:ext>
+    </p:extLst>
+  </p:cSld>
+  <p:clrMapOvr>
+    <a:masterClrMapping/>
+  </p:clrMapOvr>
+</p:notes>
+</file>
+
+<file path=ppt/notesSlides/notesSlide14.xml><?xml version="1.0" encoding="utf-8"?>
+<p:notes xmlns:a="http://schemas.openxmlformats.org/drawingml/2006/main" xmlns:r="http://schemas.openxmlformats.org/officeDocument/2006/relationships" xmlns:p="http://schemas.openxmlformats.org/presentationml/2006/main">
+  <p:cSld>
+    <p:spTree>
+      <p:nvGrpSpPr>
+        <p:cNvPr id="1" name=""/>
+        <p:cNvGrpSpPr/>
+        <p:nvPr/>
+      </p:nvGrpSpPr>
+      <p:grpSpPr>
+        <a:xfrm>
+          <a:off x="0" y="0"/>
+          <a:ext cx="0" cy="0"/>
+          <a:chOff x="0" y="0"/>
+          <a:chExt cx="0" cy="0"/>
+        </a:xfrm>
+      </p:grpSpPr>
+      <p:sp>
+        <p:nvSpPr>
+          <p:cNvPr id="2" name="Slide Image Placeholder 1"/>
+          <p:cNvSpPr>
+            <a:spLocks noGrp="1" noRot="1" noChangeAspect="1"/>
+          </p:cNvSpPr>
+          <p:nvPr>
+            <p:ph type="sldImg"/>
+          </p:nvPr>
+        </p:nvSpPr>
+        <p:spPr/>
+      </p:sp>
+      <p:sp>
+        <p:nvSpPr>
+          <p:cNvPr id="3" name="Notes Placeholder 2"/>
+          <p:cNvSpPr>
+            <a:spLocks noGrp="1"/>
+          </p:cNvSpPr>
+          <p:nvPr>
+            <p:ph type="body" idx="1"/>
+          </p:nvPr>
+        </p:nvSpPr>
+        <p:spPr/>
+        <p:txBody>
+          <a:bodyPr/>
+          <a:lstStyle/>
+          <a:p>
+            <a:r>
+              <a:rPr lang="en-US" dirty="0" smtClean="0"/>
+              <a:t>RFC 1918</a:t>
+            </a:r>
+          </a:p>
+          <a:p>
+            <a:r>
+              <a:rPr lang="en-US" smtClean="0"/>
+              <a:t>172.16.0.0 - 172.31.255.255 (172.16/12 prefix)</a:t>
+            </a:r>
+          </a:p>
+        </p:txBody>
+      </p:sp>
+      <p:sp>
+        <p:nvSpPr>
+          <p:cNvPr id="4" name="Slide Number Placeholder 3"/>
+          <p:cNvSpPr>
+            <a:spLocks noGrp="1"/>
+          </p:cNvSpPr>
+          <p:nvPr>
+            <p:ph type="sldNum" sz="quarter" idx="10"/>
+          </p:nvPr>
+        </p:nvSpPr>
+        <p:spPr/>
+        <p:txBody>
+          <a:bodyPr/>
+          <a:lstStyle/>
+          <a:p>
+            <a:fld id="{437C7616-B134-0047-ABFF-A95E6FAEFE2A}" type="slidenum">
+              <a:rPr lang="en-US" smtClean="0"/>
+              <a:t>15</a:t>
+            </a:fld>
+            <a:endParaRPr lang="en-US"/>
+          </a:p>
+        </p:txBody>
+      </p:sp>
+    </p:spTree>
+    <p:extLst>
+      <p:ext uri="{BB962C8B-B14F-4D97-AF65-F5344CB8AC3E}">
+        <p14:creationId xmlns:p14="http://schemas.microsoft.com/office/powerpoint/2010/main" val="274700957"/>
+      </p:ext>
+    </p:extLst>
+  </p:cSld>
+  <p:clrMapOvr>
+    <a:masterClrMapping/>
+  </p:clrMapOvr>
+</p:notes>
+</file>
+
+<file path=ppt/notesSlides/notesSlide15.xml><?xml version="1.0" encoding="utf-8"?>
+<p:notes xmlns:a="http://schemas.openxmlformats.org/drawingml/2006/main" xmlns:r="http://schemas.openxmlformats.org/officeDocument/2006/relationships" xmlns:p="http://schemas.openxmlformats.org/presentationml/2006/main">
+  <p:cSld>
+    <p:spTree>
+      <p:nvGrpSpPr>
+        <p:cNvPr id="1" name=""/>
+        <p:cNvGrpSpPr/>
+        <p:nvPr/>
+      </p:nvGrpSpPr>
+      <p:grpSpPr>
+        <a:xfrm>
+          <a:off x="0" y="0"/>
+          <a:ext cx="0" cy="0"/>
+          <a:chOff x="0" y="0"/>
+          <a:chExt cx="0" cy="0"/>
+        </a:xfrm>
+      </p:grpSpPr>
+      <p:sp>
+        <p:nvSpPr>
+          <p:cNvPr id="2" name="Slide Image Placeholder 1"/>
+          <p:cNvSpPr>
+            <a:spLocks noGrp="1" noRot="1" noChangeAspect="1"/>
+          </p:cNvSpPr>
+          <p:nvPr>
+            <p:ph type="sldImg"/>
+          </p:nvPr>
+        </p:nvSpPr>
+        <p:spPr/>
+      </p:sp>
+      <p:sp>
+        <p:nvSpPr>
+          <p:cNvPr id="3" name="Notes Placeholder 2"/>
+          <p:cNvSpPr>
+            <a:spLocks noGrp="1"/>
+          </p:cNvSpPr>
+          <p:nvPr>
+            <p:ph type="body" idx="1"/>
+          </p:nvPr>
+        </p:nvSpPr>
+        <p:spPr/>
+        <p:txBody>
+          <a:bodyPr/>
+          <a:lstStyle/>
+          <a:p>
+            <a:endParaRPr lang="en-US" dirty="0" smtClean="0"/>
+          </a:p>
+        </p:txBody>
+      </p:sp>
+      <p:sp>
+        <p:nvSpPr>
+          <p:cNvPr id="4" name="Slide Number Placeholder 3"/>
+          <p:cNvSpPr>
+            <a:spLocks noGrp="1"/>
+          </p:cNvSpPr>
+          <p:nvPr>
+            <p:ph type="sldNum" sz="quarter" idx="10"/>
+          </p:nvPr>
+        </p:nvSpPr>
+        <p:spPr/>
+        <p:txBody>
+          <a:bodyPr/>
+          <a:lstStyle/>
+          <a:p>
+            <a:fld id="{437C7616-B134-0047-ABFF-A95E6FAEFE2A}" type="slidenum">
+              <a:rPr lang="en-US" smtClean="0"/>
+              <a:t>16</a:t>
             </a:fld>
             <a:endParaRPr lang="en-US"/>
           </a:p>
@@ -1412,15 +1890,17 @@
           <a:lstStyle/>
           <a:p>
             <a:r>
-              <a:rPr lang="en-US" dirty="0" smtClean="0"/>
-              <a:t>RFC 1918</a:t>
-            </a:r>
-          </a:p>
-          <a:p>
-            <a:r>
-              <a:rPr lang="en-US" smtClean="0"/>
-              <a:t>172.16.0.0 - 172.31.255.255 (172.16/12 prefix)</a:t>
-            </a:r>
+              <a:rPr lang="en-US" sz="1200" kern="1200" dirty="0" smtClean="0">
+                <a:solidFill>
+                  <a:schemeClr val="tx1"/>
+                </a:solidFill>
+                <a:latin typeface="+mn-lt"/>
+                <a:ea typeface="+mn-ea"/>
+                <a:cs typeface="+mn-cs"/>
+              </a:rPr>
+              <a:t>Slide #2: Motivate your project by describing why its solution is important. Who would care if you are successful and why?</a:t>
+            </a:r>
+            <a:endParaRPr lang="en-US" dirty="0"/>
           </a:p>
         </p:txBody>
       </p:sp>
@@ -1641,7 +2121,7 @@
           <a:p>
             <a:fld id="{6B35E7C1-0930-394A-BB48-132AAC6FC298}" type="datetimeFigureOut">
               <a:rPr lang="en-US" smtClean="0"/>
-              <a:t>4/26/13</a:t>
+              <a:t>4/27/13</a:t>
             </a:fld>
             <a:endParaRPr lang="en-US"/>
           </a:p>
@@ -1811,7 +2291,7 @@
           <a:p>
             <a:fld id="{6B35E7C1-0930-394A-BB48-132AAC6FC298}" type="datetimeFigureOut">
               <a:rPr lang="en-US" smtClean="0"/>
-              <a:t>4/26/13</a:t>
+              <a:t>4/27/13</a:t>
             </a:fld>
             <a:endParaRPr lang="en-US"/>
           </a:p>
@@ -1991,7 +2471,7 @@
           <a:p>
             <a:fld id="{6B35E7C1-0930-394A-BB48-132AAC6FC298}" type="datetimeFigureOut">
               <a:rPr lang="en-US" smtClean="0"/>
-              <a:t>4/26/13</a:t>
+              <a:t>4/27/13</a:t>
             </a:fld>
             <a:endParaRPr lang="en-US"/>
           </a:p>
@@ -2161,7 +2641,7 @@
           <a:p>
             <a:fld id="{6B35E7C1-0930-394A-BB48-132AAC6FC298}" type="datetimeFigureOut">
               <a:rPr lang="en-US" smtClean="0"/>
-              <a:t>4/26/13</a:t>
+              <a:t>4/27/13</a:t>
             </a:fld>
             <a:endParaRPr lang="en-US"/>
           </a:p>
@@ -2407,7 +2887,7 @@
           <a:p>
             <a:fld id="{6B35E7C1-0930-394A-BB48-132AAC6FC298}" type="datetimeFigureOut">
               <a:rPr lang="en-US" smtClean="0"/>
-              <a:t>4/26/13</a:t>
+              <a:t>4/27/13</a:t>
             </a:fld>
             <a:endParaRPr lang="en-US"/>
           </a:p>
@@ -2695,7 +3175,7 @@
           <a:p>
             <a:fld id="{6B35E7C1-0930-394A-BB48-132AAC6FC298}" type="datetimeFigureOut">
               <a:rPr lang="en-US" smtClean="0"/>
-              <a:t>4/26/13</a:t>
+              <a:t>4/27/13</a:t>
             </a:fld>
             <a:endParaRPr lang="en-US"/>
           </a:p>
@@ -3117,7 +3597,7 @@
           <a:p>
             <a:fld id="{6B35E7C1-0930-394A-BB48-132AAC6FC298}" type="datetimeFigureOut">
               <a:rPr lang="en-US" smtClean="0"/>
-              <a:t>4/26/13</a:t>
+              <a:t>4/27/13</a:t>
             </a:fld>
             <a:endParaRPr lang="en-US"/>
           </a:p>
@@ -3235,7 +3715,7 @@
           <a:p>
             <a:fld id="{6B35E7C1-0930-394A-BB48-132AAC6FC298}" type="datetimeFigureOut">
               <a:rPr lang="en-US" smtClean="0"/>
-              <a:t>4/26/13</a:t>
+              <a:t>4/27/13</a:t>
             </a:fld>
             <a:endParaRPr lang="en-US"/>
           </a:p>
@@ -3330,7 +3810,7 @@
           <a:p>
             <a:fld id="{6B35E7C1-0930-394A-BB48-132AAC6FC298}" type="datetimeFigureOut">
               <a:rPr lang="en-US" smtClean="0"/>
-              <a:t>4/26/13</a:t>
+              <a:t>4/27/13</a:t>
             </a:fld>
             <a:endParaRPr lang="en-US"/>
           </a:p>
@@ -3607,7 +4087,7 @@
           <a:p>
             <a:fld id="{6B35E7C1-0930-394A-BB48-132AAC6FC298}" type="datetimeFigureOut">
               <a:rPr lang="en-US" smtClean="0"/>
-              <a:t>4/26/13</a:t>
+              <a:t>4/27/13</a:t>
             </a:fld>
             <a:endParaRPr lang="en-US"/>
           </a:p>
@@ -3864,7 +4344,7 @@
           <a:p>
             <a:fld id="{6B35E7C1-0930-394A-BB48-132AAC6FC298}" type="datetimeFigureOut">
               <a:rPr lang="en-US" smtClean="0"/>
-              <a:t>4/26/13</a:t>
+              <a:t>4/27/13</a:t>
             </a:fld>
             <a:endParaRPr lang="en-US"/>
           </a:p>
@@ -4083,7 +4563,7 @@
           <a:p>
             <a:fld id="{6B35E7C1-0930-394A-BB48-132AAC6FC298}" type="datetimeFigureOut">
               <a:rPr lang="en-US" smtClean="0"/>
-              <a:t>4/26/13</a:t>
+              <a:t>4/27/13</a:t>
             </a:fld>
             <a:endParaRPr lang="en-US"/>
           </a:p>
@@ -4571,6 +5051,556 @@
       </p:grpSpPr>
       <p:sp>
         <p:nvSpPr>
+          <p:cNvPr id="3" name="Content Placeholder 2"/>
+          <p:cNvSpPr>
+            <a:spLocks noGrp="1"/>
+          </p:cNvSpPr>
+          <p:nvPr>
+            <p:ph idx="1"/>
+          </p:nvPr>
+        </p:nvSpPr>
+        <p:spPr>
+          <a:xfrm>
+            <a:off x="457200" y="1228193"/>
+            <a:ext cx="8229600" cy="5122129"/>
+          </a:xfrm>
+        </p:spPr>
+        <p:txBody>
+          <a:bodyPr>
+            <a:normAutofit/>
+          </a:bodyPr>
+          <a:lstStyle/>
+          <a:p>
+            <a:endParaRPr lang="en-US" sz="2400" dirty="0" smtClean="0">
+              <a:latin typeface="Segoe Light"/>
+              <a:cs typeface="Segoe Light"/>
+            </a:endParaRPr>
+          </a:p>
+        </p:txBody>
+      </p:sp>
+      <p:sp>
+        <p:nvSpPr>
+          <p:cNvPr id="5" name="Title 1"/>
+          <p:cNvSpPr>
+            <a:spLocks noGrp="1"/>
+          </p:cNvSpPr>
+          <p:nvPr>
+            <p:ph type="title"/>
+          </p:nvPr>
+        </p:nvSpPr>
+        <p:spPr>
+          <a:xfrm>
+            <a:off x="457200" y="274638"/>
+            <a:ext cx="8229600" cy="744205"/>
+          </a:xfrm>
+        </p:spPr>
+        <p:txBody>
+          <a:bodyPr>
+            <a:normAutofit fontScale="90000"/>
+          </a:bodyPr>
+          <a:lstStyle/>
+          <a:p>
+            <a:pPr algn="l"/>
+            <a:r>
+              <a:rPr lang="en-US" dirty="0" smtClean="0">
+                <a:latin typeface="Segoe Light"/>
+                <a:cs typeface="Segoe Light"/>
+              </a:rPr>
+              <a:t>Turbo King </a:t>
+            </a:r>
+            <a:r>
+              <a:rPr lang="en-US" dirty="0" smtClean="0">
+                <a:latin typeface="Segoe Light"/>
+                <a:cs typeface="Segoe Light"/>
+              </a:rPr>
+              <a:t>– Open Resolvers</a:t>
+            </a:r>
+            <a:endParaRPr lang="en-US" dirty="0">
+              <a:latin typeface="Segoe Light"/>
+              <a:cs typeface="Segoe Light"/>
+            </a:endParaRPr>
+          </a:p>
+        </p:txBody>
+      </p:sp>
+    </p:spTree>
+    <p:extLst>
+      <p:ext uri="{BB962C8B-B14F-4D97-AF65-F5344CB8AC3E}">
+        <p14:creationId xmlns:p14="http://schemas.microsoft.com/office/powerpoint/2010/main" val="1123711455"/>
+      </p:ext>
+    </p:extLst>
+  </p:cSld>
+  <p:clrMapOvr>
+    <a:masterClrMapping/>
+  </p:clrMapOvr>
+  <p:timing>
+    <p:tnLst>
+      <p:par>
+        <p:cTn xmlns:p14="http://schemas.microsoft.com/office/powerpoint/2010/main" id="1" dur="indefinite" restart="never" nodeType="tmRoot"/>
+      </p:par>
+    </p:tnLst>
+  </p:timing>
+</p:sld>
+</file>
+
+<file path=ppt/slides/slide11.xml><?xml version="1.0" encoding="utf-8"?>
+<p:sld xmlns:a="http://schemas.openxmlformats.org/drawingml/2006/main" xmlns:r="http://schemas.openxmlformats.org/officeDocument/2006/relationships" xmlns:p="http://schemas.openxmlformats.org/presentationml/2006/main">
+  <p:cSld>
+    <p:spTree>
+      <p:nvGrpSpPr>
+        <p:cNvPr id="1" name=""/>
+        <p:cNvGrpSpPr/>
+        <p:nvPr/>
+      </p:nvGrpSpPr>
+      <p:grpSpPr>
+        <a:xfrm>
+          <a:off x="0" y="0"/>
+          <a:ext cx="0" cy="0"/>
+          <a:chOff x="0" y="0"/>
+          <a:chExt cx="0" cy="0"/>
+        </a:xfrm>
+      </p:grpSpPr>
+      <p:sp>
+        <p:nvSpPr>
+          <p:cNvPr id="3" name="Content Placeholder 2"/>
+          <p:cNvSpPr>
+            <a:spLocks noGrp="1"/>
+          </p:cNvSpPr>
+          <p:nvPr>
+            <p:ph idx="1"/>
+          </p:nvPr>
+        </p:nvSpPr>
+        <p:spPr>
+          <a:xfrm>
+            <a:off x="457200" y="1228193"/>
+            <a:ext cx="8229600" cy="5122129"/>
+          </a:xfrm>
+        </p:spPr>
+        <p:txBody>
+          <a:bodyPr>
+            <a:normAutofit/>
+          </a:bodyPr>
+          <a:lstStyle/>
+          <a:p>
+            <a:endParaRPr lang="en-US" sz="2400" dirty="0" smtClean="0">
+              <a:latin typeface="Segoe Light"/>
+              <a:cs typeface="Segoe Light"/>
+            </a:endParaRPr>
+          </a:p>
+        </p:txBody>
+      </p:sp>
+      <p:sp>
+        <p:nvSpPr>
+          <p:cNvPr id="5" name="Title 1"/>
+          <p:cNvSpPr>
+            <a:spLocks noGrp="1"/>
+          </p:cNvSpPr>
+          <p:nvPr>
+            <p:ph type="title"/>
+          </p:nvPr>
+        </p:nvSpPr>
+        <p:spPr>
+          <a:xfrm>
+            <a:off x="457200" y="274638"/>
+            <a:ext cx="8229600" cy="744205"/>
+          </a:xfrm>
+        </p:spPr>
+        <p:txBody>
+          <a:bodyPr>
+            <a:normAutofit fontScale="90000"/>
+          </a:bodyPr>
+          <a:lstStyle/>
+          <a:p>
+            <a:pPr algn="l"/>
+            <a:r>
+              <a:rPr lang="en-US" dirty="0" smtClean="0">
+                <a:latin typeface="Segoe Light"/>
+                <a:cs typeface="Segoe Light"/>
+              </a:rPr>
+              <a:t>Turbo King </a:t>
+            </a:r>
+            <a:r>
+              <a:rPr lang="en-US" dirty="0" smtClean="0">
+                <a:latin typeface="Segoe Light"/>
+                <a:cs typeface="Segoe Light"/>
+              </a:rPr>
+              <a:t>– Latency vs. Distance</a:t>
+            </a:r>
+            <a:endParaRPr lang="en-US" dirty="0">
+              <a:latin typeface="Segoe Light"/>
+              <a:cs typeface="Segoe Light"/>
+            </a:endParaRPr>
+          </a:p>
+        </p:txBody>
+      </p:sp>
+    </p:spTree>
+    <p:extLst>
+      <p:ext uri="{BB962C8B-B14F-4D97-AF65-F5344CB8AC3E}">
+        <p14:creationId xmlns:p14="http://schemas.microsoft.com/office/powerpoint/2010/main" val="2611223391"/>
+      </p:ext>
+    </p:extLst>
+  </p:cSld>
+  <p:clrMapOvr>
+    <a:masterClrMapping/>
+  </p:clrMapOvr>
+  <p:timing>
+    <p:tnLst>
+      <p:par>
+        <p:cTn xmlns:p14="http://schemas.microsoft.com/office/powerpoint/2010/main" id="1" dur="indefinite" restart="never" nodeType="tmRoot"/>
+      </p:par>
+    </p:tnLst>
+  </p:timing>
+</p:sld>
+</file>
+
+<file path=ppt/slides/slide12.xml><?xml version="1.0" encoding="utf-8"?>
+<p:sld xmlns:a="http://schemas.openxmlformats.org/drawingml/2006/main" xmlns:r="http://schemas.openxmlformats.org/officeDocument/2006/relationships" xmlns:p="http://schemas.openxmlformats.org/presentationml/2006/main">
+  <p:cSld>
+    <p:spTree>
+      <p:nvGrpSpPr>
+        <p:cNvPr id="1" name=""/>
+        <p:cNvGrpSpPr/>
+        <p:nvPr/>
+      </p:nvGrpSpPr>
+      <p:grpSpPr>
+        <a:xfrm>
+          <a:off x="0" y="0"/>
+          <a:ext cx="0" cy="0"/>
+          <a:chOff x="0" y="0"/>
+          <a:chExt cx="0" cy="0"/>
+        </a:xfrm>
+      </p:grpSpPr>
+      <p:sp>
+        <p:nvSpPr>
+          <p:cNvPr id="3" name="Content Placeholder 2"/>
+          <p:cNvSpPr>
+            <a:spLocks noGrp="1"/>
+          </p:cNvSpPr>
+          <p:nvPr>
+            <p:ph idx="1"/>
+          </p:nvPr>
+        </p:nvSpPr>
+        <p:spPr>
+          <a:xfrm>
+            <a:off x="457200" y="1228193"/>
+            <a:ext cx="8229600" cy="5122129"/>
+          </a:xfrm>
+        </p:spPr>
+        <p:txBody>
+          <a:bodyPr>
+            <a:normAutofit/>
+          </a:bodyPr>
+          <a:lstStyle/>
+          <a:p>
+            <a:endParaRPr lang="en-US" sz="2400" dirty="0" smtClean="0">
+              <a:latin typeface="Segoe Light"/>
+              <a:cs typeface="Segoe Light"/>
+            </a:endParaRPr>
+          </a:p>
+        </p:txBody>
+      </p:sp>
+      <p:sp>
+        <p:nvSpPr>
+          <p:cNvPr id="5" name="Title 1"/>
+          <p:cNvSpPr>
+            <a:spLocks noGrp="1"/>
+          </p:cNvSpPr>
+          <p:nvPr>
+            <p:ph type="title"/>
+          </p:nvPr>
+        </p:nvSpPr>
+        <p:spPr>
+          <a:xfrm>
+            <a:off x="457200" y="274638"/>
+            <a:ext cx="8229600" cy="744205"/>
+          </a:xfrm>
+        </p:spPr>
+        <p:txBody>
+          <a:bodyPr>
+            <a:normAutofit fontScale="90000"/>
+          </a:bodyPr>
+          <a:lstStyle/>
+          <a:p>
+            <a:pPr algn="l"/>
+            <a:r>
+              <a:rPr lang="en-US" dirty="0" smtClean="0">
+                <a:latin typeface="Segoe Light"/>
+                <a:cs typeface="Segoe Light"/>
+              </a:rPr>
+              <a:t>Turbo King </a:t>
+            </a:r>
+            <a:r>
+              <a:rPr lang="en-US" dirty="0" smtClean="0">
+                <a:latin typeface="Segoe Light"/>
+                <a:cs typeface="Segoe Light"/>
+              </a:rPr>
+              <a:t>– Latency vs. Distance</a:t>
+            </a:r>
+            <a:endParaRPr lang="en-US" dirty="0">
+              <a:latin typeface="Segoe Light"/>
+              <a:cs typeface="Segoe Light"/>
+            </a:endParaRPr>
+          </a:p>
+        </p:txBody>
+      </p:sp>
+    </p:spTree>
+    <p:extLst>
+      <p:ext uri="{BB962C8B-B14F-4D97-AF65-F5344CB8AC3E}">
+        <p14:creationId xmlns:p14="http://schemas.microsoft.com/office/powerpoint/2010/main" val="581556730"/>
+      </p:ext>
+    </p:extLst>
+  </p:cSld>
+  <p:clrMapOvr>
+    <a:masterClrMapping/>
+  </p:clrMapOvr>
+  <p:timing>
+    <p:tnLst>
+      <p:par>
+        <p:cTn xmlns:p14="http://schemas.microsoft.com/office/powerpoint/2010/main" id="1" dur="indefinite" restart="never" nodeType="tmRoot"/>
+      </p:par>
+    </p:tnLst>
+  </p:timing>
+</p:sld>
+</file>
+
+<file path=ppt/slides/slide13.xml><?xml version="1.0" encoding="utf-8"?>
+<p:sld xmlns:a="http://schemas.openxmlformats.org/drawingml/2006/main" xmlns:r="http://schemas.openxmlformats.org/officeDocument/2006/relationships" xmlns:p="http://schemas.openxmlformats.org/presentationml/2006/main">
+  <p:cSld>
+    <p:spTree>
+      <p:nvGrpSpPr>
+        <p:cNvPr id="1" name=""/>
+        <p:cNvGrpSpPr/>
+        <p:nvPr/>
+      </p:nvGrpSpPr>
+      <p:grpSpPr>
+        <a:xfrm>
+          <a:off x="0" y="0"/>
+          <a:ext cx="0" cy="0"/>
+          <a:chOff x="0" y="0"/>
+          <a:chExt cx="0" cy="0"/>
+        </a:xfrm>
+      </p:grpSpPr>
+      <p:sp>
+        <p:nvSpPr>
+          <p:cNvPr id="3" name="Content Placeholder 2"/>
+          <p:cNvSpPr>
+            <a:spLocks noGrp="1"/>
+          </p:cNvSpPr>
+          <p:nvPr>
+            <p:ph idx="1"/>
+          </p:nvPr>
+        </p:nvSpPr>
+        <p:spPr>
+          <a:xfrm>
+            <a:off x="457200" y="1228193"/>
+            <a:ext cx="8229600" cy="5122129"/>
+          </a:xfrm>
+        </p:spPr>
+        <p:txBody>
+          <a:bodyPr>
+            <a:normAutofit/>
+          </a:bodyPr>
+          <a:lstStyle/>
+          <a:p>
+            <a:endParaRPr lang="en-US" sz="2400" dirty="0" smtClean="0">
+              <a:latin typeface="Segoe Light"/>
+              <a:cs typeface="Segoe Light"/>
+            </a:endParaRPr>
+          </a:p>
+        </p:txBody>
+      </p:sp>
+      <p:sp>
+        <p:nvSpPr>
+          <p:cNvPr id="5" name="Title 1"/>
+          <p:cNvSpPr>
+            <a:spLocks noGrp="1"/>
+          </p:cNvSpPr>
+          <p:nvPr>
+            <p:ph type="title"/>
+          </p:nvPr>
+        </p:nvSpPr>
+        <p:spPr>
+          <a:xfrm>
+            <a:off x="457200" y="274638"/>
+            <a:ext cx="8229600" cy="744205"/>
+          </a:xfrm>
+        </p:spPr>
+        <p:txBody>
+          <a:bodyPr>
+            <a:normAutofit fontScale="90000"/>
+          </a:bodyPr>
+          <a:lstStyle/>
+          <a:p>
+            <a:pPr algn="l"/>
+            <a:r>
+              <a:rPr lang="en-US" dirty="0" smtClean="0">
+                <a:latin typeface="Segoe Light"/>
+                <a:cs typeface="Segoe Light"/>
+              </a:rPr>
+              <a:t>Turbo King </a:t>
+            </a:r>
+            <a:r>
+              <a:rPr lang="en-US" dirty="0" smtClean="0">
+                <a:latin typeface="Segoe Light"/>
+                <a:cs typeface="Segoe Light"/>
+              </a:rPr>
+              <a:t>– Distribution of Distances</a:t>
+            </a:r>
+            <a:endParaRPr lang="en-US" dirty="0">
+              <a:latin typeface="Segoe Light"/>
+              <a:cs typeface="Segoe Light"/>
+            </a:endParaRPr>
+          </a:p>
+        </p:txBody>
+      </p:sp>
+    </p:spTree>
+    <p:extLst>
+      <p:ext uri="{BB962C8B-B14F-4D97-AF65-F5344CB8AC3E}">
+        <p14:creationId xmlns:p14="http://schemas.microsoft.com/office/powerpoint/2010/main" val="842890423"/>
+      </p:ext>
+    </p:extLst>
+  </p:cSld>
+  <p:clrMapOvr>
+    <a:masterClrMapping/>
+  </p:clrMapOvr>
+  <p:timing>
+    <p:tnLst>
+      <p:par>
+        <p:cTn xmlns:p14="http://schemas.microsoft.com/office/powerpoint/2010/main" id="1" dur="indefinite" restart="never" nodeType="tmRoot"/>
+      </p:par>
+    </p:tnLst>
+  </p:timing>
+</p:sld>
+</file>
+
+<file path=ppt/slides/slide14.xml><?xml version="1.0" encoding="utf-8"?>
+<p:sld xmlns:a="http://schemas.openxmlformats.org/drawingml/2006/main" xmlns:r="http://schemas.openxmlformats.org/officeDocument/2006/relationships" xmlns:p="http://schemas.openxmlformats.org/presentationml/2006/main">
+  <p:cSld>
+    <p:spTree>
+      <p:nvGrpSpPr>
+        <p:cNvPr id="1" name=""/>
+        <p:cNvGrpSpPr/>
+        <p:nvPr/>
+      </p:nvGrpSpPr>
+      <p:grpSpPr>
+        <a:xfrm>
+          <a:off x="0" y="0"/>
+          <a:ext cx="0" cy="0"/>
+          <a:chOff x="0" y="0"/>
+          <a:chExt cx="0" cy="0"/>
+        </a:xfrm>
+      </p:grpSpPr>
+      <p:sp>
+        <p:nvSpPr>
+          <p:cNvPr id="3" name="Content Placeholder 2"/>
+          <p:cNvSpPr>
+            <a:spLocks noGrp="1"/>
+          </p:cNvSpPr>
+          <p:nvPr>
+            <p:ph idx="1"/>
+          </p:nvPr>
+        </p:nvSpPr>
+        <p:spPr>
+          <a:xfrm>
+            <a:off x="457200" y="1228193"/>
+            <a:ext cx="8229600" cy="5122129"/>
+          </a:xfrm>
+        </p:spPr>
+        <p:txBody>
+          <a:bodyPr>
+            <a:normAutofit/>
+          </a:bodyPr>
+          <a:lstStyle/>
+          <a:p>
+            <a:endParaRPr lang="en-US" sz="2400" dirty="0" smtClean="0">
+              <a:latin typeface="Segoe Light"/>
+              <a:cs typeface="Segoe Light"/>
+            </a:endParaRPr>
+          </a:p>
+        </p:txBody>
+      </p:sp>
+      <p:sp>
+        <p:nvSpPr>
+          <p:cNvPr id="5" name="Title 1"/>
+          <p:cNvSpPr>
+            <a:spLocks noGrp="1"/>
+          </p:cNvSpPr>
+          <p:nvPr>
+            <p:ph type="title"/>
+          </p:nvPr>
+        </p:nvSpPr>
+        <p:spPr>
+          <a:xfrm>
+            <a:off x="457200" y="274638"/>
+            <a:ext cx="8229600" cy="744205"/>
+          </a:xfrm>
+        </p:spPr>
+        <p:txBody>
+          <a:bodyPr>
+            <a:normAutofit fontScale="90000"/>
+          </a:bodyPr>
+          <a:lstStyle/>
+          <a:p>
+            <a:pPr algn="l"/>
+            <a:r>
+              <a:rPr lang="en-US" dirty="0" smtClean="0">
+                <a:latin typeface="Segoe Light"/>
+                <a:cs typeface="Segoe Light"/>
+              </a:rPr>
+              <a:t>Turbo King </a:t>
+            </a:r>
+            <a:r>
+              <a:rPr lang="en-US" dirty="0" smtClean="0">
+                <a:latin typeface="Segoe Light"/>
+                <a:cs typeface="Segoe Light"/>
+              </a:rPr>
+              <a:t>– Analysis</a:t>
+            </a:r>
+            <a:endParaRPr lang="en-US" dirty="0">
+              <a:latin typeface="Segoe Light"/>
+              <a:cs typeface="Segoe Light"/>
+            </a:endParaRPr>
+          </a:p>
+        </p:txBody>
+      </p:sp>
+    </p:spTree>
+    <p:extLst>
+      <p:ext uri="{BB962C8B-B14F-4D97-AF65-F5344CB8AC3E}">
+        <p14:creationId xmlns:p14="http://schemas.microsoft.com/office/powerpoint/2010/main" val="1904470555"/>
+      </p:ext>
+    </p:extLst>
+  </p:cSld>
+  <p:clrMapOvr>
+    <a:masterClrMapping/>
+  </p:clrMapOvr>
+  <p:timing>
+    <p:tnLst>
+      <p:par>
+        <p:cTn xmlns:p14="http://schemas.microsoft.com/office/powerpoint/2010/main" id="1" dur="indefinite" restart="never" nodeType="tmRoot"/>
+      </p:par>
+    </p:tnLst>
+  </p:timing>
+</p:sld>
+</file>
+
+<file path=ppt/slides/slide15.xml><?xml version="1.0" encoding="utf-8"?>
+<p:sld xmlns:a="http://schemas.openxmlformats.org/drawingml/2006/main" xmlns:r="http://schemas.openxmlformats.org/officeDocument/2006/relationships" xmlns:p="http://schemas.openxmlformats.org/presentationml/2006/main">
+  <p:cSld>
+    <p:spTree>
+      <p:nvGrpSpPr>
+        <p:cNvPr id="1" name=""/>
+        <p:cNvGrpSpPr/>
+        <p:nvPr/>
+      </p:nvGrpSpPr>
+      <p:grpSpPr>
+        <a:xfrm>
+          <a:off x="0" y="0"/>
+          <a:ext cx="0" cy="0"/>
+          <a:chOff x="0" y="0"/>
+          <a:chExt cx="0" cy="0"/>
+        </a:xfrm>
+      </p:grpSpPr>
+      <p:sp>
+        <p:nvSpPr>
           <p:cNvPr id="2" name="Title 1"/>
           <p:cNvSpPr>
             <a:spLocks noGrp="1"/>
@@ -6567,7 +7597,7 @@
 </p:sld>
 </file>
 
-<file path=ppt/slides/slide11.xml><?xml version="1.0" encoding="utf-8"?>
+<file path=ppt/slides/slide16.xml><?xml version="1.0" encoding="utf-8"?>
 <p:sld xmlns:a="http://schemas.openxmlformats.org/drawingml/2006/main" xmlns:r="http://schemas.openxmlformats.org/officeDocument/2006/relationships" xmlns:p="http://schemas.openxmlformats.org/presentationml/2006/main">
   <p:cSld>
     <p:spTree>
@@ -9900,10 +10930,6 @@
               </a:rPr>
               <a:t>26,000 Open Recursive Resolvers</a:t>
             </a:r>
-            <a:endParaRPr lang="en-US" sz="2000" dirty="0" smtClean="0">
-              <a:latin typeface="Segoe Light"/>
-              <a:cs typeface="Segoe Light"/>
-            </a:endParaRPr>
           </a:p>
           <a:p>
             <a:pPr marL="457200" lvl="1" indent="0">
@@ -9930,36 +10956,18 @@
                 <a:latin typeface="Segoe Light"/>
                 <a:cs typeface="Segoe Light"/>
               </a:rPr>
-              <a:t>56 Measurement </a:t>
-            </a:r>
+              <a:t>56 Measurement Nodes (Planet Lab)</a:t>
+            </a:r>
+          </a:p>
+          <a:p>
+            <a:pPr lvl="1"/>
             <a:r>
               <a:rPr lang="en-US" sz="2000" dirty="0" smtClean="0">
                 <a:latin typeface="Segoe Light"/>
                 <a:cs typeface="Segoe Light"/>
               </a:rPr>
-              <a:t>Nodes (Planet Lab)</a:t>
-            </a:r>
-          </a:p>
-          <a:p>
-            <a:pPr lvl="1"/>
-            <a:r>
-              <a:rPr lang="en-US" sz="2000" dirty="0" smtClean="0">
-                <a:latin typeface="Segoe Light"/>
-                <a:cs typeface="Segoe Light"/>
-              </a:rPr>
-              <a:t>2 Central Name Servers (EC2</a:t>
-            </a:r>
-            <a:r>
-              <a:rPr lang="en-US" sz="2000" dirty="0" smtClean="0">
-                <a:latin typeface="Segoe Light"/>
-                <a:cs typeface="Segoe Light"/>
-              </a:rPr>
-              <a:t>)</a:t>
-            </a:r>
-            <a:endParaRPr lang="en-US" sz="2000" dirty="0" smtClean="0">
-              <a:latin typeface="Segoe Light"/>
-              <a:cs typeface="Segoe Light"/>
-            </a:endParaRPr>
+              <a:t>2 Central Name Servers (EC2)</a:t>
+            </a:r>
           </a:p>
           <a:p>
             <a:pPr lvl="1"/>
@@ -10135,7 +11143,14 @@
                 <a:latin typeface="Segoe Light"/>
                 <a:cs typeface="Segoe Light"/>
               </a:rPr>
-              <a:t>Turbo King - Data</a:t>
+              <a:t>Turbo King - </a:t>
+            </a:r>
+            <a:r>
+              <a:rPr lang="en-US" dirty="0" smtClean="0">
+                <a:latin typeface="Segoe Light"/>
+                <a:cs typeface="Segoe Light"/>
+              </a:rPr>
+              <a:t>Resolvers</a:t>
             </a:r>
             <a:endParaRPr lang="en-US" dirty="0">
               <a:latin typeface="Segoe Light"/>
@@ -10147,7 +11162,7 @@
     </p:spTree>
     <p:extLst>
       <p:ext uri="{BB962C8B-B14F-4D97-AF65-F5344CB8AC3E}">
-        <p14:creationId xmlns:p14="http://schemas.microsoft.com/office/powerpoint/2010/main" val="581556730"/>
+        <p14:creationId xmlns:p14="http://schemas.microsoft.com/office/powerpoint/2010/main" val="1123711455"/>
       </p:ext>
     </p:extLst>
   </p:cSld>
